--- a/DAY1/04 - Introduction to python and scikit-learn/Introduction Python and Scikit-learn.pptx
+++ b/DAY1/04 - Introduction to python and scikit-learn/Introduction Python and Scikit-learn.pptx
@@ -5,7 +5,7 @@
     <p:sldMasterId id="2147483663" r:id="rId1"/>
   </p:sldMasterIdLst>
   <p:notesMasterIdLst>
-    <p:notesMasterId r:id="rId49"/>
+    <p:notesMasterId r:id="rId52"/>
   </p:notesMasterIdLst>
   <p:sldIdLst>
     <p:sldId id="256" r:id="rId2"/>
@@ -15,63 +15,59 @@
     <p:sldId id="270" r:id="rId6"/>
     <p:sldId id="271" r:id="rId7"/>
     <p:sldId id="277" r:id="rId8"/>
-    <p:sldId id="308" r:id="rId9"/>
-    <p:sldId id="279" r:id="rId10"/>
-    <p:sldId id="310" r:id="rId11"/>
-    <p:sldId id="280" r:id="rId12"/>
-    <p:sldId id="281" r:id="rId13"/>
-    <p:sldId id="282" r:id="rId14"/>
-    <p:sldId id="283" r:id="rId15"/>
-    <p:sldId id="284" r:id="rId16"/>
-    <p:sldId id="285" r:id="rId17"/>
-    <p:sldId id="286" r:id="rId18"/>
-    <p:sldId id="257" r:id="rId19"/>
-    <p:sldId id="287" r:id="rId20"/>
-    <p:sldId id="288" r:id="rId21"/>
-    <p:sldId id="289" r:id="rId22"/>
-    <p:sldId id="290" r:id="rId23"/>
-    <p:sldId id="314" r:id="rId24"/>
-    <p:sldId id="311" r:id="rId25"/>
-    <p:sldId id="303" r:id="rId26"/>
-    <p:sldId id="261" r:id="rId27"/>
-    <p:sldId id="292" r:id="rId28"/>
-    <p:sldId id="291" r:id="rId29"/>
-    <p:sldId id="293" r:id="rId30"/>
-    <p:sldId id="294" r:id="rId31"/>
-    <p:sldId id="296" r:id="rId32"/>
-    <p:sldId id="295" r:id="rId33"/>
-    <p:sldId id="297" r:id="rId34"/>
-    <p:sldId id="313" r:id="rId35"/>
-    <p:sldId id="300" r:id="rId36"/>
-    <p:sldId id="301" r:id="rId37"/>
-    <p:sldId id="302" r:id="rId38"/>
-    <p:sldId id="312" r:id="rId39"/>
-    <p:sldId id="298" r:id="rId40"/>
-    <p:sldId id="299" r:id="rId41"/>
-    <p:sldId id="304" r:id="rId42"/>
-    <p:sldId id="305" r:id="rId43"/>
-    <p:sldId id="306" r:id="rId44"/>
-    <p:sldId id="307" r:id="rId45"/>
-    <p:sldId id="309" r:id="rId46"/>
-    <p:sldId id="263" r:id="rId47"/>
-    <p:sldId id="267" r:id="rId48"/>
+    <p:sldId id="315" r:id="rId9"/>
+    <p:sldId id="317" r:id="rId10"/>
+    <p:sldId id="318" r:id="rId11"/>
+    <p:sldId id="319" r:id="rId12"/>
+    <p:sldId id="316" r:id="rId13"/>
+    <p:sldId id="308" r:id="rId14"/>
+    <p:sldId id="279" r:id="rId15"/>
+    <p:sldId id="310" r:id="rId16"/>
+    <p:sldId id="280" r:id="rId17"/>
+    <p:sldId id="281" r:id="rId18"/>
+    <p:sldId id="282" r:id="rId19"/>
+    <p:sldId id="283" r:id="rId20"/>
+    <p:sldId id="284" r:id="rId21"/>
+    <p:sldId id="285" r:id="rId22"/>
+    <p:sldId id="286" r:id="rId23"/>
+    <p:sldId id="257" r:id="rId24"/>
+    <p:sldId id="287" r:id="rId25"/>
+    <p:sldId id="290" r:id="rId26"/>
+    <p:sldId id="314" r:id="rId27"/>
+    <p:sldId id="311" r:id="rId28"/>
+    <p:sldId id="303" r:id="rId29"/>
+    <p:sldId id="261" r:id="rId30"/>
+    <p:sldId id="292" r:id="rId31"/>
+    <p:sldId id="291" r:id="rId32"/>
+    <p:sldId id="293" r:id="rId33"/>
+    <p:sldId id="294" r:id="rId34"/>
+    <p:sldId id="296" r:id="rId35"/>
+    <p:sldId id="295" r:id="rId36"/>
+    <p:sldId id="297" r:id="rId37"/>
+    <p:sldId id="313" r:id="rId38"/>
+    <p:sldId id="300" r:id="rId39"/>
+    <p:sldId id="301" r:id="rId40"/>
+    <p:sldId id="302" r:id="rId41"/>
+    <p:sldId id="298" r:id="rId42"/>
+    <p:sldId id="299" r:id="rId43"/>
+    <p:sldId id="304" r:id="rId44"/>
+    <p:sldId id="305" r:id="rId45"/>
+    <p:sldId id="306" r:id="rId46"/>
+    <p:sldId id="320" r:id="rId47"/>
+    <p:sldId id="309" r:id="rId48"/>
+    <p:sldId id="321" r:id="rId49"/>
+    <p:sldId id="263" r:id="rId50"/>
+    <p:sldId id="267" r:id="rId51"/>
   </p:sldIdLst>
   <p:sldSz cx="9144000" cy="5143500" type="screen16x9"/>
   <p:notesSz cx="6858000" cy="9144000"/>
   <p:embeddedFontLst>
     <p:embeddedFont>
-      <p:font typeface="Calibri" panose="020F0502020204030204" pitchFamily="34" charset="0"/>
-      <p:regular r:id="rId50"/>
-      <p:bold r:id="rId51"/>
-      <p:italic r:id="rId52"/>
-      <p:boldItalic r:id="rId53"/>
-    </p:embeddedFont>
-    <p:embeddedFont>
       <p:font typeface="Consolas" panose="020B0609020204030204" pitchFamily="49" charset="0"/>
-      <p:regular r:id="rId54"/>
-      <p:bold r:id="rId55"/>
-      <p:italic r:id="rId56"/>
-      <p:boldItalic r:id="rId57"/>
+      <p:regular r:id="rId53"/>
+      <p:bold r:id="rId54"/>
+      <p:italic r:id="rId55"/>
+      <p:boldItalic r:id="rId56"/>
     </p:embeddedFont>
   </p:embeddedFontLst>
   <p:defaultTextStyle>
@@ -3487,7 +3483,7 @@
           <a:lstStyle/>
           <a:p>
             <a:fld id="{383FCE59-ED68-1145-BEA5-66C22E95295E}" type="datetimeFigureOut">
-              <a:t>02.10.2023</a:t>
+              <a:t>11.01.2024</a:t>
             </a:fld>
             <a:endParaRPr lang="en-CH"/>
           </a:p>
@@ -3696,7 +3692,7 @@
           <a:lstStyle/>
           <a:p>
             <a:fld id="{383FCE59-ED68-1145-BEA5-66C22E95295E}" type="datetimeFigureOut">
-              <a:t>02.10.2023</a:t>
+              <a:t>11.01.2024</a:t>
             </a:fld>
             <a:endParaRPr lang="en-CH"/>
           </a:p>
@@ -3915,7 +3911,7 @@
           <a:lstStyle/>
           <a:p>
             <a:fld id="{383FCE59-ED68-1145-BEA5-66C22E95295E}" type="datetimeFigureOut">
-              <a:t>02.10.2023</a:t>
+              <a:t>11.01.2024</a:t>
             </a:fld>
             <a:endParaRPr lang="en-CH"/>
           </a:p>
@@ -4124,7 +4120,7 @@
           <a:lstStyle/>
           <a:p>
             <a:fld id="{383FCE59-ED68-1145-BEA5-66C22E95295E}" type="datetimeFigureOut">
-              <a:t>02.10.2023</a:t>
+              <a:t>11.01.2024</a:t>
             </a:fld>
             <a:endParaRPr lang="en-CH"/>
           </a:p>
@@ -4409,7 +4405,7 @@
           <a:lstStyle/>
           <a:p>
             <a:fld id="{383FCE59-ED68-1145-BEA5-66C22E95295E}" type="datetimeFigureOut">
-              <a:t>02.10.2023</a:t>
+              <a:t>11.01.2024</a:t>
             </a:fld>
             <a:endParaRPr lang="en-CH"/>
           </a:p>
@@ -4686,7 +4682,7 @@
           <a:lstStyle/>
           <a:p>
             <a:fld id="{383FCE59-ED68-1145-BEA5-66C22E95295E}" type="datetimeFigureOut">
-              <a:t>02.10.2023</a:t>
+              <a:t>11.01.2024</a:t>
             </a:fld>
             <a:endParaRPr lang="en-CH"/>
           </a:p>
@@ -5110,7 +5106,7 @@
           <a:lstStyle/>
           <a:p>
             <a:fld id="{383FCE59-ED68-1145-BEA5-66C22E95295E}" type="datetimeFigureOut">
-              <a:t>02.10.2023</a:t>
+              <a:t>11.01.2024</a:t>
             </a:fld>
             <a:endParaRPr lang="en-CH"/>
           </a:p>
@@ -5261,7 +5257,7 @@
           <a:lstStyle/>
           <a:p>
             <a:fld id="{383FCE59-ED68-1145-BEA5-66C22E95295E}" type="datetimeFigureOut">
-              <a:t>02.10.2023</a:t>
+              <a:t>11.01.2024</a:t>
             </a:fld>
             <a:endParaRPr lang="en-CH"/>
           </a:p>
@@ -5383,7 +5379,7 @@
           <a:lstStyle/>
           <a:p>
             <a:fld id="{383FCE59-ED68-1145-BEA5-66C22E95295E}" type="datetimeFigureOut">
-              <a:t>02.10.2023</a:t>
+              <a:t>11.01.2024</a:t>
             </a:fld>
             <a:endParaRPr lang="en-CH"/>
           </a:p>
@@ -5705,7 +5701,7 @@
           <a:lstStyle/>
           <a:p>
             <a:fld id="{383FCE59-ED68-1145-BEA5-66C22E95295E}" type="datetimeFigureOut">
-              <a:t>02.10.2023</a:t>
+              <a:t>11.01.2024</a:t>
             </a:fld>
             <a:endParaRPr lang="en-CH"/>
           </a:p>
@@ -6003,7 +5999,7 @@
           <a:lstStyle/>
           <a:p>
             <a:fld id="{383FCE59-ED68-1145-BEA5-66C22E95295E}" type="datetimeFigureOut">
-              <a:t>02.10.2023</a:t>
+              <a:t>11.01.2024</a:t>
             </a:fld>
             <a:endParaRPr lang="en-CH"/>
           </a:p>
@@ -6258,7 +6254,7 @@
             <a:fld id="{383FCE59-ED68-1145-BEA5-66C22E95295E}" type="datetimeFigureOut">
               <a:rPr lang="en-CH"/>
               <a:pPr/>
-              <a:t>02.10.2023</a:t>
+              <a:t>11.01.2024</a:t>
             </a:fld>
             <a:endParaRPr lang="en-CH"/>
           </a:p>
@@ -6881,6 +6877,1090 @@
 </file>
 
 <file path=ppt/slides/slide10.xml><?xml version="1.0" encoding="utf-8"?>
+<p:sld xmlns:a="http://schemas.openxmlformats.org/drawingml/2006/main" xmlns:r="http://schemas.openxmlformats.org/officeDocument/2006/relationships" xmlns:p="http://schemas.openxmlformats.org/presentationml/2006/main">
+  <p:cSld>
+    <p:spTree>
+      <p:nvGrpSpPr>
+        <p:cNvPr id="1" name=""/>
+        <p:cNvGrpSpPr/>
+        <p:nvPr/>
+      </p:nvGrpSpPr>
+      <p:grpSpPr>
+        <a:xfrm>
+          <a:off x="0" y="0"/>
+          <a:ext cx="0" cy="0"/>
+          <a:chOff x="0" y="0"/>
+          <a:chExt cx="0" cy="0"/>
+        </a:xfrm>
+      </p:grpSpPr>
+      <p:sp>
+        <p:nvSpPr>
+          <p:cNvPr id="2" name="Title 1">
+            <a:extLst>
+              <a:ext uri="{FF2B5EF4-FFF2-40B4-BE49-F238E27FC236}">
+                <a16:creationId xmlns:a16="http://schemas.microsoft.com/office/drawing/2014/main" id="{84692718-604D-8FC1-89C1-1C8AD3538B26}"/>
+              </a:ext>
+            </a:extLst>
+          </p:cNvPr>
+          <p:cNvSpPr>
+            <a:spLocks noGrp="1"/>
+          </p:cNvSpPr>
+          <p:nvPr>
+            <p:ph type="title"/>
+          </p:nvPr>
+        </p:nvSpPr>
+        <p:spPr/>
+        <p:txBody>
+          <a:bodyPr>
+            <a:normAutofit fontScale="90000"/>
+          </a:bodyPr>
+          <a:lstStyle/>
+          <a:p>
+            <a:r>
+              <a:rPr lang="en-CH" dirty="0"/>
+              <a:t>Reproducibility in Machine Learning – How to achieve it (II/III)</a:t>
+            </a:r>
+          </a:p>
+        </p:txBody>
+      </p:sp>
+      <p:sp>
+        <p:nvSpPr>
+          <p:cNvPr id="3" name="Content Placeholder 2">
+            <a:extLst>
+              <a:ext uri="{FF2B5EF4-FFF2-40B4-BE49-F238E27FC236}">
+                <a16:creationId xmlns:a16="http://schemas.microsoft.com/office/drawing/2014/main" id="{750E87CA-5AD2-DBEF-0B58-4D8E547733CD}"/>
+              </a:ext>
+            </a:extLst>
+          </p:cNvPr>
+          <p:cNvSpPr>
+            <a:spLocks noGrp="1"/>
+          </p:cNvSpPr>
+          <p:nvPr>
+            <p:ph idx="1"/>
+          </p:nvPr>
+        </p:nvSpPr>
+        <p:spPr/>
+        <p:txBody>
+          <a:bodyPr>
+            <a:normAutofit/>
+          </a:bodyPr>
+          <a:lstStyle/>
+          <a:p>
+            <a:pPr marL="0" indent="0" algn="l">
+              <a:buNone/>
+            </a:pPr>
+            <a:r>
+              <a:rPr lang="en-GB" b="1" i="0" dirty="0">
+                <a:solidFill>
+                  <a:srgbClr val="374151"/>
+                </a:solidFill>
+                <a:effectLst/>
+                <a:cs typeface="Arial" panose="020B0604020202020204" pitchFamily="34" charset="0"/>
+              </a:rPr>
+              <a:t>Detailed Data Management:</a:t>
+            </a:r>
+            <a:r>
+              <a:rPr lang="en-GB" dirty="0">
+                <a:solidFill>
+                  <a:srgbClr val="374151"/>
+                </a:solidFill>
+                <a:cs typeface="Arial" panose="020B0604020202020204" pitchFamily="34" charset="0"/>
+              </a:rPr>
+              <a:t> </a:t>
+            </a:r>
+            <a:r>
+              <a:rPr lang="en-GB" b="0" i="0" dirty="0">
+                <a:solidFill>
+                  <a:srgbClr val="374151"/>
+                </a:solidFill>
+                <a:effectLst/>
+                <a:cs typeface="Arial" panose="020B0604020202020204" pitchFamily="34" charset="0"/>
+              </a:rPr>
+              <a:t>If possible, share the dataset or provide a detailed description of how it can be obtained and </a:t>
+            </a:r>
+            <a:r>
+              <a:rPr lang="en-GB" b="0" i="0" dirty="0" err="1">
+                <a:solidFill>
+                  <a:srgbClr val="374151"/>
+                </a:solidFill>
+                <a:effectLst/>
+                <a:cs typeface="Arial" panose="020B0604020202020204" pitchFamily="34" charset="0"/>
+              </a:rPr>
+              <a:t>preprocessed</a:t>
+            </a:r>
+            <a:r>
+              <a:rPr lang="en-GB" b="0" i="0" dirty="0">
+                <a:solidFill>
+                  <a:srgbClr val="374151"/>
+                </a:solidFill>
+                <a:effectLst/>
+                <a:cs typeface="Arial" panose="020B0604020202020204" pitchFamily="34" charset="0"/>
+              </a:rPr>
+              <a:t>. Include scripts used for data </a:t>
+            </a:r>
+            <a:r>
+              <a:rPr lang="en-GB" b="0" i="0" dirty="0" err="1">
+                <a:solidFill>
+                  <a:srgbClr val="374151"/>
+                </a:solidFill>
+                <a:effectLst/>
+                <a:cs typeface="Arial" panose="020B0604020202020204" pitchFamily="34" charset="0"/>
+              </a:rPr>
+              <a:t>preprocessing</a:t>
+            </a:r>
+            <a:r>
+              <a:rPr lang="en-GB" b="0" i="0" dirty="0">
+                <a:solidFill>
+                  <a:srgbClr val="374151"/>
+                </a:solidFill>
+                <a:effectLst/>
+                <a:cs typeface="Arial" panose="020B0604020202020204" pitchFamily="34" charset="0"/>
+              </a:rPr>
+              <a:t> and cleaning.</a:t>
+            </a:r>
+          </a:p>
+          <a:p>
+            <a:pPr marL="0" indent="0" algn="l">
+              <a:buNone/>
+            </a:pPr>
+            <a:r>
+              <a:rPr lang="en-GB" b="1" i="0" dirty="0">
+                <a:solidFill>
+                  <a:srgbClr val="374151"/>
+                </a:solidFill>
+                <a:effectLst/>
+                <a:cs typeface="Arial" panose="020B0604020202020204" pitchFamily="34" charset="0"/>
+              </a:rPr>
+              <a:t>Share Hyperparameters and Configuration Files: </a:t>
+            </a:r>
+            <a:r>
+              <a:rPr lang="en-GB" b="0" i="0" dirty="0">
+                <a:solidFill>
+                  <a:srgbClr val="374151"/>
+                </a:solidFill>
+                <a:effectLst/>
+                <a:cs typeface="Arial" panose="020B0604020202020204" pitchFamily="34" charset="0"/>
+              </a:rPr>
+              <a:t>Document all hyperparameters and model configurations used during training. Use configuration files to manage hyperparameters, which are easier to track and replicate.</a:t>
+            </a:r>
+          </a:p>
+          <a:p>
+            <a:pPr marL="0" indent="0" algn="l">
+              <a:buNone/>
+            </a:pPr>
+            <a:r>
+              <a:rPr lang="en-GB" b="1" i="0" dirty="0">
+                <a:solidFill>
+                  <a:srgbClr val="374151"/>
+                </a:solidFill>
+                <a:effectLst/>
+                <a:cs typeface="Arial" panose="020B0604020202020204" pitchFamily="34" charset="0"/>
+              </a:rPr>
+              <a:t>Model Checkpointing: </a:t>
+            </a:r>
+            <a:r>
+              <a:rPr lang="en-GB" b="0" i="0" dirty="0">
+                <a:solidFill>
+                  <a:srgbClr val="374151"/>
+                </a:solidFill>
+                <a:effectLst/>
+                <a:cs typeface="Arial" panose="020B0604020202020204" pitchFamily="34" charset="0"/>
+              </a:rPr>
+              <a:t>Save and version model checkpoints during and after training to allow for exact model recreation.</a:t>
+            </a:r>
+          </a:p>
+        </p:txBody>
+      </p:sp>
+    </p:spTree>
+    <p:extLst>
+      <p:ext uri="{BB962C8B-B14F-4D97-AF65-F5344CB8AC3E}">
+        <p14:creationId xmlns:p14="http://schemas.microsoft.com/office/powerpoint/2010/main" val="3052958232"/>
+      </p:ext>
+    </p:extLst>
+  </p:cSld>
+  <p:clrMapOvr>
+    <a:masterClrMapping/>
+  </p:clrMapOvr>
+</p:sld>
+</file>
+
+<file path=ppt/slides/slide11.xml><?xml version="1.0" encoding="utf-8"?>
+<p:sld xmlns:a="http://schemas.openxmlformats.org/drawingml/2006/main" xmlns:r="http://schemas.openxmlformats.org/officeDocument/2006/relationships" xmlns:p="http://schemas.openxmlformats.org/presentationml/2006/main">
+  <p:cSld>
+    <p:spTree>
+      <p:nvGrpSpPr>
+        <p:cNvPr id="1" name=""/>
+        <p:cNvGrpSpPr/>
+        <p:nvPr/>
+      </p:nvGrpSpPr>
+      <p:grpSpPr>
+        <a:xfrm>
+          <a:off x="0" y="0"/>
+          <a:ext cx="0" cy="0"/>
+          <a:chOff x="0" y="0"/>
+          <a:chExt cx="0" cy="0"/>
+        </a:xfrm>
+      </p:grpSpPr>
+      <p:sp>
+        <p:nvSpPr>
+          <p:cNvPr id="2" name="Title 1">
+            <a:extLst>
+              <a:ext uri="{FF2B5EF4-FFF2-40B4-BE49-F238E27FC236}">
+                <a16:creationId xmlns:a16="http://schemas.microsoft.com/office/drawing/2014/main" id="{84692718-604D-8FC1-89C1-1C8AD3538B26}"/>
+              </a:ext>
+            </a:extLst>
+          </p:cNvPr>
+          <p:cNvSpPr>
+            <a:spLocks noGrp="1"/>
+          </p:cNvSpPr>
+          <p:nvPr>
+            <p:ph type="title"/>
+          </p:nvPr>
+        </p:nvSpPr>
+        <p:spPr/>
+        <p:txBody>
+          <a:bodyPr>
+            <a:normAutofit fontScale="90000"/>
+          </a:bodyPr>
+          <a:lstStyle/>
+          <a:p>
+            <a:r>
+              <a:rPr lang="en-CH" dirty="0"/>
+              <a:t>Reproducibility in Machine Learning – How to achieve it (III/III)</a:t>
+            </a:r>
+          </a:p>
+        </p:txBody>
+      </p:sp>
+      <p:sp>
+        <p:nvSpPr>
+          <p:cNvPr id="3" name="Content Placeholder 2">
+            <a:extLst>
+              <a:ext uri="{FF2B5EF4-FFF2-40B4-BE49-F238E27FC236}">
+                <a16:creationId xmlns:a16="http://schemas.microsoft.com/office/drawing/2014/main" id="{750E87CA-5AD2-DBEF-0B58-4D8E547733CD}"/>
+              </a:ext>
+            </a:extLst>
+          </p:cNvPr>
+          <p:cNvSpPr>
+            <a:spLocks noGrp="1"/>
+          </p:cNvSpPr>
+          <p:nvPr>
+            <p:ph idx="1"/>
+          </p:nvPr>
+        </p:nvSpPr>
+        <p:spPr/>
+        <p:txBody>
+          <a:bodyPr>
+            <a:normAutofit/>
+          </a:bodyPr>
+          <a:lstStyle/>
+          <a:p>
+            <a:pPr marL="0" indent="0" algn="l">
+              <a:buNone/>
+            </a:pPr>
+            <a:r>
+              <a:rPr lang="en-GB" b="1" i="0" dirty="0">
+                <a:solidFill>
+                  <a:srgbClr val="374151"/>
+                </a:solidFill>
+                <a:effectLst/>
+                <a:cs typeface="Arial" panose="020B0604020202020204" pitchFamily="34" charset="0"/>
+              </a:rPr>
+              <a:t>Use a Seed for Data Splits: </a:t>
+            </a:r>
+            <a:r>
+              <a:rPr lang="en-GB" b="0" i="0" dirty="0">
+                <a:solidFill>
+                  <a:srgbClr val="374151"/>
+                </a:solidFill>
+                <a:effectLst/>
+                <a:cs typeface="Arial" panose="020B0604020202020204" pitchFamily="34" charset="0"/>
+              </a:rPr>
+              <a:t>If the data is split into training, validation, and test sets, ensure the splits are reproducible by using a seed.</a:t>
+            </a:r>
+          </a:p>
+          <a:p>
+            <a:pPr marL="0" indent="0" algn="l">
+              <a:buNone/>
+            </a:pPr>
+            <a:r>
+              <a:rPr lang="en-GB" b="1" i="0" dirty="0">
+                <a:solidFill>
+                  <a:srgbClr val="374151"/>
+                </a:solidFill>
+                <a:effectLst/>
+                <a:cs typeface="Arial" panose="020B0604020202020204" pitchFamily="34" charset="0"/>
+              </a:rPr>
+              <a:t>Logging and Experiment Tracking: </a:t>
+            </a:r>
+            <a:r>
+              <a:rPr lang="en-GB" b="0" i="0" dirty="0">
+                <a:solidFill>
+                  <a:srgbClr val="374151"/>
+                </a:solidFill>
+                <a:effectLst/>
+                <a:cs typeface="Arial" panose="020B0604020202020204" pitchFamily="34" charset="0"/>
+              </a:rPr>
+              <a:t>Use experiment tracking tools (like </a:t>
+            </a:r>
+            <a:r>
+              <a:rPr lang="en-GB" b="0" i="0" dirty="0" err="1">
+                <a:solidFill>
+                  <a:srgbClr val="374151"/>
+                </a:solidFill>
+                <a:effectLst/>
+                <a:cs typeface="Arial" panose="020B0604020202020204" pitchFamily="34" charset="0"/>
+              </a:rPr>
+              <a:t>MLflow</a:t>
+            </a:r>
+            <a:r>
+              <a:rPr lang="en-GB" b="0" i="0" dirty="0">
+                <a:solidFill>
+                  <a:srgbClr val="374151"/>
+                </a:solidFill>
+                <a:effectLst/>
+                <a:cs typeface="Arial" panose="020B0604020202020204" pitchFamily="34" charset="0"/>
+              </a:rPr>
+              <a:t>, </a:t>
+            </a:r>
+            <a:r>
+              <a:rPr lang="en-GB" b="0" i="0" dirty="0" err="1">
+                <a:solidFill>
+                  <a:srgbClr val="374151"/>
+                </a:solidFill>
+                <a:effectLst/>
+                <a:cs typeface="Arial" panose="020B0604020202020204" pitchFamily="34" charset="0"/>
+              </a:rPr>
+              <a:t>TensorBoard</a:t>
+            </a:r>
+            <a:r>
+              <a:rPr lang="en-GB" b="0" i="0" dirty="0">
+                <a:solidFill>
+                  <a:srgbClr val="374151"/>
+                </a:solidFill>
+                <a:effectLst/>
+                <a:cs typeface="Arial" panose="020B0604020202020204" pitchFamily="34" charset="0"/>
+              </a:rPr>
+              <a:t>, or Weights &amp; Biases) to log experiments, including parameters, metrics, and results.</a:t>
+            </a:r>
+          </a:p>
+          <a:p>
+            <a:pPr marL="0" indent="0" algn="l">
+              <a:buNone/>
+            </a:pPr>
+            <a:r>
+              <a:rPr lang="en-GB" b="1" i="0" dirty="0">
+                <a:solidFill>
+                  <a:srgbClr val="374151"/>
+                </a:solidFill>
+                <a:effectLst/>
+                <a:cs typeface="Arial" panose="020B0604020202020204" pitchFamily="34" charset="0"/>
+              </a:rPr>
+              <a:t>Automate the Workflow: </a:t>
+            </a:r>
+            <a:r>
+              <a:rPr lang="en-GB" b="0" i="0" dirty="0">
+                <a:solidFill>
+                  <a:srgbClr val="374151"/>
+                </a:solidFill>
+                <a:effectLst/>
+                <a:cs typeface="Arial" panose="020B0604020202020204" pitchFamily="34" charset="0"/>
+              </a:rPr>
+              <a:t>Use workflow automation tools to script the entire pipeline, from data </a:t>
+            </a:r>
+            <a:r>
+              <a:rPr lang="en-GB" b="0" i="0" dirty="0" err="1">
+                <a:solidFill>
+                  <a:srgbClr val="374151"/>
+                </a:solidFill>
+                <a:effectLst/>
+                <a:cs typeface="Arial" panose="020B0604020202020204" pitchFamily="34" charset="0"/>
+              </a:rPr>
+              <a:t>preprocessing</a:t>
+            </a:r>
+            <a:r>
+              <a:rPr lang="en-GB" b="0" i="0" dirty="0">
+                <a:solidFill>
+                  <a:srgbClr val="374151"/>
+                </a:solidFill>
+                <a:effectLst/>
+                <a:cs typeface="Arial" panose="020B0604020202020204" pitchFamily="34" charset="0"/>
+              </a:rPr>
+              <a:t> to model training and evaluation.</a:t>
+            </a:r>
+          </a:p>
+          <a:p>
+            <a:pPr marL="0" indent="0" algn="l">
+              <a:buNone/>
+            </a:pPr>
+            <a:endParaRPr lang="en-GB" b="0" i="0" dirty="0">
+              <a:solidFill>
+                <a:srgbClr val="374151"/>
+              </a:solidFill>
+              <a:effectLst/>
+              <a:cs typeface="Arial" panose="020B0604020202020204" pitchFamily="34" charset="0"/>
+            </a:endParaRPr>
+          </a:p>
+          <a:p>
+            <a:pPr marL="0" indent="0" algn="l">
+              <a:buNone/>
+            </a:pPr>
+            <a:endParaRPr lang="en-GB" b="0" i="0" dirty="0">
+              <a:solidFill>
+                <a:srgbClr val="374151"/>
+              </a:solidFill>
+              <a:effectLst/>
+              <a:cs typeface="Arial" panose="020B0604020202020204" pitchFamily="34" charset="0"/>
+            </a:endParaRPr>
+          </a:p>
+        </p:txBody>
+      </p:sp>
+    </p:spTree>
+    <p:extLst>
+      <p:ext uri="{BB962C8B-B14F-4D97-AF65-F5344CB8AC3E}">
+        <p14:creationId xmlns:p14="http://schemas.microsoft.com/office/powerpoint/2010/main" val="1618398266"/>
+      </p:ext>
+    </p:extLst>
+  </p:cSld>
+  <p:clrMapOvr>
+    <a:masterClrMapping/>
+  </p:clrMapOvr>
+</p:sld>
+</file>
+
+<file path=ppt/slides/slide12.xml><?xml version="1.0" encoding="utf-8"?>
+<p:sld xmlns:a="http://schemas.openxmlformats.org/drawingml/2006/main" xmlns:r="http://schemas.openxmlformats.org/officeDocument/2006/relationships" xmlns:p="http://schemas.openxmlformats.org/presentationml/2006/main">
+  <p:cSld>
+    <p:spTree>
+      <p:nvGrpSpPr>
+        <p:cNvPr id="1" name=""/>
+        <p:cNvGrpSpPr/>
+        <p:nvPr/>
+      </p:nvGrpSpPr>
+      <p:grpSpPr>
+        <a:xfrm>
+          <a:off x="0" y="0"/>
+          <a:ext cx="0" cy="0"/>
+          <a:chOff x="0" y="0"/>
+          <a:chExt cx="0" cy="0"/>
+        </a:xfrm>
+      </p:grpSpPr>
+      <p:sp>
+        <p:nvSpPr>
+          <p:cNvPr id="2" name="Title 1">
+            <a:extLst>
+              <a:ext uri="{FF2B5EF4-FFF2-40B4-BE49-F238E27FC236}">
+                <a16:creationId xmlns:a16="http://schemas.microsoft.com/office/drawing/2014/main" id="{BC80924F-B9B1-DEC8-B8F1-8857CB0E384D}"/>
+              </a:ext>
+            </a:extLst>
+          </p:cNvPr>
+          <p:cNvSpPr>
+            <a:spLocks noGrp="1"/>
+          </p:cNvSpPr>
+          <p:nvPr>
+            <p:ph type="title"/>
+          </p:nvPr>
+        </p:nvSpPr>
+        <p:spPr/>
+        <p:txBody>
+          <a:bodyPr/>
+          <a:lstStyle/>
+          <a:p>
+            <a:r>
+              <a:rPr lang="en-CH" dirty="0"/>
+              <a:t>Tools for ML Reproducibility - Overview</a:t>
+            </a:r>
+          </a:p>
+        </p:txBody>
+      </p:sp>
+      <p:sp>
+        <p:nvSpPr>
+          <p:cNvPr id="3" name="Text Placeholder 2">
+            <a:extLst>
+              <a:ext uri="{FF2B5EF4-FFF2-40B4-BE49-F238E27FC236}">
+                <a16:creationId xmlns:a16="http://schemas.microsoft.com/office/drawing/2014/main" id="{6F19FE78-8084-BB9A-72F8-DCB29A2DD3C7}"/>
+              </a:ext>
+            </a:extLst>
+          </p:cNvPr>
+          <p:cNvSpPr>
+            <a:spLocks noGrp="1"/>
+          </p:cNvSpPr>
+          <p:nvPr>
+            <p:ph type="body" idx="1"/>
+          </p:nvPr>
+        </p:nvSpPr>
+        <p:spPr/>
+        <p:txBody>
+          <a:bodyPr/>
+          <a:lstStyle/>
+          <a:p>
+            <a:r>
+              <a:rPr lang="en-CH" dirty="0"/>
+              <a:t>An overview of the most used and important tool to use when doing research with machine learning</a:t>
+            </a:r>
+          </a:p>
+        </p:txBody>
+      </p:sp>
+    </p:spTree>
+    <p:extLst>
+      <p:ext uri="{BB962C8B-B14F-4D97-AF65-F5344CB8AC3E}">
+        <p14:creationId xmlns:p14="http://schemas.microsoft.com/office/powerpoint/2010/main" val="1448741322"/>
+      </p:ext>
+    </p:extLst>
+  </p:cSld>
+  <p:clrMapOvr>
+    <a:masterClrMapping/>
+  </p:clrMapOvr>
+</p:sld>
+</file>
+
+<file path=ppt/slides/slide13.xml><?xml version="1.0" encoding="utf-8"?>
+<p:sld xmlns:a="http://schemas.openxmlformats.org/drawingml/2006/main" xmlns:r="http://schemas.openxmlformats.org/officeDocument/2006/relationships" xmlns:p="http://schemas.openxmlformats.org/presentationml/2006/main">
+  <p:cSld>
+    <p:spTree>
+      <p:nvGrpSpPr>
+        <p:cNvPr id="1" name=""/>
+        <p:cNvGrpSpPr/>
+        <p:nvPr/>
+      </p:nvGrpSpPr>
+      <p:grpSpPr>
+        <a:xfrm>
+          <a:off x="0" y="0"/>
+          <a:ext cx="0" cy="0"/>
+          <a:chOff x="0" y="0"/>
+          <a:chExt cx="0" cy="0"/>
+        </a:xfrm>
+      </p:grpSpPr>
+      <p:sp>
+        <p:nvSpPr>
+          <p:cNvPr id="2" name="Title 1">
+            <a:extLst>
+              <a:ext uri="{FF2B5EF4-FFF2-40B4-BE49-F238E27FC236}">
+                <a16:creationId xmlns:a16="http://schemas.microsoft.com/office/drawing/2014/main" id="{DB1836CF-70A3-BA43-8887-8846CCD82A43}"/>
+              </a:ext>
+            </a:extLst>
+          </p:cNvPr>
+          <p:cNvSpPr>
+            <a:spLocks noGrp="1"/>
+          </p:cNvSpPr>
+          <p:nvPr>
+            <p:ph type="title"/>
+          </p:nvPr>
+        </p:nvSpPr>
+        <p:spPr/>
+        <p:txBody>
+          <a:bodyPr/>
+          <a:lstStyle/>
+          <a:p>
+            <a:r>
+              <a:rPr lang="en-CH"/>
+              <a:t>Tools overview – the fundamental 3</a:t>
+            </a:r>
+          </a:p>
+        </p:txBody>
+      </p:sp>
+      <p:sp>
+        <p:nvSpPr>
+          <p:cNvPr id="3" name="Content Placeholder 2">
+            <a:extLst>
+              <a:ext uri="{FF2B5EF4-FFF2-40B4-BE49-F238E27FC236}">
+                <a16:creationId xmlns:a16="http://schemas.microsoft.com/office/drawing/2014/main" id="{383435E9-F863-4682-16FB-C41722EE2A12}"/>
+              </a:ext>
+            </a:extLst>
+          </p:cNvPr>
+          <p:cNvSpPr>
+            <a:spLocks noGrp="1"/>
+          </p:cNvSpPr>
+          <p:nvPr>
+            <p:ph idx="1"/>
+          </p:nvPr>
+        </p:nvSpPr>
+        <p:spPr>
+          <a:xfrm>
+            <a:off x="2447566" y="1369219"/>
+            <a:ext cx="6067783" cy="3263504"/>
+          </a:xfrm>
+        </p:spPr>
+        <p:txBody>
+          <a:bodyPr/>
+          <a:lstStyle/>
+          <a:p>
+            <a:r>
+              <a:rPr lang="en-CH"/>
+              <a:t>GitHub </a:t>
+            </a:r>
+            <a:r>
+              <a:rPr lang="en-CH">
+                <a:sym typeface="Wingdings" pitchFamily="2" charset="2"/>
+              </a:rPr>
+              <a:t> code exchange; backup; versioning; make work on code in large teams easy</a:t>
+            </a:r>
+          </a:p>
+          <a:p>
+            <a:r>
+              <a:rPr lang="en-GB">
+                <a:sym typeface="Wingdings" pitchFamily="2" charset="2"/>
+              </a:rPr>
+              <a:t>P</a:t>
+            </a:r>
+            <a:r>
+              <a:rPr lang="en-CH">
+                <a:sym typeface="Wingdings" pitchFamily="2" charset="2"/>
+              </a:rPr>
+              <a:t>ython  a great programming language with more scientific computing functions that you will ever need (and a large community)</a:t>
+            </a:r>
+          </a:p>
+          <a:p>
+            <a:r>
+              <a:rPr lang="en-CH">
+                <a:sym typeface="Wingdings" pitchFamily="2" charset="2"/>
+              </a:rPr>
+              <a:t>Jupyter notebooks  A webbased programming environment great for documenting experiments, by mixing text, equations, plots and code</a:t>
+            </a:r>
+            <a:endParaRPr lang="en-CH"/>
+          </a:p>
+        </p:txBody>
+      </p:sp>
+      <p:pic>
+        <p:nvPicPr>
+          <p:cNvPr id="4" name="Picture 2" descr="See the source image">
+            <a:extLst>
+              <a:ext uri="{FF2B5EF4-FFF2-40B4-BE49-F238E27FC236}">
+                <a16:creationId xmlns:a16="http://schemas.microsoft.com/office/drawing/2014/main" id="{73C812AD-3D62-949D-D4BB-54DB5062BD4F}"/>
+              </a:ext>
+            </a:extLst>
+          </p:cNvPr>
+          <p:cNvPicPr>
+            <a:picLocks noChangeAspect="1" noChangeArrowheads="1"/>
+          </p:cNvPicPr>
+          <p:nvPr/>
+        </p:nvPicPr>
+        <p:blipFill>
+          <a:blip r:embed="rId2">
+            <a:extLst>
+              <a:ext uri="{28A0092B-C50C-407E-A947-70E740481C1C}">
+                <a14:useLocalDpi xmlns:a14="http://schemas.microsoft.com/office/drawing/2010/main" val="0"/>
+              </a:ext>
+            </a:extLst>
+          </a:blip>
+          <a:srcRect/>
+          <a:stretch>
+            <a:fillRect/>
+          </a:stretch>
+        </p:blipFill>
+        <p:spPr bwMode="auto">
+          <a:xfrm>
+            <a:off x="1158363" y="1194399"/>
+            <a:ext cx="894555" cy="922510"/>
+          </a:xfrm>
+          <a:prstGeom prst="rect">
+            <a:avLst/>
+          </a:prstGeom>
+          <a:noFill/>
+          <a:extLst>
+            <a:ext uri="{909E8E84-426E-40DD-AFC4-6F175D3DCCD1}">
+              <a14:hiddenFill xmlns:a14="http://schemas.microsoft.com/office/drawing/2010/main">
+                <a:solidFill>
+                  <a:srgbClr val="FFFFFF"/>
+                </a:solidFill>
+              </a14:hiddenFill>
+            </a:ext>
+          </a:extLst>
+        </p:spPr>
+      </p:pic>
+      <p:pic>
+        <p:nvPicPr>
+          <p:cNvPr id="5" name="Picture 4" descr="See the source image">
+            <a:extLst>
+              <a:ext uri="{FF2B5EF4-FFF2-40B4-BE49-F238E27FC236}">
+                <a16:creationId xmlns:a16="http://schemas.microsoft.com/office/drawing/2014/main" id="{832280DF-9634-D5B5-F014-92243B71864E}"/>
+              </a:ext>
+            </a:extLst>
+          </p:cNvPr>
+          <p:cNvPicPr>
+            <a:picLocks noChangeAspect="1" noChangeArrowheads="1"/>
+          </p:cNvPicPr>
+          <p:nvPr/>
+        </p:nvPicPr>
+        <p:blipFill>
+          <a:blip r:embed="rId3">
+            <a:extLst>
+              <a:ext uri="{28A0092B-C50C-407E-A947-70E740481C1C}">
+                <a14:useLocalDpi xmlns:a14="http://schemas.microsoft.com/office/drawing/2010/main" val="0"/>
+              </a:ext>
+            </a:extLst>
+          </a:blip>
+          <a:srcRect/>
+          <a:stretch>
+            <a:fillRect/>
+          </a:stretch>
+        </p:blipFill>
+        <p:spPr bwMode="auto">
+          <a:xfrm>
+            <a:off x="1274905" y="3163730"/>
+            <a:ext cx="697331" cy="693467"/>
+          </a:xfrm>
+          <a:prstGeom prst="rect">
+            <a:avLst/>
+          </a:prstGeom>
+          <a:noFill/>
+          <a:extLst>
+            <a:ext uri="{909E8E84-426E-40DD-AFC4-6F175D3DCCD1}">
+              <a14:hiddenFill xmlns:a14="http://schemas.microsoft.com/office/drawing/2010/main">
+                <a:solidFill>
+                  <a:srgbClr val="FFFFFF"/>
+                </a:solidFill>
+              </a14:hiddenFill>
+            </a:ext>
+          </a:extLst>
+        </p:spPr>
+      </p:pic>
+      <p:pic>
+        <p:nvPicPr>
+          <p:cNvPr id="2050" name="Picture 2">
+            <a:extLst>
+              <a:ext uri="{FF2B5EF4-FFF2-40B4-BE49-F238E27FC236}">
+                <a16:creationId xmlns:a16="http://schemas.microsoft.com/office/drawing/2014/main" id="{6FB24B63-D7B3-284A-B497-5EA6D2EB1368}"/>
+              </a:ext>
+            </a:extLst>
+          </p:cNvPr>
+          <p:cNvPicPr>
+            <a:picLocks noChangeAspect="1" noChangeArrowheads="1"/>
+          </p:cNvPicPr>
+          <p:nvPr/>
+        </p:nvPicPr>
+        <p:blipFill>
+          <a:blip r:embed="rId4">
+            <a:extLst>
+              <a:ext uri="{28A0092B-C50C-407E-A947-70E740481C1C}">
+                <a14:useLocalDpi xmlns:a14="http://schemas.microsoft.com/office/drawing/2010/main" val="0"/>
+              </a:ext>
+            </a:extLst>
+          </a:blip>
+          <a:srcRect/>
+          <a:stretch>
+            <a:fillRect/>
+          </a:stretch>
+        </p:blipFill>
+        <p:spPr bwMode="auto">
+          <a:xfrm>
+            <a:off x="388622" y="2266483"/>
+            <a:ext cx="2058944" cy="610534"/>
+          </a:xfrm>
+          <a:prstGeom prst="rect">
+            <a:avLst/>
+          </a:prstGeom>
+          <a:noFill/>
+          <a:extLst>
+            <a:ext uri="{909E8E84-426E-40DD-AFC4-6F175D3DCCD1}">
+              <a14:hiddenFill xmlns:a14="http://schemas.microsoft.com/office/drawing/2010/main">
+                <a:solidFill>
+                  <a:srgbClr val="FFFFFF"/>
+                </a:solidFill>
+              </a14:hiddenFill>
+            </a:ext>
+          </a:extLst>
+        </p:spPr>
+      </p:pic>
+    </p:spTree>
+    <p:extLst>
+      <p:ext uri="{BB962C8B-B14F-4D97-AF65-F5344CB8AC3E}">
+        <p14:creationId xmlns:p14="http://schemas.microsoft.com/office/powerpoint/2010/main" val="2153900089"/>
+      </p:ext>
+    </p:extLst>
+  </p:cSld>
+  <p:clrMapOvr>
+    <a:masterClrMapping/>
+  </p:clrMapOvr>
+</p:sld>
+</file>
+
+<file path=ppt/slides/slide14.xml><?xml version="1.0" encoding="utf-8"?>
+<p:sld xmlns:a="http://schemas.openxmlformats.org/drawingml/2006/main" xmlns:r="http://schemas.openxmlformats.org/officeDocument/2006/relationships" xmlns:p="http://schemas.openxmlformats.org/presentationml/2006/main">
+  <p:cSld>
+    <p:spTree>
+      <p:nvGrpSpPr>
+        <p:cNvPr id="1" name=""/>
+        <p:cNvGrpSpPr/>
+        <p:nvPr/>
+      </p:nvGrpSpPr>
+      <p:grpSpPr>
+        <a:xfrm>
+          <a:off x="0" y="0"/>
+          <a:ext cx="0" cy="0"/>
+          <a:chOff x="0" y="0"/>
+          <a:chExt cx="0" cy="0"/>
+        </a:xfrm>
+      </p:grpSpPr>
+      <p:sp>
+        <p:nvSpPr>
+          <p:cNvPr id="81" name="CasellaDiTesto 80">
+            <a:extLst>
+              <a:ext uri="{FF2B5EF4-FFF2-40B4-BE49-F238E27FC236}">
+                <a16:creationId xmlns:a16="http://schemas.microsoft.com/office/drawing/2014/main" id="{A876EA04-8ACA-44CC-8625-75505E8D8795}"/>
+              </a:ext>
+            </a:extLst>
+          </p:cNvPr>
+          <p:cNvSpPr txBox="1"/>
+          <p:nvPr/>
+        </p:nvSpPr>
+        <p:spPr>
+          <a:xfrm>
+            <a:off x="284116" y="301934"/>
+            <a:ext cx="3009500" cy="507831"/>
+          </a:xfrm>
+          <a:prstGeom prst="rect">
+            <a:avLst/>
+          </a:prstGeom>
+          <a:noFill/>
+        </p:spPr>
+        <p:txBody>
+          <a:bodyPr wrap="square" rtlCol="0">
+            <a:spAutoFit/>
+          </a:bodyPr>
+          <a:lstStyle/>
+          <a:p>
+            <a:pPr algn="ctr"/>
+            <a:r>
+              <a:rPr lang="en-US" sz="2700" b="1" dirty="0">
+                <a:latin typeface="Arial" panose="020B0604020202020204" pitchFamily="34" charset="0"/>
+                <a:cs typeface="Arial" panose="020B0604020202020204" pitchFamily="34" charset="0"/>
+              </a:rPr>
+              <a:t>Reproducibility</a:t>
+            </a:r>
+          </a:p>
+        </p:txBody>
+      </p:sp>
+      <p:sp>
+        <p:nvSpPr>
+          <p:cNvPr id="2" name="Segnaposto piè di pagina 1">
+            <a:extLst>
+              <a:ext uri="{FF2B5EF4-FFF2-40B4-BE49-F238E27FC236}">
+                <a16:creationId xmlns:a16="http://schemas.microsoft.com/office/drawing/2014/main" id="{46B623E6-57C9-4216-A211-F0D803268716}"/>
+              </a:ext>
+            </a:extLst>
+          </p:cNvPr>
+          <p:cNvSpPr>
+            <a:spLocks noGrp="1"/>
+          </p:cNvSpPr>
+          <p:nvPr>
+            <p:ph type="ftr" sz="quarter" idx="11"/>
+          </p:nvPr>
+        </p:nvSpPr>
+        <p:spPr/>
+        <p:txBody>
+          <a:bodyPr/>
+          <a:lstStyle/>
+          <a:p>
+            <a:r>
+              <a:rPr lang="en-US"/>
+              <a:t>M. Sperti</a:t>
+            </a:r>
+          </a:p>
+        </p:txBody>
+      </p:sp>
+      <p:sp>
+        <p:nvSpPr>
+          <p:cNvPr id="3" name="Segnaposto numero diapositiva 2">
+            <a:extLst>
+              <a:ext uri="{FF2B5EF4-FFF2-40B4-BE49-F238E27FC236}">
+                <a16:creationId xmlns:a16="http://schemas.microsoft.com/office/drawing/2014/main" id="{5AEF941B-58B3-4C4A-91A0-58A441FDB11A}"/>
+              </a:ext>
+            </a:extLst>
+          </p:cNvPr>
+          <p:cNvSpPr>
+            <a:spLocks noGrp="1"/>
+          </p:cNvSpPr>
+          <p:nvPr>
+            <p:ph type="sldNum" sz="quarter" idx="12"/>
+          </p:nvPr>
+        </p:nvSpPr>
+        <p:spPr/>
+        <p:txBody>
+          <a:bodyPr/>
+          <a:lstStyle/>
+          <a:p>
+            <a:fld id="{5C698F4D-197E-4845-BBB0-609ADBAC2AB0}" type="slidenum">
+              <a:rPr lang="en-US" smtClean="0"/>
+              <a:t>14</a:t>
+            </a:fld>
+            <a:endParaRPr lang="en-US"/>
+          </a:p>
+        </p:txBody>
+      </p:sp>
+      <p:sp>
+        <p:nvSpPr>
+          <p:cNvPr id="4" name="CasellaDiTesto 3">
+            <a:extLst>
+              <a:ext uri="{FF2B5EF4-FFF2-40B4-BE49-F238E27FC236}">
+                <a16:creationId xmlns:a16="http://schemas.microsoft.com/office/drawing/2014/main" id="{DCE8520C-CF03-4BC8-89E9-2DE98E9287C0}"/>
+              </a:ext>
+            </a:extLst>
+          </p:cNvPr>
+          <p:cNvSpPr txBox="1"/>
+          <p:nvPr/>
+        </p:nvSpPr>
+        <p:spPr>
+          <a:xfrm>
+            <a:off x="399495" y="986243"/>
+            <a:ext cx="8345010" cy="3693319"/>
+          </a:xfrm>
+          <a:prstGeom prst="rect">
+            <a:avLst/>
+          </a:prstGeom>
+          <a:noFill/>
+        </p:spPr>
+        <p:txBody>
+          <a:bodyPr wrap="square" rtlCol="0">
+            <a:spAutoFit/>
+          </a:bodyPr>
+          <a:lstStyle/>
+          <a:p>
+            <a:pPr marL="214313" indent="-214313" algn="just">
+              <a:buFont typeface="Arial" panose="020B0604020202020204" pitchFamily="34" charset="0"/>
+              <a:buChar char="•"/>
+            </a:pPr>
+            <a:r>
+              <a:rPr lang="en-US" dirty="0">
+                <a:latin typeface="Arial" panose="020B0604020202020204" pitchFamily="34" charset="0"/>
+                <a:cs typeface="Arial" panose="020B0604020202020204" pitchFamily="34" charset="0"/>
+              </a:rPr>
+              <a:t>At the beginning of every research project (especially involving </a:t>
+            </a:r>
+            <a:r>
+              <a:rPr lang="en-US" i="1" dirty="0">
+                <a:latin typeface="Arial" panose="020B0604020202020204" pitchFamily="34" charset="0"/>
+                <a:cs typeface="Arial" panose="020B0604020202020204" pitchFamily="34" charset="0"/>
+              </a:rPr>
+              <a:t>big amounts of data</a:t>
+            </a:r>
+            <a:r>
+              <a:rPr lang="en-US" dirty="0">
+                <a:latin typeface="Arial" panose="020B0604020202020204" pitchFamily="34" charset="0"/>
+                <a:cs typeface="Arial" panose="020B0604020202020204" pitchFamily="34" charset="0"/>
+              </a:rPr>
+              <a:t>), it is fundamental to clearly organize data, code and documentation inside a unique place</a:t>
+            </a:r>
+          </a:p>
+          <a:p>
+            <a:pPr marL="214313" indent="-214313" algn="just">
+              <a:buFont typeface="Arial" panose="020B0604020202020204" pitchFamily="34" charset="0"/>
+              <a:buChar char="•"/>
+            </a:pPr>
+            <a:endParaRPr lang="en-US" dirty="0">
+              <a:latin typeface="Arial" panose="020B0604020202020204" pitchFamily="34" charset="0"/>
+              <a:cs typeface="Arial" panose="020B0604020202020204" pitchFamily="34" charset="0"/>
+            </a:endParaRPr>
+          </a:p>
+          <a:p>
+            <a:pPr marL="214313" indent="-214313" algn="just">
+              <a:buFont typeface="Arial" panose="020B0604020202020204" pitchFamily="34" charset="0"/>
+              <a:buChar char="•"/>
+            </a:pPr>
+            <a:r>
+              <a:rPr lang="en-US" dirty="0">
+                <a:latin typeface="Arial" panose="020B0604020202020204" pitchFamily="34" charset="0"/>
+                <a:cs typeface="Arial" panose="020B0604020202020204" pitchFamily="34" charset="0"/>
+              </a:rPr>
+              <a:t>The reason for this is  </a:t>
+            </a:r>
+            <a:r>
+              <a:rPr lang="en-US" i="1" dirty="0">
+                <a:latin typeface="Arial" panose="020B0604020202020204" pitchFamily="34" charset="0"/>
+                <a:cs typeface="Arial" panose="020B0604020202020204" pitchFamily="34" charset="0"/>
+              </a:rPr>
+              <a:t>reproducibility</a:t>
+            </a:r>
+          </a:p>
+          <a:p>
+            <a:pPr marL="214313" indent="-214313" algn="just">
+              <a:buFont typeface="Arial" panose="020B0604020202020204" pitchFamily="34" charset="0"/>
+              <a:buChar char="•"/>
+            </a:pPr>
+            <a:endParaRPr lang="en-US" i="1" dirty="0">
+              <a:latin typeface="Arial" panose="020B0604020202020204" pitchFamily="34" charset="0"/>
+              <a:cs typeface="Arial" panose="020B0604020202020204" pitchFamily="34" charset="0"/>
+            </a:endParaRPr>
+          </a:p>
+          <a:p>
+            <a:pPr marL="214313" indent="-214313" algn="just">
+              <a:buFont typeface="Arial" panose="020B0604020202020204" pitchFamily="34" charset="0"/>
+              <a:buChar char="•"/>
+            </a:pPr>
+            <a:r>
+              <a:rPr lang="en-US" dirty="0">
+                <a:latin typeface="Arial" panose="020B0604020202020204" pitchFamily="34" charset="0"/>
+                <a:cs typeface="Arial" panose="020B0604020202020204" pitchFamily="34" charset="0"/>
+              </a:rPr>
+              <a:t>When you perform experiments and analysis on data, you must guarantee that every test you do is reproducible and that, given the same inputs, you always obtain the same outputs</a:t>
+            </a:r>
+          </a:p>
+          <a:p>
+            <a:pPr marL="214313" indent="-214313" algn="just">
+              <a:buFont typeface="Arial" panose="020B0604020202020204" pitchFamily="34" charset="0"/>
+              <a:buChar char="•"/>
+            </a:pPr>
+            <a:endParaRPr lang="en-US" dirty="0">
+              <a:latin typeface="Arial" panose="020B0604020202020204" pitchFamily="34" charset="0"/>
+              <a:cs typeface="Arial" panose="020B0604020202020204" pitchFamily="34" charset="0"/>
+            </a:endParaRPr>
+          </a:p>
+          <a:p>
+            <a:pPr marL="214313" indent="-214313" algn="just">
+              <a:buFont typeface="Arial" panose="020B0604020202020204" pitchFamily="34" charset="0"/>
+              <a:buChar char="•"/>
+            </a:pPr>
+            <a:r>
+              <a:rPr lang="en-US" dirty="0">
+                <a:latin typeface="Arial" panose="020B0604020202020204" pitchFamily="34" charset="0"/>
+                <a:cs typeface="Arial" panose="020B0604020202020204" pitchFamily="34" charset="0"/>
+              </a:rPr>
+              <a:t>Moreover, this is very useful when you produce </a:t>
+            </a:r>
+            <a:r>
+              <a:rPr lang="en-US" i="1" dirty="0">
+                <a:latin typeface="Arial" panose="020B0604020202020204" pitchFamily="34" charset="0"/>
+                <a:cs typeface="Arial" panose="020B0604020202020204" pitchFamily="34" charset="0"/>
+              </a:rPr>
+              <a:t>research papers</a:t>
+            </a:r>
+            <a:r>
+              <a:rPr lang="en-US" dirty="0">
+                <a:latin typeface="Arial" panose="020B0604020202020204" pitchFamily="34" charset="0"/>
+                <a:cs typeface="Arial" panose="020B0604020202020204" pitchFamily="34" charset="0"/>
+              </a:rPr>
+              <a:t>, since you must clearly describe the operations you performed on data (in the </a:t>
+            </a:r>
+            <a:r>
+              <a:rPr lang="en-US" i="1" dirty="0">
+                <a:latin typeface="Arial" panose="020B0604020202020204" pitchFamily="34" charset="0"/>
+                <a:cs typeface="Arial" panose="020B0604020202020204" pitchFamily="34" charset="0"/>
+              </a:rPr>
+              <a:t>methods</a:t>
+            </a:r>
+            <a:r>
+              <a:rPr lang="en-US" dirty="0">
+                <a:latin typeface="Arial" panose="020B0604020202020204" pitchFamily="34" charset="0"/>
+                <a:cs typeface="Arial" panose="020B0604020202020204" pitchFamily="34" charset="0"/>
+              </a:rPr>
+              <a:t> section) and provide lots of figures to prove your findings</a:t>
+            </a:r>
+          </a:p>
+        </p:txBody>
+      </p:sp>
+    </p:spTree>
+    <p:extLst>
+      <p:ext uri="{BB962C8B-B14F-4D97-AF65-F5344CB8AC3E}">
+        <p14:creationId xmlns:p14="http://schemas.microsoft.com/office/powerpoint/2010/main" val="3155658972"/>
+      </p:ext>
+    </p:extLst>
+  </p:cSld>
+  <p:clrMapOvr>
+    <a:masterClrMapping/>
+  </p:clrMapOvr>
+</p:sld>
+</file>
+
+<file path=ppt/slides/slide15.xml><?xml version="1.0" encoding="utf-8"?>
 <p:sld xmlns:a="http://schemas.openxmlformats.org/drawingml/2006/main" xmlns:r="http://schemas.openxmlformats.org/officeDocument/2006/relationships" xmlns:p="http://schemas.openxmlformats.org/presentationml/2006/main">
   <p:cSld>
     <p:spTree>
@@ -8994,7 +10074,7 @@
 </p:sld>
 </file>
 
-<file path=ppt/slides/slide11.xml><?xml version="1.0" encoding="utf-8"?>
+<file path=ppt/slides/slide16.xml><?xml version="1.0" encoding="utf-8"?>
 <p:sld xmlns:a="http://schemas.openxmlformats.org/drawingml/2006/main" xmlns:r="http://schemas.openxmlformats.org/officeDocument/2006/relationships" xmlns:p="http://schemas.openxmlformats.org/presentationml/2006/main">
   <p:cSld>
     <p:spTree>
@@ -9109,7 +10189,7 @@
           <a:p>
             <a:fld id="{5C698F4D-197E-4845-BBB0-609ADBAC2AB0}" type="slidenum">
               <a:rPr lang="en-US" smtClean="0"/>
-              <a:t>11</a:t>
+              <a:t>16</a:t>
             </a:fld>
             <a:endParaRPr lang="en-US"/>
           </a:p>
@@ -9336,7 +10416,7 @@
 </p:sld>
 </file>
 
-<file path=ppt/slides/slide12.xml><?xml version="1.0" encoding="utf-8"?>
+<file path=ppt/slides/slide17.xml><?xml version="1.0" encoding="utf-8"?>
 <p:sld xmlns:a="http://schemas.openxmlformats.org/drawingml/2006/main" xmlns:r="http://schemas.openxmlformats.org/officeDocument/2006/relationships" xmlns:p="http://schemas.openxmlformats.org/presentationml/2006/main">
   <p:cSld>
     <p:spTree>
@@ -9769,7 +10849,7 @@
 </p:sld>
 </file>
 
-<file path=ppt/slides/slide13.xml><?xml version="1.0" encoding="utf-8"?>
+<file path=ppt/slides/slide18.xml><?xml version="1.0" encoding="utf-8"?>
 <p:sld xmlns:a="http://schemas.openxmlformats.org/drawingml/2006/main" xmlns:r="http://schemas.openxmlformats.org/officeDocument/2006/relationships" xmlns:p="http://schemas.openxmlformats.org/presentationml/2006/main">
   <p:cSld>
     <p:spTree>
@@ -10135,7 +11215,7 @@
 </p:sld>
 </file>
 
-<file path=ppt/slides/slide14.xml><?xml version="1.0" encoding="utf-8"?>
+<file path=ppt/slides/slide19.xml><?xml version="1.0" encoding="utf-8"?>
 <p:sld xmlns:a="http://schemas.openxmlformats.org/drawingml/2006/main" xmlns:r="http://schemas.openxmlformats.org/officeDocument/2006/relationships" xmlns:p="http://schemas.openxmlformats.org/presentationml/2006/main">
   <p:cSld>
     <p:spTree>
@@ -10761,7 +11841,239 @@
 </p:sld>
 </file>
 
-<file path=ppt/slides/slide15.xml><?xml version="1.0" encoding="utf-8"?>
+<file path=ppt/slides/slide2.xml><?xml version="1.0" encoding="utf-8"?>
+<p:sld xmlns:a="http://schemas.openxmlformats.org/drawingml/2006/main" xmlns:r="http://schemas.openxmlformats.org/officeDocument/2006/relationships" xmlns:p="http://schemas.openxmlformats.org/presentationml/2006/main">
+  <p:cSld>
+    <p:spTree>
+      <p:nvGrpSpPr>
+        <p:cNvPr id="1" name=""/>
+        <p:cNvGrpSpPr/>
+        <p:nvPr/>
+      </p:nvGrpSpPr>
+      <p:grpSpPr>
+        <a:xfrm>
+          <a:off x="0" y="0"/>
+          <a:ext cx="0" cy="0"/>
+          <a:chOff x="0" y="0"/>
+          <a:chExt cx="0" cy="0"/>
+        </a:xfrm>
+      </p:grpSpPr>
+      <p:sp>
+        <p:nvSpPr>
+          <p:cNvPr id="2" name="Title 1">
+            <a:extLst>
+              <a:ext uri="{FF2B5EF4-FFF2-40B4-BE49-F238E27FC236}">
+                <a16:creationId xmlns:a16="http://schemas.microsoft.com/office/drawing/2014/main" id="{981EDCCD-3BFE-15FE-1E45-65F5E45B0956}"/>
+              </a:ext>
+            </a:extLst>
+          </p:cNvPr>
+          <p:cNvSpPr>
+            <a:spLocks noGrp="1"/>
+          </p:cNvSpPr>
+          <p:nvPr>
+            <p:ph type="title"/>
+          </p:nvPr>
+        </p:nvSpPr>
+        <p:spPr>
+          <a:xfrm>
+            <a:off x="246264" y="199029"/>
+            <a:ext cx="7886700" cy="994172"/>
+          </a:xfrm>
+        </p:spPr>
+        <p:txBody>
+          <a:bodyPr/>
+          <a:lstStyle/>
+          <a:p>
+            <a:r>
+              <a:rPr lang="en-CH"/>
+              <a:t>Skills for a machine learning project</a:t>
+            </a:r>
+          </a:p>
+        </p:txBody>
+      </p:sp>
+      <p:graphicFrame>
+        <p:nvGraphicFramePr>
+          <p:cNvPr id="4" name="Content Placeholder 3">
+            <a:extLst>
+              <a:ext uri="{FF2B5EF4-FFF2-40B4-BE49-F238E27FC236}">
+                <a16:creationId xmlns:a16="http://schemas.microsoft.com/office/drawing/2014/main" id="{FB0B99C9-B04F-841B-2B56-C18D020DB82F}"/>
+              </a:ext>
+            </a:extLst>
+          </p:cNvPr>
+          <p:cNvGraphicFramePr>
+            <a:graphicFrameLocks noGrp="1"/>
+          </p:cNvGraphicFramePr>
+          <p:nvPr>
+            <p:ph idx="1"/>
+            <p:extLst>
+              <p:ext uri="{D42A27DB-BD31-4B8C-83A1-F6EECF244321}">
+                <p14:modId xmlns:p14="http://schemas.microsoft.com/office/powerpoint/2010/main" val="2183064897"/>
+              </p:ext>
+            </p:extLst>
+          </p:nvPr>
+        </p:nvGraphicFramePr>
+        <p:xfrm>
+          <a:off x="628650" y="1370013"/>
+          <a:ext cx="7886700" cy="3262312"/>
+        </p:xfrm>
+        <a:graphic>
+          <a:graphicData uri="http://schemas.openxmlformats.org/drawingml/2006/diagram">
+            <dgm:relIds xmlns:dgm="http://schemas.openxmlformats.org/drawingml/2006/diagram" xmlns:r="http://schemas.openxmlformats.org/officeDocument/2006/relationships" r:dm="rId2" r:lo="rId3" r:qs="rId4" r:cs="rId5"/>
+          </a:graphicData>
+        </a:graphic>
+      </p:graphicFrame>
+      <p:sp>
+        <p:nvSpPr>
+          <p:cNvPr id="5" name="Rectangle 4">
+            <a:extLst>
+              <a:ext uri="{FF2B5EF4-FFF2-40B4-BE49-F238E27FC236}">
+                <a16:creationId xmlns:a16="http://schemas.microsoft.com/office/drawing/2014/main" id="{B8DFB305-B333-E3A9-9562-A7B4CDEFA180}"/>
+              </a:ext>
+            </a:extLst>
+          </p:cNvPr>
+          <p:cNvSpPr/>
+          <p:nvPr/>
+        </p:nvSpPr>
+        <p:spPr>
+          <a:xfrm>
+            <a:off x="4572000" y="1263535"/>
+            <a:ext cx="2759825" cy="3466407"/>
+          </a:xfrm>
+          <a:prstGeom prst="rect">
+            <a:avLst/>
+          </a:prstGeom>
+          <a:noFill/>
+          <a:ln w="38100">
+            <a:solidFill>
+              <a:srgbClr val="FF0000"/>
+            </a:solidFill>
+          </a:ln>
+        </p:spPr>
+        <p:style>
+          <a:lnRef idx="2">
+            <a:schemeClr val="accent1">
+              <a:shade val="50000"/>
+            </a:schemeClr>
+          </a:lnRef>
+          <a:fillRef idx="1">
+            <a:schemeClr val="accent1"/>
+          </a:fillRef>
+          <a:effectRef idx="0">
+            <a:schemeClr val="accent1"/>
+          </a:effectRef>
+          <a:fontRef idx="minor">
+            <a:schemeClr val="lt1"/>
+          </a:fontRef>
+        </p:style>
+        <p:txBody>
+          <a:bodyPr rtlCol="0" anchor="ctr"/>
+          <a:lstStyle/>
+          <a:p>
+            <a:pPr algn="ctr"/>
+            <a:endParaRPr lang="en-CH"/>
+          </a:p>
+        </p:txBody>
+      </p:sp>
+    </p:spTree>
+    <p:extLst>
+      <p:ext uri="{BB962C8B-B14F-4D97-AF65-F5344CB8AC3E}">
+        <p14:creationId xmlns:p14="http://schemas.microsoft.com/office/powerpoint/2010/main" val="1435787097"/>
+      </p:ext>
+    </p:extLst>
+  </p:cSld>
+  <p:clrMapOvr>
+    <a:masterClrMapping/>
+  </p:clrMapOvr>
+  <p:timing>
+    <p:tnLst>
+      <p:par>
+        <p:cTn id="1" dur="indefinite" restart="never" nodeType="tmRoot">
+          <p:childTnLst>
+            <p:seq concurrent="1" nextAc="seek">
+              <p:cTn id="2" dur="indefinite" nodeType="mainSeq">
+                <p:childTnLst>
+                  <p:par>
+                    <p:cTn id="3" fill="hold">
+                      <p:stCondLst>
+                        <p:cond delay="indefinite"/>
+                      </p:stCondLst>
+                      <p:childTnLst>
+                        <p:par>
+                          <p:cTn id="4" fill="hold">
+                            <p:stCondLst>
+                              <p:cond delay="0"/>
+                            </p:stCondLst>
+                            <p:childTnLst>
+                              <p:par>
+                                <p:cTn id="5" presetID="10" presetClass="entr" presetSubtype="0" fill="hold" grpId="0" nodeType="clickEffect">
+                                  <p:stCondLst>
+                                    <p:cond delay="0"/>
+                                  </p:stCondLst>
+                                  <p:childTnLst>
+                                    <p:set>
+                                      <p:cBhvr>
+                                        <p:cTn id="6" dur="1" fill="hold">
+                                          <p:stCondLst>
+                                            <p:cond delay="0"/>
+                                          </p:stCondLst>
+                                        </p:cTn>
+                                        <p:tgtEl>
+                                          <p:spTgt spid="5"/>
+                                        </p:tgtEl>
+                                        <p:attrNameLst>
+                                          <p:attrName>style.visibility</p:attrName>
+                                        </p:attrNameLst>
+                                      </p:cBhvr>
+                                      <p:to>
+                                        <p:strVal val="visible"/>
+                                      </p:to>
+                                    </p:set>
+                                    <p:animEffect transition="in" filter="fade">
+                                      <p:cBhvr>
+                                        <p:cTn id="7" dur="500"/>
+                                        <p:tgtEl>
+                                          <p:spTgt spid="5"/>
+                                        </p:tgtEl>
+                                      </p:cBhvr>
+                                    </p:animEffect>
+                                  </p:childTnLst>
+                                </p:cTn>
+                              </p:par>
+                            </p:childTnLst>
+                          </p:cTn>
+                        </p:par>
+                      </p:childTnLst>
+                    </p:cTn>
+                  </p:par>
+                </p:childTnLst>
+              </p:cTn>
+              <p:prevCondLst>
+                <p:cond evt="onPrev" delay="0">
+                  <p:tgtEl>
+                    <p:sldTgt/>
+                  </p:tgtEl>
+                </p:cond>
+              </p:prevCondLst>
+              <p:nextCondLst>
+                <p:cond evt="onNext" delay="0">
+                  <p:tgtEl>
+                    <p:sldTgt/>
+                  </p:tgtEl>
+                </p:cond>
+              </p:nextCondLst>
+            </p:seq>
+          </p:childTnLst>
+        </p:cTn>
+      </p:par>
+    </p:tnLst>
+    <p:bldLst>
+      <p:bldP spid="5" grpId="0" animBg="1"/>
+    </p:bldLst>
+  </p:timing>
+</p:sld>
+</file>
+
+<file path=ppt/slides/slide20.xml><?xml version="1.0" encoding="utf-8"?>
 <p:sld xmlns:a="http://schemas.openxmlformats.org/drawingml/2006/main" xmlns:r="http://schemas.openxmlformats.org/officeDocument/2006/relationships" xmlns:p="http://schemas.openxmlformats.org/presentationml/2006/main">
   <p:cSld>
     <p:spTree>
@@ -11462,7 +12774,7 @@
 </p:sld>
 </file>
 
-<file path=ppt/slides/slide16.xml><?xml version="1.0" encoding="utf-8"?>
+<file path=ppt/slides/slide21.xml><?xml version="1.0" encoding="utf-8"?>
 <p:sld xmlns:a="http://schemas.openxmlformats.org/drawingml/2006/main" xmlns:r="http://schemas.openxmlformats.org/officeDocument/2006/relationships" xmlns:p="http://schemas.openxmlformats.org/presentationml/2006/main">
   <p:cSld>
     <p:spTree>
@@ -11919,7 +13231,7 @@
 </p:sld>
 </file>
 
-<file path=ppt/slides/slide17.xml><?xml version="1.0" encoding="utf-8"?>
+<file path=ppt/slides/slide22.xml><?xml version="1.0" encoding="utf-8"?>
 <p:sld xmlns:a="http://schemas.openxmlformats.org/drawingml/2006/main" xmlns:r="http://schemas.openxmlformats.org/officeDocument/2006/relationships" xmlns:p="http://schemas.openxmlformats.org/presentationml/2006/main">
   <p:cSld>
     <p:spTree>
@@ -12236,7 +13548,7 @@
 </p:sld>
 </file>
 
-<file path=ppt/slides/slide18.xml><?xml version="1.0" encoding="utf-8"?>
+<file path=ppt/slides/slide23.xml><?xml version="1.0" encoding="utf-8"?>
 <p:sld xmlns:a="http://schemas.openxmlformats.org/drawingml/2006/main" xmlns:r="http://schemas.openxmlformats.org/officeDocument/2006/relationships" xmlns:p="http://schemas.openxmlformats.org/presentationml/2006/main">
   <p:cSld>
     <p:spTree>
@@ -12996,7 +14308,7 @@
 </p:sld>
 </file>
 
-<file path=ppt/slides/slide19.xml><?xml version="1.0" encoding="utf-8"?>
+<file path=ppt/slides/slide24.xml><?xml version="1.0" encoding="utf-8"?>
 <p:sld xmlns:a="http://schemas.openxmlformats.org/drawingml/2006/main" xmlns:r="http://schemas.openxmlformats.org/officeDocument/2006/relationships" xmlns:p="http://schemas.openxmlformats.org/presentationml/2006/main">
   <p:cSld>
     <p:spTree>
@@ -14970,832 +16282,7 @@
 </p:sld>
 </file>
 
-<file path=ppt/slides/slide2.xml><?xml version="1.0" encoding="utf-8"?>
-<p:sld xmlns:a="http://schemas.openxmlformats.org/drawingml/2006/main" xmlns:r="http://schemas.openxmlformats.org/officeDocument/2006/relationships" xmlns:p="http://schemas.openxmlformats.org/presentationml/2006/main">
-  <p:cSld>
-    <p:spTree>
-      <p:nvGrpSpPr>
-        <p:cNvPr id="1" name=""/>
-        <p:cNvGrpSpPr/>
-        <p:nvPr/>
-      </p:nvGrpSpPr>
-      <p:grpSpPr>
-        <a:xfrm>
-          <a:off x="0" y="0"/>
-          <a:ext cx="0" cy="0"/>
-          <a:chOff x="0" y="0"/>
-          <a:chExt cx="0" cy="0"/>
-        </a:xfrm>
-      </p:grpSpPr>
-      <p:sp>
-        <p:nvSpPr>
-          <p:cNvPr id="2" name="Title 1">
-            <a:extLst>
-              <a:ext uri="{FF2B5EF4-FFF2-40B4-BE49-F238E27FC236}">
-                <a16:creationId xmlns:a16="http://schemas.microsoft.com/office/drawing/2014/main" id="{981EDCCD-3BFE-15FE-1E45-65F5E45B0956}"/>
-              </a:ext>
-            </a:extLst>
-          </p:cNvPr>
-          <p:cNvSpPr>
-            <a:spLocks noGrp="1"/>
-          </p:cNvSpPr>
-          <p:nvPr>
-            <p:ph type="title"/>
-          </p:nvPr>
-        </p:nvSpPr>
-        <p:spPr>
-          <a:xfrm>
-            <a:off x="246264" y="199029"/>
-            <a:ext cx="7886700" cy="994172"/>
-          </a:xfrm>
-        </p:spPr>
-        <p:txBody>
-          <a:bodyPr/>
-          <a:lstStyle/>
-          <a:p>
-            <a:r>
-              <a:rPr lang="en-CH"/>
-              <a:t>Skills for a machine learning project</a:t>
-            </a:r>
-          </a:p>
-        </p:txBody>
-      </p:sp>
-      <p:graphicFrame>
-        <p:nvGraphicFramePr>
-          <p:cNvPr id="4" name="Content Placeholder 3">
-            <a:extLst>
-              <a:ext uri="{FF2B5EF4-FFF2-40B4-BE49-F238E27FC236}">
-                <a16:creationId xmlns:a16="http://schemas.microsoft.com/office/drawing/2014/main" id="{FB0B99C9-B04F-841B-2B56-C18D020DB82F}"/>
-              </a:ext>
-            </a:extLst>
-          </p:cNvPr>
-          <p:cNvGraphicFramePr>
-            <a:graphicFrameLocks noGrp="1"/>
-          </p:cNvGraphicFramePr>
-          <p:nvPr>
-            <p:ph idx="1"/>
-            <p:extLst>
-              <p:ext uri="{D42A27DB-BD31-4B8C-83A1-F6EECF244321}">
-                <p14:modId xmlns:p14="http://schemas.microsoft.com/office/powerpoint/2010/main" val="2183064897"/>
-              </p:ext>
-            </p:extLst>
-          </p:nvPr>
-        </p:nvGraphicFramePr>
-        <p:xfrm>
-          <a:off x="628650" y="1370013"/>
-          <a:ext cx="7886700" cy="3262312"/>
-        </p:xfrm>
-        <a:graphic>
-          <a:graphicData uri="http://schemas.openxmlformats.org/drawingml/2006/diagram">
-            <dgm:relIds xmlns:dgm="http://schemas.openxmlformats.org/drawingml/2006/diagram" xmlns:r="http://schemas.openxmlformats.org/officeDocument/2006/relationships" r:dm="rId2" r:lo="rId3" r:qs="rId4" r:cs="rId5"/>
-          </a:graphicData>
-        </a:graphic>
-      </p:graphicFrame>
-      <p:sp>
-        <p:nvSpPr>
-          <p:cNvPr id="5" name="Rectangle 4">
-            <a:extLst>
-              <a:ext uri="{FF2B5EF4-FFF2-40B4-BE49-F238E27FC236}">
-                <a16:creationId xmlns:a16="http://schemas.microsoft.com/office/drawing/2014/main" id="{B8DFB305-B333-E3A9-9562-A7B4CDEFA180}"/>
-              </a:ext>
-            </a:extLst>
-          </p:cNvPr>
-          <p:cNvSpPr/>
-          <p:nvPr/>
-        </p:nvSpPr>
-        <p:spPr>
-          <a:xfrm>
-            <a:off x="4572000" y="1263535"/>
-            <a:ext cx="2759825" cy="3466407"/>
-          </a:xfrm>
-          <a:prstGeom prst="rect">
-            <a:avLst/>
-          </a:prstGeom>
-          <a:noFill/>
-          <a:ln w="38100">
-            <a:solidFill>
-              <a:srgbClr val="FF0000"/>
-            </a:solidFill>
-          </a:ln>
-        </p:spPr>
-        <p:style>
-          <a:lnRef idx="2">
-            <a:schemeClr val="accent1">
-              <a:shade val="50000"/>
-            </a:schemeClr>
-          </a:lnRef>
-          <a:fillRef idx="1">
-            <a:schemeClr val="accent1"/>
-          </a:fillRef>
-          <a:effectRef idx="0">
-            <a:schemeClr val="accent1"/>
-          </a:effectRef>
-          <a:fontRef idx="minor">
-            <a:schemeClr val="lt1"/>
-          </a:fontRef>
-        </p:style>
-        <p:txBody>
-          <a:bodyPr rtlCol="0" anchor="ctr"/>
-          <a:lstStyle/>
-          <a:p>
-            <a:pPr algn="ctr"/>
-            <a:endParaRPr lang="en-CH"/>
-          </a:p>
-        </p:txBody>
-      </p:sp>
-    </p:spTree>
-    <p:extLst>
-      <p:ext uri="{BB962C8B-B14F-4D97-AF65-F5344CB8AC3E}">
-        <p14:creationId xmlns:p14="http://schemas.microsoft.com/office/powerpoint/2010/main" val="1435787097"/>
-      </p:ext>
-    </p:extLst>
-  </p:cSld>
-  <p:clrMapOvr>
-    <a:masterClrMapping/>
-  </p:clrMapOvr>
-  <p:timing>
-    <p:tnLst>
-      <p:par>
-        <p:cTn id="1" dur="indefinite" restart="never" nodeType="tmRoot">
-          <p:childTnLst>
-            <p:seq concurrent="1" nextAc="seek">
-              <p:cTn id="2" dur="indefinite" nodeType="mainSeq">
-                <p:childTnLst>
-                  <p:par>
-                    <p:cTn id="3" fill="hold">
-                      <p:stCondLst>
-                        <p:cond delay="indefinite"/>
-                      </p:stCondLst>
-                      <p:childTnLst>
-                        <p:par>
-                          <p:cTn id="4" fill="hold">
-                            <p:stCondLst>
-                              <p:cond delay="0"/>
-                            </p:stCondLst>
-                            <p:childTnLst>
-                              <p:par>
-                                <p:cTn id="5" presetID="10" presetClass="entr" presetSubtype="0" fill="hold" grpId="0" nodeType="clickEffect">
-                                  <p:stCondLst>
-                                    <p:cond delay="0"/>
-                                  </p:stCondLst>
-                                  <p:childTnLst>
-                                    <p:set>
-                                      <p:cBhvr>
-                                        <p:cTn id="6" dur="1" fill="hold">
-                                          <p:stCondLst>
-                                            <p:cond delay="0"/>
-                                          </p:stCondLst>
-                                        </p:cTn>
-                                        <p:tgtEl>
-                                          <p:spTgt spid="5"/>
-                                        </p:tgtEl>
-                                        <p:attrNameLst>
-                                          <p:attrName>style.visibility</p:attrName>
-                                        </p:attrNameLst>
-                                      </p:cBhvr>
-                                      <p:to>
-                                        <p:strVal val="visible"/>
-                                      </p:to>
-                                    </p:set>
-                                    <p:animEffect transition="in" filter="fade">
-                                      <p:cBhvr>
-                                        <p:cTn id="7" dur="500"/>
-                                        <p:tgtEl>
-                                          <p:spTgt spid="5"/>
-                                        </p:tgtEl>
-                                      </p:cBhvr>
-                                    </p:animEffect>
-                                  </p:childTnLst>
-                                </p:cTn>
-                              </p:par>
-                            </p:childTnLst>
-                          </p:cTn>
-                        </p:par>
-                      </p:childTnLst>
-                    </p:cTn>
-                  </p:par>
-                </p:childTnLst>
-              </p:cTn>
-              <p:prevCondLst>
-                <p:cond evt="onPrev" delay="0">
-                  <p:tgtEl>
-                    <p:sldTgt/>
-                  </p:tgtEl>
-                </p:cond>
-              </p:prevCondLst>
-              <p:nextCondLst>
-                <p:cond evt="onNext" delay="0">
-                  <p:tgtEl>
-                    <p:sldTgt/>
-                  </p:tgtEl>
-                </p:cond>
-              </p:nextCondLst>
-            </p:seq>
-          </p:childTnLst>
-        </p:cTn>
-      </p:par>
-    </p:tnLst>
-    <p:bldLst>
-      <p:bldP spid="5" grpId="0" animBg="1"/>
-    </p:bldLst>
-  </p:timing>
-</p:sld>
-</file>
-
-<file path=ppt/slides/slide20.xml><?xml version="1.0" encoding="utf-8"?>
-<p:sld xmlns:a="http://schemas.openxmlformats.org/drawingml/2006/main" xmlns:r="http://schemas.openxmlformats.org/officeDocument/2006/relationships" xmlns:p="http://schemas.openxmlformats.org/presentationml/2006/main">
-  <p:cSld>
-    <p:spTree>
-      <p:nvGrpSpPr>
-        <p:cNvPr id="1" name=""/>
-        <p:cNvGrpSpPr/>
-        <p:nvPr/>
-      </p:nvGrpSpPr>
-      <p:grpSpPr>
-        <a:xfrm>
-          <a:off x="0" y="0"/>
-          <a:ext cx="0" cy="0"/>
-          <a:chOff x="0" y="0"/>
-          <a:chExt cx="0" cy="0"/>
-        </a:xfrm>
-      </p:grpSpPr>
-      <p:sp>
-        <p:nvSpPr>
-          <p:cNvPr id="81" name="CasellaDiTesto 80">
-            <a:extLst>
-              <a:ext uri="{FF2B5EF4-FFF2-40B4-BE49-F238E27FC236}">
-                <a16:creationId xmlns:a16="http://schemas.microsoft.com/office/drawing/2014/main" id="{A876EA04-8ACA-44CC-8625-75505E8D8795}"/>
-              </a:ext>
-            </a:extLst>
-          </p:cNvPr>
-          <p:cNvSpPr txBox="1"/>
-          <p:nvPr/>
-        </p:nvSpPr>
-        <p:spPr>
-          <a:xfrm>
-            <a:off x="1937324" y="326417"/>
-            <a:ext cx="5269352" cy="507831"/>
-          </a:xfrm>
-          <a:prstGeom prst="rect">
-            <a:avLst/>
-          </a:prstGeom>
-          <a:noFill/>
-        </p:spPr>
-        <p:txBody>
-          <a:bodyPr wrap="square" rtlCol="0">
-            <a:spAutoFit/>
-          </a:bodyPr>
-          <a:lstStyle/>
-          <a:p>
-            <a:pPr algn="ctr"/>
-            <a:r>
-              <a:rPr lang="en-US" sz="2700" b="1" dirty="0">
-                <a:latin typeface="Arial" panose="020B0604020202020204" pitchFamily="34" charset="0"/>
-                <a:cs typeface="Arial" panose="020B0604020202020204" pitchFamily="34" charset="0"/>
-              </a:rPr>
-              <a:t>Practical Example: Data Folder</a:t>
-            </a:r>
-          </a:p>
-        </p:txBody>
-      </p:sp>
-      <p:sp>
-        <p:nvSpPr>
-          <p:cNvPr id="5" name="Segnaposto piè di pagina 4">
-            <a:extLst>
-              <a:ext uri="{FF2B5EF4-FFF2-40B4-BE49-F238E27FC236}">
-                <a16:creationId xmlns:a16="http://schemas.microsoft.com/office/drawing/2014/main" id="{819E3B67-A182-4381-9A10-00049CB84239}"/>
-              </a:ext>
-            </a:extLst>
-          </p:cNvPr>
-          <p:cNvSpPr>
-            <a:spLocks noGrp="1"/>
-          </p:cNvSpPr>
-          <p:nvPr>
-            <p:ph type="ftr" sz="quarter" idx="11"/>
-          </p:nvPr>
-        </p:nvSpPr>
-        <p:spPr/>
-        <p:txBody>
-          <a:bodyPr/>
-          <a:lstStyle/>
-          <a:p>
-            <a:r>
-              <a:rPr lang="en-US"/>
-              <a:t>M. Sperti</a:t>
-            </a:r>
-          </a:p>
-        </p:txBody>
-      </p:sp>
-      <p:sp>
-        <p:nvSpPr>
-          <p:cNvPr id="2" name="CasellaDiTesto 1">
-            <a:extLst>
-              <a:ext uri="{FF2B5EF4-FFF2-40B4-BE49-F238E27FC236}">
-                <a16:creationId xmlns:a16="http://schemas.microsoft.com/office/drawing/2014/main" id="{3523E7FF-60E3-49A3-9249-E5DE7C9EDD05}"/>
-              </a:ext>
-            </a:extLst>
-          </p:cNvPr>
-          <p:cNvSpPr txBox="1"/>
-          <p:nvPr/>
-        </p:nvSpPr>
-        <p:spPr>
-          <a:xfrm>
-            <a:off x="532661" y="1204897"/>
-            <a:ext cx="8078680" cy="1477328"/>
-          </a:xfrm>
-          <a:prstGeom prst="rect">
-            <a:avLst/>
-          </a:prstGeom>
-          <a:noFill/>
-        </p:spPr>
-        <p:txBody>
-          <a:bodyPr wrap="square" rtlCol="0">
-            <a:spAutoFit/>
-          </a:bodyPr>
-          <a:lstStyle/>
-          <a:p>
-            <a:pPr marL="214313" indent="-214313" algn="just">
-              <a:buFont typeface="Arial" panose="020B0604020202020204" pitchFamily="34" charset="0"/>
-              <a:buChar char="•"/>
-            </a:pPr>
-            <a:r>
-              <a:rPr lang="en-US" dirty="0">
-                <a:latin typeface="Arial" panose="020B0604020202020204" pitchFamily="34" charset="0"/>
-                <a:cs typeface="Arial" panose="020B0604020202020204" pitchFamily="34" charset="0"/>
-              </a:rPr>
-              <a:t>Let’s analyze in more detail the template repository we created. Let’s start from the Data Folder</a:t>
-            </a:r>
-          </a:p>
-          <a:p>
-            <a:pPr marL="214313" indent="-214313" algn="just">
-              <a:buFont typeface="Arial" panose="020B0604020202020204" pitchFamily="34" charset="0"/>
-              <a:buChar char="•"/>
-            </a:pPr>
-            <a:r>
-              <a:rPr lang="en-US" dirty="0">
-                <a:latin typeface="Arial" panose="020B0604020202020204" pitchFamily="34" charset="0"/>
-                <a:cs typeface="Arial" panose="020B0604020202020204" pitchFamily="34" charset="0"/>
-              </a:rPr>
-              <a:t>In this practical example, we will use a toy dataset (the famous Iris Dataset) </a:t>
-            </a:r>
-          </a:p>
-          <a:p>
-            <a:pPr marL="214313" indent="-214313" algn="just">
-              <a:buFont typeface="Arial" panose="020B0604020202020204" pitchFamily="34" charset="0"/>
-              <a:buChar char="•"/>
-            </a:pPr>
-            <a:r>
-              <a:rPr lang="en-US" dirty="0">
-                <a:latin typeface="Arial" panose="020B0604020202020204" pitchFamily="34" charset="0"/>
-                <a:cs typeface="Arial" panose="020B0604020202020204" pitchFamily="34" charset="0"/>
-              </a:rPr>
-              <a:t>Data Folder contains Raw Data Folder, in which we put the data we have, without modifying them</a:t>
-            </a:r>
-          </a:p>
-        </p:txBody>
-      </p:sp>
-      <p:pic>
-        <p:nvPicPr>
-          <p:cNvPr id="9" name="Immagine 8">
-            <a:extLst>
-              <a:ext uri="{FF2B5EF4-FFF2-40B4-BE49-F238E27FC236}">
-                <a16:creationId xmlns:a16="http://schemas.microsoft.com/office/drawing/2014/main" id="{21B140C8-D110-4AA5-9846-8A772FDCDF78}"/>
-              </a:ext>
-            </a:extLst>
-          </p:cNvPr>
-          <p:cNvPicPr>
-            <a:picLocks noChangeAspect="1"/>
-          </p:cNvPicPr>
-          <p:nvPr/>
-        </p:nvPicPr>
-        <p:blipFill>
-          <a:blip r:embed="rId2"/>
-          <a:stretch>
-            <a:fillRect/>
-          </a:stretch>
-        </p:blipFill>
-        <p:spPr>
-          <a:xfrm>
-            <a:off x="6397228" y="3948917"/>
-            <a:ext cx="964406" cy="542925"/>
-          </a:xfrm>
-          <a:prstGeom prst="rect">
-            <a:avLst/>
-          </a:prstGeom>
-        </p:spPr>
-      </p:pic>
-      <p:pic>
-        <p:nvPicPr>
-          <p:cNvPr id="11" name="Immagine 10">
-            <a:extLst>
-              <a:ext uri="{FF2B5EF4-FFF2-40B4-BE49-F238E27FC236}">
-                <a16:creationId xmlns:a16="http://schemas.microsoft.com/office/drawing/2014/main" id="{A7E5CE3D-31B4-448C-AC33-0F024EDA45EA}"/>
-              </a:ext>
-            </a:extLst>
-          </p:cNvPr>
-          <p:cNvPicPr>
-            <a:picLocks noChangeAspect="1"/>
-          </p:cNvPicPr>
-          <p:nvPr/>
-        </p:nvPicPr>
-        <p:blipFill>
-          <a:blip r:embed="rId3"/>
-          <a:stretch>
-            <a:fillRect/>
-          </a:stretch>
-        </p:blipFill>
-        <p:spPr>
-          <a:xfrm>
-            <a:off x="4700588" y="2796062"/>
-            <a:ext cx="1578769" cy="1364456"/>
-          </a:xfrm>
-          <a:prstGeom prst="rect">
-            <a:avLst/>
-          </a:prstGeom>
-        </p:spPr>
-      </p:pic>
-      <p:sp>
-        <p:nvSpPr>
-          <p:cNvPr id="15" name="Freccia curva 14">
-            <a:extLst>
-              <a:ext uri="{FF2B5EF4-FFF2-40B4-BE49-F238E27FC236}">
-                <a16:creationId xmlns:a16="http://schemas.microsoft.com/office/drawing/2014/main" id="{916820F6-E93C-411A-8D67-7E671F95AB0F}"/>
-              </a:ext>
-            </a:extLst>
-          </p:cNvPr>
-          <p:cNvSpPr/>
-          <p:nvPr/>
-        </p:nvSpPr>
-        <p:spPr>
-          <a:xfrm rot="5400000">
-            <a:off x="6299306" y="3220351"/>
-            <a:ext cx="726265" cy="605434"/>
-          </a:xfrm>
-          <a:prstGeom prst="bentArrow">
-            <a:avLst>
-              <a:gd name="adj1" fmla="val 8924"/>
-              <a:gd name="adj2" fmla="val 12707"/>
-              <a:gd name="adj3" fmla="val 25000"/>
-              <a:gd name="adj4" fmla="val 43750"/>
-            </a:avLst>
-          </a:prstGeom>
-          <a:solidFill>
-            <a:schemeClr val="accent1">
-              <a:lumMod val="40000"/>
-              <a:lumOff val="60000"/>
-            </a:schemeClr>
-          </a:solidFill>
-          <a:ln>
-            <a:solidFill>
-              <a:schemeClr val="accent1">
-                <a:lumMod val="40000"/>
-                <a:lumOff val="60000"/>
-              </a:schemeClr>
-            </a:solidFill>
-          </a:ln>
-        </p:spPr>
-        <p:style>
-          <a:lnRef idx="2">
-            <a:schemeClr val="accent1">
-              <a:shade val="50000"/>
-            </a:schemeClr>
-          </a:lnRef>
-          <a:fillRef idx="1">
-            <a:schemeClr val="accent1"/>
-          </a:fillRef>
-          <a:effectRef idx="0">
-            <a:schemeClr val="accent1"/>
-          </a:effectRef>
-          <a:fontRef idx="minor">
-            <a:schemeClr val="lt1"/>
-          </a:fontRef>
-        </p:style>
-        <p:txBody>
-          <a:bodyPr rtlCol="0" anchor="ctr"/>
-          <a:lstStyle/>
-          <a:p>
-            <a:pPr algn="ctr"/>
-            <a:endParaRPr lang="en-US" sz="1350">
-              <a:solidFill>
-                <a:schemeClr val="tx1"/>
-              </a:solidFill>
-            </a:endParaRPr>
-          </a:p>
-        </p:txBody>
-      </p:sp>
-      <p:sp>
-        <p:nvSpPr>
-          <p:cNvPr id="16" name="CasellaDiTesto 15">
-            <a:extLst>
-              <a:ext uri="{FF2B5EF4-FFF2-40B4-BE49-F238E27FC236}">
-                <a16:creationId xmlns:a16="http://schemas.microsoft.com/office/drawing/2014/main" id="{BCB4F876-04B2-4357-94AF-B2033A78B91D}"/>
-              </a:ext>
-            </a:extLst>
-          </p:cNvPr>
-          <p:cNvSpPr txBox="1"/>
-          <p:nvPr/>
-        </p:nvSpPr>
-        <p:spPr>
-          <a:xfrm>
-            <a:off x="532662" y="3010988"/>
-            <a:ext cx="3839314" cy="1477328"/>
-          </a:xfrm>
-          <a:prstGeom prst="rect">
-            <a:avLst/>
-          </a:prstGeom>
-          <a:noFill/>
-        </p:spPr>
-        <p:txBody>
-          <a:bodyPr wrap="square" rtlCol="0">
-            <a:spAutoFit/>
-          </a:bodyPr>
-          <a:lstStyle/>
-          <a:p>
-            <a:pPr marL="214313" indent="-214313" algn="just">
-              <a:buFont typeface="Arial" panose="020B0604020202020204" pitchFamily="34" charset="0"/>
-              <a:buChar char="•"/>
-            </a:pPr>
-            <a:r>
-              <a:rPr lang="en-US" dirty="0">
-                <a:latin typeface="Arial" panose="020B0604020202020204" pitchFamily="34" charset="0"/>
-                <a:cs typeface="Arial" panose="020B0604020202020204" pitchFamily="34" charset="0"/>
-              </a:rPr>
-              <a:t>In the readme.md file, you must put a short description of the raw data (number of samples, number of features, number of missing values, etc.)</a:t>
-            </a:r>
-          </a:p>
-        </p:txBody>
-      </p:sp>
-    </p:spTree>
-    <p:extLst>
-      <p:ext uri="{BB962C8B-B14F-4D97-AF65-F5344CB8AC3E}">
-        <p14:creationId xmlns:p14="http://schemas.microsoft.com/office/powerpoint/2010/main" val="1880463305"/>
-      </p:ext>
-    </p:extLst>
-  </p:cSld>
-  <p:clrMapOvr>
-    <a:masterClrMapping/>
-  </p:clrMapOvr>
-</p:sld>
-</file>
-
-<file path=ppt/slides/slide21.xml><?xml version="1.0" encoding="utf-8"?>
-<p:sld xmlns:a="http://schemas.openxmlformats.org/drawingml/2006/main" xmlns:r="http://schemas.openxmlformats.org/officeDocument/2006/relationships" xmlns:p="http://schemas.openxmlformats.org/presentationml/2006/main">
-  <p:cSld>
-    <p:spTree>
-      <p:nvGrpSpPr>
-        <p:cNvPr id="1" name=""/>
-        <p:cNvGrpSpPr/>
-        <p:nvPr/>
-      </p:nvGrpSpPr>
-      <p:grpSpPr>
-        <a:xfrm>
-          <a:off x="0" y="0"/>
-          <a:ext cx="0" cy="0"/>
-          <a:chOff x="0" y="0"/>
-          <a:chExt cx="0" cy="0"/>
-        </a:xfrm>
-      </p:grpSpPr>
-      <p:sp>
-        <p:nvSpPr>
-          <p:cNvPr id="81" name="CasellaDiTesto 80">
-            <a:extLst>
-              <a:ext uri="{FF2B5EF4-FFF2-40B4-BE49-F238E27FC236}">
-                <a16:creationId xmlns:a16="http://schemas.microsoft.com/office/drawing/2014/main" id="{A876EA04-8ACA-44CC-8625-75505E8D8795}"/>
-              </a:ext>
-            </a:extLst>
-          </p:cNvPr>
-          <p:cNvSpPr txBox="1"/>
-          <p:nvPr/>
-        </p:nvSpPr>
-        <p:spPr>
-          <a:xfrm>
-            <a:off x="1904494" y="326417"/>
-            <a:ext cx="5335013" cy="507831"/>
-          </a:xfrm>
-          <a:prstGeom prst="rect">
-            <a:avLst/>
-          </a:prstGeom>
-          <a:noFill/>
-        </p:spPr>
-        <p:txBody>
-          <a:bodyPr wrap="square" rtlCol="0">
-            <a:spAutoFit/>
-          </a:bodyPr>
-          <a:lstStyle/>
-          <a:p>
-            <a:pPr algn="ctr"/>
-            <a:r>
-              <a:rPr lang="en-US" sz="2700" b="1" dirty="0">
-                <a:latin typeface="Arial" panose="020B0604020202020204" pitchFamily="34" charset="0"/>
-                <a:cs typeface="Arial" panose="020B0604020202020204" pitchFamily="34" charset="0"/>
-              </a:rPr>
-              <a:t>Practical Example: Code Folder</a:t>
-            </a:r>
-          </a:p>
-        </p:txBody>
-      </p:sp>
-      <p:sp>
-        <p:nvSpPr>
-          <p:cNvPr id="5" name="Segnaposto piè di pagina 4">
-            <a:extLst>
-              <a:ext uri="{FF2B5EF4-FFF2-40B4-BE49-F238E27FC236}">
-                <a16:creationId xmlns:a16="http://schemas.microsoft.com/office/drawing/2014/main" id="{819E3B67-A182-4381-9A10-00049CB84239}"/>
-              </a:ext>
-            </a:extLst>
-          </p:cNvPr>
-          <p:cNvSpPr>
-            <a:spLocks noGrp="1"/>
-          </p:cNvSpPr>
-          <p:nvPr>
-            <p:ph type="ftr" sz="quarter" idx="11"/>
-          </p:nvPr>
-        </p:nvSpPr>
-        <p:spPr/>
-        <p:txBody>
-          <a:bodyPr/>
-          <a:lstStyle/>
-          <a:p>
-            <a:r>
-              <a:rPr lang="en-US"/>
-              <a:t>M. Sperti</a:t>
-            </a:r>
-          </a:p>
-        </p:txBody>
-      </p:sp>
-      <p:sp>
-        <p:nvSpPr>
-          <p:cNvPr id="2" name="CasellaDiTesto 1">
-            <a:extLst>
-              <a:ext uri="{FF2B5EF4-FFF2-40B4-BE49-F238E27FC236}">
-                <a16:creationId xmlns:a16="http://schemas.microsoft.com/office/drawing/2014/main" id="{F7743FEA-7CE9-4E70-A7EF-2777FD40055F}"/>
-              </a:ext>
-            </a:extLst>
-          </p:cNvPr>
-          <p:cNvSpPr txBox="1"/>
-          <p:nvPr/>
-        </p:nvSpPr>
-        <p:spPr>
-          <a:xfrm>
-            <a:off x="328475" y="1034769"/>
-            <a:ext cx="4379258" cy="2800767"/>
-          </a:xfrm>
-          <a:prstGeom prst="rect">
-            <a:avLst/>
-          </a:prstGeom>
-          <a:noFill/>
-        </p:spPr>
-        <p:txBody>
-          <a:bodyPr wrap="square" rtlCol="0">
-            <a:spAutoFit/>
-          </a:bodyPr>
-          <a:lstStyle/>
-          <a:p>
-            <a:pPr marL="214313" indent="-214313" algn="just">
-              <a:buFont typeface="Arial" panose="020B0604020202020204" pitchFamily="34" charset="0"/>
-              <a:buChar char="•"/>
-            </a:pPr>
-            <a:r>
-              <a:rPr lang="en-US" sz="1600" dirty="0">
-                <a:latin typeface="Arial" panose="020B0604020202020204" pitchFamily="34" charset="0"/>
-                <a:cs typeface="Arial" panose="020B0604020202020204" pitchFamily="34" charset="0"/>
-              </a:rPr>
-              <a:t>Code folder should contain all code you wrote to perform your experiments on data</a:t>
-            </a:r>
-          </a:p>
-          <a:p>
-            <a:pPr marL="214313" indent="-214313" algn="just">
-              <a:buFont typeface="Arial" panose="020B0604020202020204" pitchFamily="34" charset="0"/>
-              <a:buChar char="•"/>
-            </a:pPr>
-            <a:r>
-              <a:rPr lang="en-US" sz="1600" i="1" dirty="0">
-                <a:latin typeface="Arial" panose="020B0604020202020204" pitchFamily="34" charset="0"/>
-                <a:cs typeface="Arial" panose="020B0604020202020204" pitchFamily="34" charset="0"/>
-              </a:rPr>
-              <a:t>To make code reproducible, it is fundamental that you save every data you produce </a:t>
-            </a:r>
-            <a:r>
-              <a:rPr lang="en-US" sz="1600" dirty="0">
-                <a:latin typeface="Arial" panose="020B0604020202020204" pitchFamily="34" charset="0"/>
-                <a:cs typeface="Arial" panose="020B0604020202020204" pitchFamily="34" charset="0"/>
-              </a:rPr>
-              <a:t>(e.g. every x and y data used to make plots)</a:t>
-            </a:r>
-          </a:p>
-          <a:p>
-            <a:pPr marL="214313" indent="-214313" algn="just">
-              <a:buFont typeface="Arial" panose="020B0604020202020204" pitchFamily="34" charset="0"/>
-              <a:buChar char="•"/>
-            </a:pPr>
-            <a:r>
-              <a:rPr lang="en-US" sz="1600" dirty="0">
-                <a:latin typeface="Arial" panose="020B0604020202020204" pitchFamily="34" charset="0"/>
-                <a:cs typeface="Arial" panose="020B0604020202020204" pitchFamily="34" charset="0"/>
-              </a:rPr>
-              <a:t>For example, on the right, an </a:t>
-            </a:r>
-            <a:r>
-              <a:rPr lang="en-US" sz="1600" dirty="0" err="1">
-                <a:latin typeface="Arial" panose="020B0604020202020204" pitchFamily="34" charset="0"/>
-                <a:cs typeface="Arial" panose="020B0604020202020204" pitchFamily="34" charset="0"/>
-              </a:rPr>
-              <a:t>extract</a:t>
-            </a:r>
-            <a:r>
-              <a:rPr lang="en-US" sz="1600" dirty="0">
-                <a:latin typeface="Arial" panose="020B0604020202020204" pitchFamily="34" charset="0"/>
-                <a:cs typeface="Arial" panose="020B0604020202020204" pitchFamily="34" charset="0"/>
-              </a:rPr>
-              <a:t> of the code to generate a plot of the three first PCA components of Iris Dataset is shown</a:t>
-            </a:r>
-          </a:p>
-          <a:p>
-            <a:pPr marL="214313" indent="-214313" algn="just">
-              <a:buFont typeface="Arial" panose="020B0604020202020204" pitchFamily="34" charset="0"/>
-              <a:buChar char="•"/>
-            </a:pPr>
-            <a:r>
-              <a:rPr lang="en-US" sz="1600" dirty="0">
-                <a:latin typeface="Arial" panose="020B0604020202020204" pitchFamily="34" charset="0"/>
-                <a:cs typeface="Arial" panose="020B0604020202020204" pitchFamily="34" charset="0"/>
-              </a:rPr>
-              <a:t>Below, an extract of the save section of the PCA data is shown</a:t>
-            </a:r>
-          </a:p>
-        </p:txBody>
-      </p:sp>
-      <p:pic>
-        <p:nvPicPr>
-          <p:cNvPr id="15" name="Immagine 14">
-            <a:extLst>
-              <a:ext uri="{FF2B5EF4-FFF2-40B4-BE49-F238E27FC236}">
-                <a16:creationId xmlns:a16="http://schemas.microsoft.com/office/drawing/2014/main" id="{0B9AFB16-0216-4657-914C-5B442326B6D4}"/>
-              </a:ext>
-            </a:extLst>
-          </p:cNvPr>
-          <p:cNvPicPr>
-            <a:picLocks noChangeAspect="1"/>
-          </p:cNvPicPr>
-          <p:nvPr/>
-        </p:nvPicPr>
-        <p:blipFill rotWithShape="1">
-          <a:blip r:embed="rId2"/>
-          <a:srcRect r="37951"/>
-          <a:stretch/>
-        </p:blipFill>
-        <p:spPr>
-          <a:xfrm>
-            <a:off x="4939935" y="1034769"/>
-            <a:ext cx="2675303" cy="3508890"/>
-          </a:xfrm>
-          <a:prstGeom prst="rect">
-            <a:avLst/>
-          </a:prstGeom>
-        </p:spPr>
-      </p:pic>
-      <p:pic>
-        <p:nvPicPr>
-          <p:cNvPr id="17" name="Immagine 16">
-            <a:extLst>
-              <a:ext uri="{FF2B5EF4-FFF2-40B4-BE49-F238E27FC236}">
-                <a16:creationId xmlns:a16="http://schemas.microsoft.com/office/drawing/2014/main" id="{FE0FF936-AD16-4A4A-90C1-31C4F60ECF9A}"/>
-              </a:ext>
-            </a:extLst>
-          </p:cNvPr>
-          <p:cNvPicPr>
-            <a:picLocks noChangeAspect="1"/>
-          </p:cNvPicPr>
-          <p:nvPr/>
-        </p:nvPicPr>
-        <p:blipFill rotWithShape="1">
-          <a:blip r:embed="rId3"/>
-          <a:srcRect r="42357"/>
-          <a:stretch/>
-        </p:blipFill>
-        <p:spPr>
-          <a:xfrm>
-            <a:off x="1707388" y="3868101"/>
-            <a:ext cx="3232547" cy="835819"/>
-          </a:xfrm>
-          <a:prstGeom prst="rect">
-            <a:avLst/>
-          </a:prstGeom>
-        </p:spPr>
-      </p:pic>
-    </p:spTree>
-    <p:extLst>
-      <p:ext uri="{BB962C8B-B14F-4D97-AF65-F5344CB8AC3E}">
-        <p14:creationId xmlns:p14="http://schemas.microsoft.com/office/powerpoint/2010/main" val="235065928"/>
-      </p:ext>
-    </p:extLst>
-  </p:cSld>
-  <p:clrMapOvr>
-    <a:masterClrMapping/>
-  </p:clrMapOvr>
-</p:sld>
-</file>
-
-<file path=ppt/slides/slide22.xml><?xml version="1.0" encoding="utf-8"?>
+<file path=ppt/slides/slide25.xml><?xml version="1.0" encoding="utf-8"?>
 <p:sld xmlns:a="http://schemas.openxmlformats.org/drawingml/2006/main" xmlns:r="http://schemas.openxmlformats.org/officeDocument/2006/relationships" xmlns:p="http://schemas.openxmlformats.org/presentationml/2006/main">
   <p:cSld>
     <p:spTree>
@@ -16603,7 +17090,7 @@
 </p:sld>
 </file>
 
-<file path=ppt/slides/slide23.xml><?xml version="1.0" encoding="utf-8"?>
+<file path=ppt/slides/slide26.xml><?xml version="1.0" encoding="utf-8"?>
 <p:sld xmlns:a="http://schemas.openxmlformats.org/drawingml/2006/main" xmlns:r="http://schemas.openxmlformats.org/officeDocument/2006/relationships" xmlns:p="http://schemas.openxmlformats.org/presentationml/2006/main">
   <p:cSld>
     <p:spTree>
@@ -16665,7 +17152,7 @@
 </p:sld>
 </file>
 
-<file path=ppt/slides/slide24.xml><?xml version="1.0" encoding="utf-8"?>
+<file path=ppt/slides/slide27.xml><?xml version="1.0" encoding="utf-8"?>
 <p:sld xmlns:a="http://schemas.openxmlformats.org/drawingml/2006/main" xmlns:r="http://schemas.openxmlformats.org/officeDocument/2006/relationships" xmlns:p="http://schemas.openxmlformats.org/presentationml/2006/main">
   <p:cSld>
     <p:spTree>
@@ -17817,7 +18304,7 @@
         <p:spPr>
           <a:xfrm>
             <a:off x="3181686" y="3650799"/>
-            <a:ext cx="945870" cy="246221"/>
+            <a:ext cx="945870" cy="738664"/>
           </a:xfrm>
           <a:prstGeom prst="rect">
             <a:avLst/>
@@ -17837,6 +18324,22 @@
             </a:r>
             <a:endParaRPr lang="de-CH" sz="1600" dirty="0"/>
           </a:p>
+          <a:p>
+            <a:pPr algn="ctr"/>
+            <a:r>
+              <a:rPr lang="de-CH" sz="1600" dirty="0" err="1"/>
+              <a:t>TensorFlow</a:t>
+            </a:r>
+            <a:r>
+              <a:rPr lang="de-CH" sz="1600" dirty="0"/>
+              <a:t>/</a:t>
+            </a:r>
+            <a:r>
+              <a:rPr lang="de-CH" sz="1600" dirty="0" err="1"/>
+              <a:t>pyTorch</a:t>
+            </a:r>
+            <a:endParaRPr lang="de-CH" sz="1600" dirty="0"/>
+          </a:p>
         </p:txBody>
       </p:sp>
       <p:sp>
@@ -17854,7 +18357,7 @@
         <p:spPr>
           <a:xfrm>
             <a:off x="6626817" y="3878654"/>
-            <a:ext cx="993746" cy="246221"/>
+            <a:ext cx="993746" cy="492443"/>
           </a:xfrm>
           <a:prstGeom prst="rect">
             <a:avLst/>
@@ -17871,6 +18374,14 @@
             <a:r>
               <a:rPr lang="de-CH" sz="1600" dirty="0" err="1"/>
               <a:t>TensorFlow</a:t>
+            </a:r>
+            <a:r>
+              <a:rPr lang="de-CH" sz="1600" dirty="0"/>
+              <a:t>/</a:t>
+            </a:r>
+            <a:r>
+              <a:rPr lang="de-CH" sz="1600" dirty="0" err="1"/>
+              <a:t>pyTorch</a:t>
             </a:r>
             <a:endParaRPr lang="de-CH" sz="1600" dirty="0"/>
           </a:p>
@@ -18434,401 +18945,6 @@
 </p:sld>
 </file>
 
-<file path=ppt/slides/slide25.xml><?xml version="1.0" encoding="utf-8"?>
-<p:sld xmlns:a="http://schemas.openxmlformats.org/drawingml/2006/main" xmlns:r="http://schemas.openxmlformats.org/officeDocument/2006/relationships" xmlns:p="http://schemas.openxmlformats.org/presentationml/2006/main">
-  <p:cSld>
-    <p:spTree>
-      <p:nvGrpSpPr>
-        <p:cNvPr id="1" name=""/>
-        <p:cNvGrpSpPr/>
-        <p:nvPr/>
-      </p:nvGrpSpPr>
-      <p:grpSpPr>
-        <a:xfrm>
-          <a:off x="0" y="0"/>
-          <a:ext cx="0" cy="0"/>
-          <a:chOff x="0" y="0"/>
-          <a:chExt cx="0" cy="0"/>
-        </a:xfrm>
-      </p:grpSpPr>
-      <p:sp>
-        <p:nvSpPr>
-          <p:cNvPr id="2" name="Title 1">
-            <a:extLst>
-              <a:ext uri="{FF2B5EF4-FFF2-40B4-BE49-F238E27FC236}">
-                <a16:creationId xmlns:a16="http://schemas.microsoft.com/office/drawing/2014/main" id="{74902E13-1FDE-7DEF-92E0-AF823ADDF520}"/>
-              </a:ext>
-            </a:extLst>
-          </p:cNvPr>
-          <p:cNvSpPr>
-            <a:spLocks noGrp="1"/>
-          </p:cNvSpPr>
-          <p:nvPr>
-            <p:ph type="title"/>
-          </p:nvPr>
-        </p:nvSpPr>
-        <p:spPr/>
-        <p:txBody>
-          <a:bodyPr/>
-          <a:lstStyle/>
-          <a:p>
-            <a:r>
-              <a:rPr lang="en-CH"/>
-              <a:t>Python</a:t>
-            </a:r>
-          </a:p>
-        </p:txBody>
-      </p:sp>
-    </p:spTree>
-    <p:extLst>
-      <p:ext uri="{BB962C8B-B14F-4D97-AF65-F5344CB8AC3E}">
-        <p14:creationId xmlns:p14="http://schemas.microsoft.com/office/powerpoint/2010/main" val="1752467510"/>
-      </p:ext>
-    </p:extLst>
-  </p:cSld>
-  <p:clrMapOvr>
-    <a:masterClrMapping/>
-  </p:clrMapOvr>
-</p:sld>
-</file>
-
-<file path=ppt/slides/slide26.xml><?xml version="1.0" encoding="utf-8"?>
-<p:sld xmlns:a="http://schemas.openxmlformats.org/drawingml/2006/main" xmlns:r="http://schemas.openxmlformats.org/officeDocument/2006/relationships" xmlns:p="http://schemas.openxmlformats.org/presentationml/2006/main">
-  <p:cSld>
-    <p:spTree>
-      <p:nvGrpSpPr>
-        <p:cNvPr id="1" name=""/>
-        <p:cNvGrpSpPr/>
-        <p:nvPr/>
-      </p:nvGrpSpPr>
-      <p:grpSpPr>
-        <a:xfrm>
-          <a:off x="0" y="0"/>
-          <a:ext cx="0" cy="0"/>
-          <a:chOff x="0" y="0"/>
-          <a:chExt cx="0" cy="0"/>
-        </a:xfrm>
-      </p:grpSpPr>
-      <p:sp>
-        <p:nvSpPr>
-          <p:cNvPr id="2" name="Title 1">
-            <a:extLst>
-              <a:ext uri="{FF2B5EF4-FFF2-40B4-BE49-F238E27FC236}">
-                <a16:creationId xmlns:a16="http://schemas.microsoft.com/office/drawing/2014/main" id="{D41471C5-F3C6-2ACF-EC82-873148651CB5}"/>
-              </a:ext>
-            </a:extLst>
-          </p:cNvPr>
-          <p:cNvSpPr>
-            <a:spLocks noGrp="1"/>
-          </p:cNvSpPr>
-          <p:nvPr>
-            <p:ph type="title"/>
-          </p:nvPr>
-        </p:nvSpPr>
-        <p:spPr/>
-        <p:txBody>
-          <a:bodyPr/>
-          <a:lstStyle/>
-          <a:p>
-            <a:r>
-              <a:rPr lang="en-CH"/>
-              <a:t>Algorithms and Data Structures</a:t>
-            </a:r>
-          </a:p>
-        </p:txBody>
-      </p:sp>
-      <p:sp>
-        <p:nvSpPr>
-          <p:cNvPr id="3" name="Content Placeholder 2">
-            <a:extLst>
-              <a:ext uri="{FF2B5EF4-FFF2-40B4-BE49-F238E27FC236}">
-                <a16:creationId xmlns:a16="http://schemas.microsoft.com/office/drawing/2014/main" id="{E1810339-21F8-B70A-2721-83FB0E342271}"/>
-              </a:ext>
-            </a:extLst>
-          </p:cNvPr>
-          <p:cNvSpPr>
-            <a:spLocks noGrp="1"/>
-          </p:cNvSpPr>
-          <p:nvPr>
-            <p:ph idx="1"/>
-          </p:nvPr>
-        </p:nvSpPr>
-        <p:spPr/>
-        <p:txBody>
-          <a:bodyPr>
-            <a:normAutofit/>
-          </a:bodyPr>
-          <a:lstStyle/>
-          <a:p>
-            <a:pPr marL="0" indent="0">
-              <a:buNone/>
-            </a:pPr>
-            <a:r>
-              <a:rPr lang="en-US"/>
-              <a:t>Algorithm</a:t>
-            </a:r>
-          </a:p>
-          <a:p>
-            <a:r>
-              <a:rPr lang="en-US"/>
-              <a:t> A set of rules or steps used to solve a problem</a:t>
-            </a:r>
-          </a:p>
-          <a:p>
-            <a:endParaRPr lang="en-US"/>
-          </a:p>
-          <a:p>
-            <a:pPr marL="0" indent="0">
-              <a:buNone/>
-            </a:pPr>
-            <a:r>
-              <a:rPr lang="en-US"/>
-              <a:t>Data Structure</a:t>
-            </a:r>
-          </a:p>
-          <a:p>
-            <a:r>
-              <a:rPr lang="en-US"/>
-              <a:t> A particular way of organizing data in a computer</a:t>
-            </a:r>
-          </a:p>
-          <a:p>
-            <a:pPr marL="0" indent="0">
-              <a:buNone/>
-            </a:pPr>
-            <a:endParaRPr lang="en-CH"/>
-          </a:p>
-        </p:txBody>
-      </p:sp>
-      <p:sp>
-        <p:nvSpPr>
-          <p:cNvPr id="4" name="TextBox 3">
-            <a:extLst>
-              <a:ext uri="{FF2B5EF4-FFF2-40B4-BE49-F238E27FC236}">
-                <a16:creationId xmlns:a16="http://schemas.microsoft.com/office/drawing/2014/main" id="{650CCA5C-2DFC-F456-E0D6-855974E0A083}"/>
-              </a:ext>
-            </a:extLst>
-          </p:cNvPr>
-          <p:cNvSpPr txBox="1"/>
-          <p:nvPr/>
-        </p:nvSpPr>
-        <p:spPr>
-          <a:xfrm>
-            <a:off x="7162800" y="4866501"/>
-            <a:ext cx="2108200" cy="276999"/>
-          </a:xfrm>
-          <a:prstGeom prst="rect">
-            <a:avLst/>
-          </a:prstGeom>
-          <a:noFill/>
-        </p:spPr>
-        <p:txBody>
-          <a:bodyPr wrap="square" rtlCol="0">
-            <a:spAutoFit/>
-          </a:bodyPr>
-          <a:lstStyle/>
-          <a:p>
-            <a:r>
-              <a:rPr lang="en-CH" sz="1200"/>
-              <a:t>Adapted from </a:t>
-            </a:r>
-            <a:r>
-              <a:rPr lang="en-GB" sz="1200"/>
-              <a:t>www.py4e.com</a:t>
-            </a:r>
-          </a:p>
-        </p:txBody>
-      </p:sp>
-    </p:spTree>
-    <p:extLst>
-      <p:ext uri="{BB962C8B-B14F-4D97-AF65-F5344CB8AC3E}">
-        <p14:creationId xmlns:p14="http://schemas.microsoft.com/office/powerpoint/2010/main" val="2493136331"/>
-      </p:ext>
-    </p:extLst>
-  </p:cSld>
-  <p:clrMapOvr>
-    <a:masterClrMapping/>
-  </p:clrMapOvr>
-</p:sld>
-</file>
-
-<file path=ppt/slides/slide27.xml><?xml version="1.0" encoding="utf-8"?>
-<p:sld xmlns:a="http://schemas.openxmlformats.org/drawingml/2006/main" xmlns:r="http://schemas.openxmlformats.org/officeDocument/2006/relationships" xmlns:p="http://schemas.openxmlformats.org/presentationml/2006/main">
-  <p:cSld>
-    <p:spTree>
-      <p:nvGrpSpPr>
-        <p:cNvPr id="1" name=""/>
-        <p:cNvGrpSpPr/>
-        <p:nvPr/>
-      </p:nvGrpSpPr>
-      <p:grpSpPr>
-        <a:xfrm>
-          <a:off x="0" y="0"/>
-          <a:ext cx="0" cy="0"/>
-          <a:chOff x="0" y="0"/>
-          <a:chExt cx="0" cy="0"/>
-        </a:xfrm>
-      </p:grpSpPr>
-      <p:sp>
-        <p:nvSpPr>
-          <p:cNvPr id="2" name="Title 1">
-            <a:extLst>
-              <a:ext uri="{FF2B5EF4-FFF2-40B4-BE49-F238E27FC236}">
-                <a16:creationId xmlns:a16="http://schemas.microsoft.com/office/drawing/2014/main" id="{C6FB2F90-A265-E540-A062-7CE5B3DC11E8}"/>
-              </a:ext>
-            </a:extLst>
-          </p:cNvPr>
-          <p:cNvSpPr>
-            <a:spLocks noGrp="1"/>
-          </p:cNvSpPr>
-          <p:nvPr>
-            <p:ph type="title"/>
-          </p:nvPr>
-        </p:nvSpPr>
-        <p:spPr/>
-        <p:txBody>
-          <a:bodyPr/>
-          <a:lstStyle/>
-          <a:p>
-            <a:r>
-              <a:rPr lang="en-GB"/>
-              <a:t>A List is a Kind of Collection</a:t>
-            </a:r>
-            <a:endParaRPr lang="en-CH"/>
-          </a:p>
-        </p:txBody>
-      </p:sp>
-      <p:sp>
-        <p:nvSpPr>
-          <p:cNvPr id="3" name="Content Placeholder 2">
-            <a:extLst>
-              <a:ext uri="{FF2B5EF4-FFF2-40B4-BE49-F238E27FC236}">
-                <a16:creationId xmlns:a16="http://schemas.microsoft.com/office/drawing/2014/main" id="{F1A348A2-62B9-1614-366E-40845E4054E0}"/>
-              </a:ext>
-            </a:extLst>
-          </p:cNvPr>
-          <p:cNvSpPr>
-            <a:spLocks noGrp="1"/>
-          </p:cNvSpPr>
-          <p:nvPr>
-            <p:ph idx="1"/>
-          </p:nvPr>
-        </p:nvSpPr>
-        <p:spPr/>
-        <p:txBody>
-          <a:bodyPr/>
-          <a:lstStyle/>
-          <a:p>
-            <a:r>
-              <a:rPr lang="en-GB"/>
-              <a:t>A collection allows us to put many values in a single “variable”</a:t>
-            </a:r>
-          </a:p>
-          <a:p>
-            <a:r>
-              <a:rPr lang="en-GB"/>
-              <a:t>A collection is nice because we can carry all many values around in one convenient package.</a:t>
-            </a:r>
-          </a:p>
-          <a:p>
-            <a:pPr marL="0" indent="0">
-              <a:buNone/>
-            </a:pPr>
-            <a:endParaRPr lang="en-CH"/>
-          </a:p>
-          <a:p>
-            <a:pPr marL="0" indent="0">
-              <a:buNone/>
-            </a:pPr>
-            <a:r>
-              <a:rPr lang="en-GB">
-                <a:latin typeface="Consolas" panose="020B0609020204030204" pitchFamily="49" charset="0"/>
-                <a:cs typeface="Consolas" panose="020B0609020204030204" pitchFamily="49" charset="0"/>
-              </a:rPr>
-              <a:t>friends = [ 'Joseph', 'Glenn', 'Sally' ]</a:t>
-            </a:r>
-          </a:p>
-          <a:p>
-            <a:pPr marL="0" indent="0">
-              <a:buNone/>
-            </a:pPr>
-            <a:endParaRPr lang="en-GB">
-              <a:latin typeface="Consolas" panose="020B0609020204030204" pitchFamily="49" charset="0"/>
-              <a:cs typeface="Consolas" panose="020B0609020204030204" pitchFamily="49" charset="0"/>
-            </a:endParaRPr>
-          </a:p>
-          <a:p>
-            <a:pPr marL="0" indent="0">
-              <a:buNone/>
-            </a:pPr>
-            <a:r>
-              <a:rPr lang="en-GB">
-                <a:latin typeface="Consolas" panose="020B0609020204030204" pitchFamily="49" charset="0"/>
-                <a:cs typeface="Consolas" panose="020B0609020204030204" pitchFamily="49" charset="0"/>
-              </a:rPr>
-              <a:t>carryon = [ 'socks', 'shirt', 'perfume' ]</a:t>
-            </a:r>
-          </a:p>
-          <a:p>
-            <a:pPr marL="0" indent="0">
-              <a:buNone/>
-            </a:pPr>
-            <a:endParaRPr lang="en-CH"/>
-          </a:p>
-        </p:txBody>
-      </p:sp>
-      <p:sp>
-        <p:nvSpPr>
-          <p:cNvPr id="6" name="TextBox 5">
-            <a:extLst>
-              <a:ext uri="{FF2B5EF4-FFF2-40B4-BE49-F238E27FC236}">
-                <a16:creationId xmlns:a16="http://schemas.microsoft.com/office/drawing/2014/main" id="{55D360C3-1C63-2C31-8827-EDA98DD5BA85}"/>
-              </a:ext>
-            </a:extLst>
-          </p:cNvPr>
-          <p:cNvSpPr txBox="1"/>
-          <p:nvPr/>
-        </p:nvSpPr>
-        <p:spPr>
-          <a:xfrm>
-            <a:off x="7162800" y="4866501"/>
-            <a:ext cx="2108200" cy="276999"/>
-          </a:xfrm>
-          <a:prstGeom prst="rect">
-            <a:avLst/>
-          </a:prstGeom>
-          <a:noFill/>
-        </p:spPr>
-        <p:txBody>
-          <a:bodyPr wrap="square" rtlCol="0">
-            <a:spAutoFit/>
-          </a:bodyPr>
-          <a:lstStyle/>
-          <a:p>
-            <a:r>
-              <a:rPr lang="en-CH" sz="1200"/>
-              <a:t>Adapted from </a:t>
-            </a:r>
-            <a:r>
-              <a:rPr lang="en-GB" sz="1200"/>
-              <a:t>www.py4e.com</a:t>
-            </a:r>
-          </a:p>
-        </p:txBody>
-      </p:sp>
-    </p:spTree>
-    <p:extLst>
-      <p:ext uri="{BB962C8B-B14F-4D97-AF65-F5344CB8AC3E}">
-        <p14:creationId xmlns:p14="http://schemas.microsoft.com/office/powerpoint/2010/main" val="2439279006"/>
-      </p:ext>
-    </p:extLst>
-  </p:cSld>
-  <p:clrMapOvr>
-    <a:masterClrMapping/>
-  </p:clrMapOvr>
-</p:sld>
-</file>
-
 <file path=ppt/slides/slide28.xml><?xml version="1.0" encoding="utf-8"?>
 <p:sld xmlns:a="http://schemas.openxmlformats.org/drawingml/2006/main" xmlns:r="http://schemas.openxmlformats.org/officeDocument/2006/relationships" xmlns:p="http://schemas.openxmlformats.org/presentationml/2006/main">
   <p:cSld>
@@ -18851,7 +18967,7 @@
           <p:cNvPr id="2" name="Title 1">
             <a:extLst>
               <a:ext uri="{FF2B5EF4-FFF2-40B4-BE49-F238E27FC236}">
-                <a16:creationId xmlns:a16="http://schemas.microsoft.com/office/drawing/2014/main" id="{7CC1E773-94C8-0790-CBF4-68D75C776839}"/>
+                <a16:creationId xmlns:a16="http://schemas.microsoft.com/office/drawing/2014/main" id="{74902E13-1FDE-7DEF-92E0-AF823ADDF520}"/>
               </a:ext>
             </a:extLst>
           </p:cNvPr>
@@ -18868,148 +18984,8 @@
           <a:lstStyle/>
           <a:p>
             <a:r>
-              <a:rPr lang="en-GB"/>
-              <a:t>What is not a “Collection”?</a:t>
-            </a:r>
-            <a:endParaRPr lang="en-CH"/>
-          </a:p>
-        </p:txBody>
-      </p:sp>
-      <p:sp>
-        <p:nvSpPr>
-          <p:cNvPr id="3" name="Content Placeholder 2">
-            <a:extLst>
-              <a:ext uri="{FF2B5EF4-FFF2-40B4-BE49-F238E27FC236}">
-                <a16:creationId xmlns:a16="http://schemas.microsoft.com/office/drawing/2014/main" id="{98DB3C6C-231D-07DA-0707-9DCC4DD40F69}"/>
-              </a:ext>
-            </a:extLst>
-          </p:cNvPr>
-          <p:cNvSpPr>
-            <a:spLocks noGrp="1"/>
-          </p:cNvSpPr>
-          <p:nvPr>
-            <p:ph idx="1"/>
-          </p:nvPr>
-        </p:nvSpPr>
-        <p:spPr/>
-        <p:txBody>
-          <a:bodyPr/>
-          <a:lstStyle/>
-          <a:p>
-            <a:pPr marL="0" indent="0">
-              <a:buNone/>
-            </a:pPr>
-            <a:r>
-              <a:rPr lang="en-GB"/>
-              <a:t>Most of our variables have one value in them - when we put a new value in the variable, the old value is overwritten</a:t>
-            </a:r>
-          </a:p>
-          <a:p>
-            <a:pPr marL="0" indent="0">
-              <a:buNone/>
-            </a:pPr>
-            <a:endParaRPr lang="en-GB"/>
-          </a:p>
-          <a:p>
-            <a:pPr marL="0" indent="0">
-              <a:buNone/>
-            </a:pPr>
-            <a:r>
-              <a:rPr lang="en-GB">
-                <a:latin typeface="Consolas" panose="020B0609020204030204" pitchFamily="49" charset="0"/>
-                <a:cs typeface="Consolas" panose="020B0609020204030204" pitchFamily="49" charset="0"/>
-              </a:rPr>
-              <a:t>$ python</a:t>
-            </a:r>
-          </a:p>
-          <a:p>
-            <a:pPr marL="0" indent="0">
-              <a:buNone/>
-            </a:pPr>
-            <a:r>
-              <a:rPr lang="en-GB">
-                <a:latin typeface="Consolas" panose="020B0609020204030204" pitchFamily="49" charset="0"/>
-                <a:cs typeface="Consolas" panose="020B0609020204030204" pitchFamily="49" charset="0"/>
-              </a:rPr>
-              <a:t>&gt;&gt;&gt; x = 2</a:t>
-            </a:r>
-          </a:p>
-          <a:p>
-            <a:pPr marL="0" indent="0">
-              <a:buNone/>
-            </a:pPr>
-            <a:r>
-              <a:rPr lang="en-GB">
-                <a:latin typeface="Consolas" panose="020B0609020204030204" pitchFamily="49" charset="0"/>
-                <a:cs typeface="Consolas" panose="020B0609020204030204" pitchFamily="49" charset="0"/>
-              </a:rPr>
-              <a:t>&gt;&gt;&gt; x = 4</a:t>
-            </a:r>
-          </a:p>
-          <a:p>
-            <a:pPr marL="0" indent="0">
-              <a:buNone/>
-            </a:pPr>
-            <a:r>
-              <a:rPr lang="en-GB">
-                <a:latin typeface="Consolas" panose="020B0609020204030204" pitchFamily="49" charset="0"/>
-                <a:cs typeface="Consolas" panose="020B0609020204030204" pitchFamily="49" charset="0"/>
-              </a:rPr>
-              <a:t>&gt;&gt;&gt; print(x)</a:t>
-            </a:r>
-          </a:p>
-          <a:p>
-            <a:pPr marL="0" indent="0">
-              <a:buNone/>
-            </a:pPr>
-            <a:r>
-              <a:rPr lang="en-GB">
-                <a:latin typeface="Consolas" panose="020B0609020204030204" pitchFamily="49" charset="0"/>
-                <a:cs typeface="Consolas" panose="020B0609020204030204" pitchFamily="49" charset="0"/>
-              </a:rPr>
-              <a:t>4</a:t>
-            </a:r>
-          </a:p>
-          <a:p>
-            <a:endParaRPr lang="en-CH"/>
-          </a:p>
-        </p:txBody>
-      </p:sp>
-      <p:sp>
-        <p:nvSpPr>
-          <p:cNvPr id="4" name="TextBox 3">
-            <a:extLst>
-              <a:ext uri="{FF2B5EF4-FFF2-40B4-BE49-F238E27FC236}">
-                <a16:creationId xmlns:a16="http://schemas.microsoft.com/office/drawing/2014/main" id="{EBE59914-ECE3-624C-B86D-DED6243D0821}"/>
-              </a:ext>
-            </a:extLst>
-          </p:cNvPr>
-          <p:cNvSpPr txBox="1"/>
-          <p:nvPr/>
-        </p:nvSpPr>
-        <p:spPr>
-          <a:xfrm>
-            <a:off x="7162800" y="4866501"/>
-            <a:ext cx="2108200" cy="276999"/>
-          </a:xfrm>
-          <a:prstGeom prst="rect">
-            <a:avLst/>
-          </a:prstGeom>
-          <a:noFill/>
-        </p:spPr>
-        <p:txBody>
-          <a:bodyPr wrap="square" rtlCol="0">
-            <a:spAutoFit/>
-          </a:bodyPr>
-          <a:lstStyle/>
-          <a:p>
-            <a:r>
-              <a:rPr lang="en-CH" sz="1200"/>
-              <a:t>Adapted from </a:t>
-            </a:r>
-            <a:r>
-              <a:rPr lang="en-GB" sz="1200"/>
-              <a:t>www.py4e.com</a:t>
+              <a:rPr lang="en-CH"/>
+              <a:t>Python</a:t>
             </a:r>
           </a:p>
         </p:txBody>
@@ -19017,7 +18993,7 @@
     </p:spTree>
     <p:extLst>
       <p:ext uri="{BB962C8B-B14F-4D97-AF65-F5344CB8AC3E}">
-        <p14:creationId xmlns:p14="http://schemas.microsoft.com/office/powerpoint/2010/main" val="1152027779"/>
+        <p14:creationId xmlns:p14="http://schemas.microsoft.com/office/powerpoint/2010/main" val="1752467510"/>
       </p:ext>
     </p:extLst>
   </p:cSld>
@@ -19049,7 +19025,7 @@
           <p:cNvPr id="2" name="Title 1">
             <a:extLst>
               <a:ext uri="{FF2B5EF4-FFF2-40B4-BE49-F238E27FC236}">
-                <a16:creationId xmlns:a16="http://schemas.microsoft.com/office/drawing/2014/main" id="{F4F08439-6E4C-214B-3DF9-B34C20B3C12C}"/>
+                <a16:creationId xmlns:a16="http://schemas.microsoft.com/office/drawing/2014/main" id="{D41471C5-F3C6-2ACF-EC82-873148651CB5}"/>
               </a:ext>
             </a:extLst>
           </p:cNvPr>
@@ -19066,10 +19042,9 @@
           <a:lstStyle/>
           <a:p>
             <a:r>
-              <a:rPr lang="en-GB"/>
-              <a:t>List Constants</a:t>
-            </a:r>
-            <a:endParaRPr lang="en-CH"/>
+              <a:rPr lang="en-CH"/>
+              <a:t>Algorithms and Data Structures</a:t>
+            </a:r>
           </a:p>
         </p:txBody>
       </p:sp>
@@ -19078,7 +19053,7 @@
           <p:cNvPr id="3" name="Content Placeholder 2">
             <a:extLst>
               <a:ext uri="{FF2B5EF4-FFF2-40B4-BE49-F238E27FC236}">
-                <a16:creationId xmlns:a16="http://schemas.microsoft.com/office/drawing/2014/main" id="{C3CE3AD9-AACC-34B7-740A-EC354B25A395}"/>
+                <a16:creationId xmlns:a16="http://schemas.microsoft.com/office/drawing/2014/main" id="{E1810339-21F8-B70A-2721-83FB0E342271}"/>
               </a:ext>
             </a:extLst>
           </p:cNvPr>
@@ -19089,441 +19064,59 @@
             <p:ph idx="1"/>
           </p:nvPr>
         </p:nvSpPr>
-        <p:spPr>
-          <a:xfrm>
-            <a:off x="628650" y="1369219"/>
-            <a:ext cx="4229100" cy="3263504"/>
-          </a:xfrm>
-        </p:spPr>
+        <p:spPr/>
         <p:txBody>
-          <a:bodyPr/>
-          <a:lstStyle/>
-          <a:p>
-            <a:r>
-              <a:rPr lang="en-GB"/>
-              <a:t>List constants are surrounded by square brackets and the elements in the list are separated by commas</a:t>
-            </a:r>
-          </a:p>
-          <a:p>
-            <a:r>
-              <a:rPr lang="en-GB"/>
-              <a:t>A list element can be any Python object - even another list</a:t>
-            </a:r>
-          </a:p>
-          <a:p>
-            <a:r>
-              <a:rPr lang="en-GB"/>
-              <a:t>A list can be empty</a:t>
-            </a:r>
-          </a:p>
-          <a:p>
-            <a:endParaRPr lang="en-CH"/>
-          </a:p>
-        </p:txBody>
-      </p:sp>
-      <p:sp>
-        <p:nvSpPr>
-          <p:cNvPr id="5" name="TextBox 4">
-            <a:extLst>
-              <a:ext uri="{FF2B5EF4-FFF2-40B4-BE49-F238E27FC236}">
-                <a16:creationId xmlns:a16="http://schemas.microsoft.com/office/drawing/2014/main" id="{BBE6BE02-0FAB-AFE4-9321-A75F6355D296}"/>
-              </a:ext>
-            </a:extLst>
-          </p:cNvPr>
-          <p:cNvSpPr txBox="1"/>
-          <p:nvPr/>
-        </p:nvSpPr>
-        <p:spPr>
-          <a:xfrm>
-            <a:off x="5207000" y="1198940"/>
-            <a:ext cx="3771900" cy="3139321"/>
-          </a:xfrm>
-          <a:prstGeom prst="rect">
-            <a:avLst/>
-          </a:prstGeom>
-          <a:noFill/>
-        </p:spPr>
-        <p:txBody>
-          <a:bodyPr wrap="square">
-            <a:spAutoFit/>
+          <a:bodyPr>
+            <a:normAutofit/>
           </a:bodyPr>
           <a:lstStyle/>
           <a:p>
-            <a:pPr marL="0" marR="0" lvl="0" indent="0" algn="l" rtl="0">
-              <a:lnSpc>
-                <a:spcPct val="100000"/>
-              </a:lnSpc>
-              <a:spcBef>
-                <a:spcPts val="0"/>
-              </a:spcBef>
-              <a:spcAft>
-                <a:spcPts val="0"/>
-              </a:spcAft>
-              <a:buClr>
-                <a:schemeClr val="lt1"/>
-              </a:buClr>
-              <a:buSzPct val="25000"/>
-              <a:buFont typeface="Cabin"/>
+            <a:pPr marL="0" indent="0">
               <a:buNone/>
             </a:pPr>
             <a:r>
-              <a:rPr lang="en-US" sz="1800" i="0" u="none" strike="noStrike" cap="none" dirty="0">
-                <a:latin typeface="Consolas" panose="020B0609020204030204" pitchFamily="49" charset="0"/>
-                <a:ea typeface="Courier"/>
-                <a:cs typeface="Consolas" panose="020B0609020204030204" pitchFamily="49" charset="0"/>
-                <a:sym typeface="Courier New"/>
-              </a:rPr>
-              <a:t>&gt;&gt;&gt; print([1, 24, 76])</a:t>
-            </a:r>
-          </a:p>
-          <a:p>
-            <a:pPr marL="0" marR="0" lvl="0" indent="0" algn="l" rtl="0">
-              <a:lnSpc>
-                <a:spcPct val="100000"/>
-              </a:lnSpc>
-              <a:spcBef>
-                <a:spcPts val="0"/>
-              </a:spcBef>
-              <a:spcAft>
-                <a:spcPts val="0"/>
-              </a:spcAft>
-              <a:buClr>
-                <a:schemeClr val="lt1"/>
-              </a:buClr>
-              <a:buSzPct val="25000"/>
-              <a:buFont typeface="Cabin"/>
+              <a:rPr lang="en-US"/>
+              <a:t>Algorithm</a:t>
+            </a:r>
+          </a:p>
+          <a:p>
+            <a:r>
+              <a:rPr lang="en-US"/>
+              <a:t> A set of rules or steps used to solve a problem</a:t>
+            </a:r>
+          </a:p>
+          <a:p>
+            <a:endParaRPr lang="en-US"/>
+          </a:p>
+          <a:p>
+            <a:pPr marL="0" indent="0">
               <a:buNone/>
             </a:pPr>
             <a:r>
-              <a:rPr lang="en-US" sz="1800" i="0" u="none" strike="noStrike" cap="none" dirty="0">
-                <a:latin typeface="Consolas" panose="020B0609020204030204" pitchFamily="49" charset="0"/>
-                <a:ea typeface="Courier"/>
-                <a:cs typeface="Consolas" panose="020B0609020204030204" pitchFamily="49" charset="0"/>
-                <a:sym typeface="Courier New"/>
-              </a:rPr>
-              <a:t>[1, 24, 76]</a:t>
-            </a:r>
-          </a:p>
-          <a:p>
-            <a:pPr>
-              <a:buClr>
-                <a:schemeClr val="lt1"/>
-              </a:buClr>
-              <a:buSzPct val="25000"/>
-            </a:pPr>
-            <a:r>
-              <a:rPr lang="en-US" sz="1800" i="0" u="none" strike="noStrike" cap="none" dirty="0">
-                <a:latin typeface="Consolas" panose="020B0609020204030204" pitchFamily="49" charset="0"/>
-                <a:ea typeface="Courier"/>
-                <a:cs typeface="Consolas" panose="020B0609020204030204" pitchFamily="49" charset="0"/>
-                <a:sym typeface="Courier New"/>
-              </a:rPr>
-              <a:t>&gt;&gt;&gt; print</a:t>
-            </a:r>
-            <a:r>
-              <a:rPr lang="en-US" sz="1800" dirty="0">
-                <a:latin typeface="Consolas" panose="020B0609020204030204" pitchFamily="49" charset="0"/>
-                <a:ea typeface="Courier"/>
-                <a:cs typeface="Consolas" panose="020B0609020204030204" pitchFamily="49" charset="0"/>
-                <a:sym typeface="Courier New"/>
-              </a:rPr>
-              <a:t>(</a:t>
-            </a:r>
-            <a:r>
-              <a:rPr lang="en-US" sz="1800" i="0" u="none" strike="noStrike" cap="none" dirty="0">
-                <a:latin typeface="Consolas" panose="020B0609020204030204" pitchFamily="49" charset="0"/>
-                <a:ea typeface="Courier"/>
-                <a:cs typeface="Consolas" panose="020B0609020204030204" pitchFamily="49" charset="0"/>
-                <a:sym typeface="Courier New"/>
-              </a:rPr>
-              <a:t>['red', 'yellow', 'blue']</a:t>
-            </a:r>
-            <a:r>
-              <a:rPr lang="en-US" sz="1800" dirty="0">
-                <a:latin typeface="Consolas" panose="020B0609020204030204" pitchFamily="49" charset="0"/>
-                <a:ea typeface="Courier"/>
-                <a:cs typeface="Consolas" panose="020B0609020204030204" pitchFamily="49" charset="0"/>
-                <a:sym typeface="Courier New"/>
-              </a:rPr>
-              <a:t>)</a:t>
-            </a:r>
-            <a:endParaRPr lang="en-US" sz="1800" i="0" u="none" strike="noStrike" cap="none" dirty="0">
-              <a:latin typeface="Consolas" panose="020B0609020204030204" pitchFamily="49" charset="0"/>
-              <a:ea typeface="Courier"/>
-              <a:cs typeface="Consolas" panose="020B0609020204030204" pitchFamily="49" charset="0"/>
-              <a:sym typeface="Courier New"/>
-            </a:endParaRPr>
-          </a:p>
-          <a:p>
-            <a:pPr marL="0" marR="0" lvl="0" indent="0" algn="l" rtl="0">
-              <a:lnSpc>
-                <a:spcPct val="100000"/>
-              </a:lnSpc>
-              <a:spcBef>
-                <a:spcPts val="0"/>
-              </a:spcBef>
-              <a:spcAft>
-                <a:spcPts val="0"/>
-              </a:spcAft>
-              <a:buClr>
-                <a:schemeClr val="lt1"/>
-              </a:buClr>
-              <a:buSzPct val="25000"/>
-              <a:buFont typeface="Cabin"/>
+              <a:rPr lang="en-US"/>
+              <a:t>Data Structure</a:t>
+            </a:r>
+          </a:p>
+          <a:p>
+            <a:r>
+              <a:rPr lang="en-US"/>
+              <a:t> A particular way of organizing data in a computer</a:t>
+            </a:r>
+          </a:p>
+          <a:p>
+            <a:pPr marL="0" indent="0">
               <a:buNone/>
             </a:pPr>
-            <a:r>
-              <a:rPr lang="en-US" sz="1800" i="0" u="none" strike="noStrike" cap="none" dirty="0">
-                <a:latin typeface="Consolas" panose="020B0609020204030204" pitchFamily="49" charset="0"/>
-                <a:ea typeface="Courier"/>
-                <a:cs typeface="Consolas" panose="020B0609020204030204" pitchFamily="49" charset="0"/>
-                <a:sym typeface="Courier New"/>
-              </a:rPr>
-              <a:t>['red', 'yellow', 'blue']</a:t>
-            </a:r>
-          </a:p>
-          <a:p>
-            <a:pPr>
-              <a:buClr>
-                <a:schemeClr val="lt1"/>
-              </a:buClr>
-              <a:buSzPct val="25000"/>
-            </a:pPr>
-            <a:r>
-              <a:rPr lang="en-US" sz="1800" i="0" u="none" strike="noStrike" cap="none" dirty="0">
-                <a:latin typeface="Consolas" panose="020B0609020204030204" pitchFamily="49" charset="0"/>
-                <a:ea typeface="Courier"/>
-                <a:cs typeface="Consolas" panose="020B0609020204030204" pitchFamily="49" charset="0"/>
-                <a:sym typeface="Courier New"/>
-              </a:rPr>
-              <a:t>&gt;&gt;&gt; print</a:t>
-            </a:r>
-            <a:r>
-              <a:rPr lang="en-US" sz="1800" dirty="0">
-                <a:latin typeface="Consolas" panose="020B0609020204030204" pitchFamily="49" charset="0"/>
-                <a:ea typeface="Courier"/>
-                <a:cs typeface="Consolas" panose="020B0609020204030204" pitchFamily="49" charset="0"/>
-                <a:sym typeface="Courier New"/>
-              </a:rPr>
-              <a:t>(</a:t>
-            </a:r>
-            <a:r>
-              <a:rPr lang="en-US" sz="1800" i="0" u="none" strike="noStrike" cap="none" dirty="0">
-                <a:latin typeface="Consolas" panose="020B0609020204030204" pitchFamily="49" charset="0"/>
-                <a:ea typeface="Courier"/>
-                <a:cs typeface="Consolas" panose="020B0609020204030204" pitchFamily="49" charset="0"/>
-                <a:sym typeface="Courier New"/>
-              </a:rPr>
-              <a:t>['red', 24, 98.6]</a:t>
-            </a:r>
-            <a:r>
-              <a:rPr lang="en-US" sz="1800" dirty="0">
-                <a:latin typeface="Consolas" panose="020B0609020204030204" pitchFamily="49" charset="0"/>
-                <a:ea typeface="Courier"/>
-                <a:cs typeface="Consolas" panose="020B0609020204030204" pitchFamily="49" charset="0"/>
-                <a:sym typeface="Courier New"/>
-              </a:rPr>
-              <a:t>)</a:t>
-            </a:r>
-            <a:endParaRPr lang="en-US" sz="1800" i="0" u="none" strike="noStrike" cap="none" dirty="0">
-              <a:latin typeface="Consolas" panose="020B0609020204030204" pitchFamily="49" charset="0"/>
-              <a:ea typeface="Courier"/>
-              <a:cs typeface="Consolas" panose="020B0609020204030204" pitchFamily="49" charset="0"/>
-              <a:sym typeface="Courier New"/>
-            </a:endParaRPr>
-          </a:p>
-          <a:p>
-            <a:pPr marL="0" marR="0" lvl="0" indent="0" algn="l" rtl="0">
-              <a:lnSpc>
-                <a:spcPct val="100000"/>
-              </a:lnSpc>
-              <a:spcBef>
-                <a:spcPts val="0"/>
-              </a:spcBef>
-              <a:spcAft>
-                <a:spcPts val="0"/>
-              </a:spcAft>
-              <a:buClr>
-                <a:schemeClr val="lt1"/>
-              </a:buClr>
-              <a:buSzPct val="25000"/>
-              <a:buFont typeface="Cabin"/>
-              <a:buNone/>
-            </a:pPr>
-            <a:r>
-              <a:rPr lang="en-US" sz="1800" i="0" u="none" strike="noStrike" cap="none" dirty="0">
-                <a:latin typeface="Consolas" panose="020B0609020204030204" pitchFamily="49" charset="0"/>
-                <a:ea typeface="Courier"/>
-                <a:cs typeface="Consolas" panose="020B0609020204030204" pitchFamily="49" charset="0"/>
-                <a:sym typeface="Courier New"/>
-              </a:rPr>
-              <a:t>['red', 24, 98.6]</a:t>
-            </a:r>
-          </a:p>
-          <a:p>
-            <a:pPr>
-              <a:buClr>
-                <a:schemeClr val="lt1"/>
-              </a:buClr>
-              <a:buSzPct val="25000"/>
-            </a:pPr>
-            <a:r>
-              <a:rPr lang="en-US" sz="1800" i="0" u="none" strike="noStrike" cap="none" dirty="0">
-                <a:latin typeface="Consolas" panose="020B0609020204030204" pitchFamily="49" charset="0"/>
-                <a:ea typeface="Courier"/>
-                <a:cs typeface="Consolas" panose="020B0609020204030204" pitchFamily="49" charset="0"/>
-                <a:sym typeface="Courier New"/>
-              </a:rPr>
-              <a:t>&gt;&gt;&gt; print</a:t>
-            </a:r>
-            <a:r>
-              <a:rPr lang="en-US" sz="1800" dirty="0">
-                <a:latin typeface="Consolas" panose="020B0609020204030204" pitchFamily="49" charset="0"/>
-                <a:ea typeface="Courier"/>
-                <a:cs typeface="Consolas" panose="020B0609020204030204" pitchFamily="49" charset="0"/>
-                <a:sym typeface="Courier New"/>
-              </a:rPr>
-              <a:t>(</a:t>
-            </a:r>
-            <a:r>
-              <a:rPr lang="en-US" sz="1800" i="0" u="none" strike="noStrike" cap="none" dirty="0">
-                <a:latin typeface="Consolas" panose="020B0609020204030204" pitchFamily="49" charset="0"/>
-                <a:ea typeface="Courier"/>
-                <a:cs typeface="Consolas" panose="020B0609020204030204" pitchFamily="49" charset="0"/>
-                <a:sym typeface="Courier New"/>
-              </a:rPr>
-              <a:t>[ 1, [5, 6], 7]</a:t>
-            </a:r>
-            <a:r>
-              <a:rPr lang="en-US" sz="1800" dirty="0">
-                <a:latin typeface="Consolas" panose="020B0609020204030204" pitchFamily="49" charset="0"/>
-                <a:ea typeface="Courier"/>
-                <a:cs typeface="Consolas" panose="020B0609020204030204" pitchFamily="49" charset="0"/>
-                <a:sym typeface="Courier New"/>
-              </a:rPr>
-              <a:t>)</a:t>
-            </a:r>
-            <a:endParaRPr lang="en-US" sz="1800" i="0" u="none" strike="noStrike" cap="none" dirty="0">
-              <a:latin typeface="Consolas" panose="020B0609020204030204" pitchFamily="49" charset="0"/>
-              <a:ea typeface="Courier"/>
-              <a:cs typeface="Consolas" panose="020B0609020204030204" pitchFamily="49" charset="0"/>
-              <a:sym typeface="Courier New"/>
-            </a:endParaRPr>
-          </a:p>
-          <a:p>
-            <a:pPr marL="0" marR="0" lvl="0" indent="0" algn="l" rtl="0">
-              <a:lnSpc>
-                <a:spcPct val="100000"/>
-              </a:lnSpc>
-              <a:spcBef>
-                <a:spcPts val="0"/>
-              </a:spcBef>
-              <a:spcAft>
-                <a:spcPts val="0"/>
-              </a:spcAft>
-              <a:buClr>
-                <a:schemeClr val="lt1"/>
-              </a:buClr>
-              <a:buSzPct val="25000"/>
-              <a:buFont typeface="Cabin"/>
-              <a:buNone/>
-            </a:pPr>
-            <a:r>
-              <a:rPr lang="en-US" sz="1800" i="0" u="none" strike="noStrike" cap="none" dirty="0">
-                <a:latin typeface="Consolas" panose="020B0609020204030204" pitchFamily="49" charset="0"/>
-                <a:ea typeface="Courier"/>
-                <a:cs typeface="Consolas" panose="020B0609020204030204" pitchFamily="49" charset="0"/>
-                <a:sym typeface="Courier New"/>
-              </a:rPr>
-              <a:t>[1, [5, 6], 7]</a:t>
-            </a:r>
-          </a:p>
-          <a:p>
-            <a:pPr>
-              <a:buClr>
-                <a:schemeClr val="lt1"/>
-              </a:buClr>
-              <a:buSzPct val="25000"/>
-            </a:pPr>
-            <a:r>
-              <a:rPr lang="en-US" sz="1800" i="0" u="none" strike="noStrike" cap="none" dirty="0">
-                <a:latin typeface="Consolas" panose="020B0609020204030204" pitchFamily="49" charset="0"/>
-                <a:ea typeface="Courier"/>
-                <a:cs typeface="Consolas" panose="020B0609020204030204" pitchFamily="49" charset="0"/>
-                <a:sym typeface="Courier New"/>
-              </a:rPr>
-              <a:t>&gt;&gt;&gt; print</a:t>
-            </a:r>
-            <a:r>
-              <a:rPr lang="en-US" sz="1800" dirty="0">
-                <a:latin typeface="Consolas" panose="020B0609020204030204" pitchFamily="49" charset="0"/>
-                <a:ea typeface="Courier"/>
-                <a:cs typeface="Consolas" panose="020B0609020204030204" pitchFamily="49" charset="0"/>
-                <a:sym typeface="Courier New"/>
-              </a:rPr>
-              <a:t>(</a:t>
-            </a:r>
-            <a:r>
-              <a:rPr lang="en-US" sz="1800" i="0" u="none" strike="noStrike" cap="none" dirty="0">
-                <a:latin typeface="Consolas" panose="020B0609020204030204" pitchFamily="49" charset="0"/>
-                <a:ea typeface="Courier"/>
-                <a:cs typeface="Consolas" panose="020B0609020204030204" pitchFamily="49" charset="0"/>
-                <a:sym typeface="Courier New"/>
-              </a:rPr>
-              <a:t>[]</a:t>
-            </a:r>
-            <a:r>
-              <a:rPr lang="en-US" sz="1800" dirty="0">
-                <a:latin typeface="Consolas" panose="020B0609020204030204" pitchFamily="49" charset="0"/>
-                <a:ea typeface="Courier"/>
-                <a:cs typeface="Consolas" panose="020B0609020204030204" pitchFamily="49" charset="0"/>
-                <a:sym typeface="Courier New"/>
-              </a:rPr>
-              <a:t>)</a:t>
-            </a:r>
-            <a:endParaRPr lang="en-US" sz="1800" i="0" u="none" strike="noStrike" cap="none" dirty="0">
-              <a:latin typeface="Consolas" panose="020B0609020204030204" pitchFamily="49" charset="0"/>
-              <a:ea typeface="Courier"/>
-              <a:cs typeface="Consolas" panose="020B0609020204030204" pitchFamily="49" charset="0"/>
-              <a:sym typeface="Courier New"/>
-            </a:endParaRPr>
-          </a:p>
-          <a:p>
-            <a:pPr marL="0" marR="0" lvl="0" indent="0" algn="l" rtl="0">
-              <a:lnSpc>
-                <a:spcPct val="100000"/>
-              </a:lnSpc>
-              <a:spcBef>
-                <a:spcPts val="0"/>
-              </a:spcBef>
-              <a:spcAft>
-                <a:spcPts val="0"/>
-              </a:spcAft>
-              <a:buClr>
-                <a:schemeClr val="lt1"/>
-              </a:buClr>
-              <a:buSzPct val="25000"/>
-              <a:buFont typeface="Cabin"/>
-              <a:buNone/>
-            </a:pPr>
-            <a:r>
-              <a:rPr lang="en-US" sz="1800" i="0" u="none" strike="noStrike" cap="none" dirty="0">
-                <a:latin typeface="Consolas" panose="020B0609020204030204" pitchFamily="49" charset="0"/>
-                <a:ea typeface="Courier"/>
-                <a:cs typeface="Consolas" panose="020B0609020204030204" pitchFamily="49" charset="0"/>
-                <a:sym typeface="Courier New"/>
-              </a:rPr>
-              <a:t>[]</a:t>
-            </a:r>
+            <a:endParaRPr lang="en-CH"/>
           </a:p>
         </p:txBody>
       </p:sp>
       <p:sp>
         <p:nvSpPr>
-          <p:cNvPr id="6" name="TextBox 5">
-            <a:extLst>
-              <a:ext uri="{FF2B5EF4-FFF2-40B4-BE49-F238E27FC236}">
-                <a16:creationId xmlns:a16="http://schemas.microsoft.com/office/drawing/2014/main" id="{22E50FE4-1FA7-24BB-511F-8DA93F6E029D}"/>
+          <p:cNvPr id="4" name="TextBox 3">
+            <a:extLst>
+              <a:ext uri="{FF2B5EF4-FFF2-40B4-BE49-F238E27FC236}">
+                <a16:creationId xmlns:a16="http://schemas.microsoft.com/office/drawing/2014/main" id="{650CCA5C-2DFC-F456-E0D6-855974E0A083}"/>
               </a:ext>
             </a:extLst>
           </p:cNvPr>
@@ -19560,7 +19153,7 @@
     </p:spTree>
     <p:extLst>
       <p:ext uri="{BB962C8B-B14F-4D97-AF65-F5344CB8AC3E}">
-        <p14:creationId xmlns:p14="http://schemas.microsoft.com/office/powerpoint/2010/main" val="2750883330"/>
+        <p14:creationId xmlns:p14="http://schemas.microsoft.com/office/powerpoint/2010/main" val="2493136331"/>
       </p:ext>
     </p:extLst>
   </p:cSld>
@@ -19936,7 +19529,7 @@
           <p:cNvPr id="2" name="Title 1">
             <a:extLst>
               <a:ext uri="{FF2B5EF4-FFF2-40B4-BE49-F238E27FC236}">
-                <a16:creationId xmlns:a16="http://schemas.microsoft.com/office/drawing/2014/main" id="{E0FAE9D5-8D95-15A8-C750-ACA27E3ADBB5}"/>
+                <a16:creationId xmlns:a16="http://schemas.microsoft.com/office/drawing/2014/main" id="{C6FB2F90-A265-E540-A062-7CE5B3DC11E8}"/>
               </a:ext>
             </a:extLst>
           </p:cNvPr>
@@ -19954,7 +19547,7 @@
           <a:p>
             <a:r>
               <a:rPr lang="en-GB"/>
-              <a:t>Looking Inside Lists</a:t>
+              <a:t>A List is a Kind of Collection</a:t>
             </a:r>
             <a:endParaRPr lang="en-CH"/>
           </a:p>
@@ -19965,7 +19558,7 @@
           <p:cNvPr id="3" name="Content Placeholder 2">
             <a:extLst>
               <a:ext uri="{FF2B5EF4-FFF2-40B4-BE49-F238E27FC236}">
-                <a16:creationId xmlns:a16="http://schemas.microsoft.com/office/drawing/2014/main" id="{630D7DA5-0438-DECF-EB92-A2000B9D80EB}"/>
+                <a16:creationId xmlns:a16="http://schemas.microsoft.com/office/drawing/2014/main" id="{F1A348A2-62B9-1614-366E-40845E4054E0}"/>
               </a:ext>
             </a:extLst>
           </p:cNvPr>
@@ -19976,392 +19569,75 @@
             <p:ph idx="1"/>
           </p:nvPr>
         </p:nvSpPr>
-        <p:spPr>
-          <a:xfrm>
-            <a:off x="628650" y="1369219"/>
-            <a:ext cx="7886700" cy="1894681"/>
-          </a:xfrm>
-        </p:spPr>
+        <p:spPr/>
         <p:txBody>
           <a:bodyPr/>
           <a:lstStyle/>
           <a:p>
+            <a:r>
+              <a:rPr lang="en-GB" dirty="0"/>
+              <a:t>A collection allows us to put many values in a single “variable”</a:t>
+            </a:r>
+          </a:p>
+          <a:p>
+            <a:r>
+              <a:rPr lang="en-GB" dirty="0"/>
+              <a:t>A collection is nice because we can carry all many values around in one convenient package.</a:t>
+            </a:r>
+          </a:p>
+          <a:p>
             <a:pPr marL="0" indent="0">
               <a:buNone/>
             </a:pPr>
-            <a:r>
-              <a:rPr lang="en-GB"/>
-              <a:t>Just like strings, we can get at any single element in a list using an index specified in square brackets</a:t>
-            </a:r>
-          </a:p>
-          <a:p>
-            <a:pPr marL="0" lvl="0" indent="0">
+            <a:endParaRPr lang="en-CH" dirty="0"/>
+          </a:p>
+          <a:p>
+            <a:pPr marL="0" indent="0">
               <a:buNone/>
             </a:pPr>
             <a:r>
-              <a:rPr lang="en-GB" sz="1800">
+              <a:rPr lang="en-GB">
                 <a:latin typeface="Consolas" panose="020B0609020204030204" pitchFamily="49" charset="0"/>
                 <a:cs typeface="Consolas" panose="020B0609020204030204" pitchFamily="49" charset="0"/>
               </a:rPr>
-              <a:t>&gt;&gt;&gt; friends = [ 'Joseph', 'Glenn', 'Sally' ]</a:t>
-            </a:r>
-          </a:p>
-          <a:p>
-            <a:pPr marL="0" lvl="0" indent="0">
+              <a:t>friends = [ 'Joseph', 'Glenn', 'Sally' ]</a:t>
+            </a:r>
+          </a:p>
+          <a:p>
+            <a:pPr marL="0" indent="0">
               <a:buNone/>
             </a:pPr>
-            <a:r>
-              <a:rPr lang="en-GB" sz="1800">
+            <a:endParaRPr lang="en-GB">
+              <a:latin typeface="Consolas" panose="020B0609020204030204" pitchFamily="49" charset="0"/>
+              <a:cs typeface="Consolas" panose="020B0609020204030204" pitchFamily="49" charset="0"/>
+            </a:endParaRPr>
+          </a:p>
+          <a:p>
+            <a:pPr marL="0" indent="0">
+              <a:buNone/>
+            </a:pPr>
+            <a:r>
+              <a:rPr lang="en-GB">
                 <a:latin typeface="Consolas" panose="020B0609020204030204" pitchFamily="49" charset="0"/>
                 <a:cs typeface="Consolas" panose="020B0609020204030204" pitchFamily="49" charset="0"/>
               </a:rPr>
-              <a:t>&gt;&gt;&gt; print(friends[1])</a:t>
-            </a:r>
-          </a:p>
-          <a:p>
-            <a:pPr marL="0" lvl="0" indent="0">
+              <a:t>carryon = [ 'socks', 'shirt', 'perfume' ]</a:t>
+            </a:r>
+          </a:p>
+          <a:p>
+            <a:pPr marL="0" indent="0">
               <a:buNone/>
             </a:pPr>
-            <a:r>
-              <a:rPr lang="en-GB" sz="1800">
-                <a:latin typeface="Consolas" panose="020B0609020204030204" pitchFamily="49" charset="0"/>
-                <a:cs typeface="Consolas" panose="020B0609020204030204" pitchFamily="49" charset="0"/>
-              </a:rPr>
-              <a:t>Glenn</a:t>
-            </a:r>
+            <a:endParaRPr lang="en-CH" dirty="0"/>
           </a:p>
         </p:txBody>
       </p:sp>
       <p:sp>
         <p:nvSpPr>
-          <p:cNvPr id="10" name="Shape 216">
-            <a:extLst>
-              <a:ext uri="{FF2B5EF4-FFF2-40B4-BE49-F238E27FC236}">
-                <a16:creationId xmlns:a16="http://schemas.microsoft.com/office/drawing/2014/main" id="{BD8E032E-D043-FDA2-B66E-8DEEFDFA8EB0}"/>
-              </a:ext>
-            </a:extLst>
-          </p:cNvPr>
-          <p:cNvSpPr txBox="1"/>
-          <p:nvPr/>
-        </p:nvSpPr>
-        <p:spPr>
-          <a:xfrm>
-            <a:off x="2470150" y="3848101"/>
-            <a:ext cx="736599" cy="736599"/>
-          </a:xfrm>
-          <a:prstGeom prst="rect">
-            <a:avLst/>
-          </a:prstGeom>
-          <a:noFill/>
-          <a:ln>
-            <a:noFill/>
-          </a:ln>
-        </p:spPr>
-        <p:txBody>
-          <a:bodyPr lIns="0" tIns="0" rIns="0" bIns="0" anchor="ctr" anchorCtr="0">
-            <a:noAutofit/>
-          </a:bodyPr>
-          <a:lstStyle/>
-          <a:p>
-            <a:pPr algn="ctr">
-              <a:buClr>
-                <a:srgbClr val="FFFFFF"/>
-              </a:buClr>
-              <a:buSzPct val="25000"/>
-              <a:buFont typeface="Cabin"/>
-              <a:buNone/>
-            </a:pPr>
-            <a:r>
-              <a:rPr lang="en-US" sz="4000" kern="0">
-                <a:latin typeface="Arial" charset="0"/>
-                <a:ea typeface="Arial" charset="0"/>
-                <a:cs typeface="Arial" charset="0"/>
-                <a:sym typeface="Cabin"/>
-              </a:rPr>
-              <a:t>0</a:t>
-            </a:r>
-          </a:p>
-        </p:txBody>
-      </p:sp>
-      <p:sp>
-        <p:nvSpPr>
-          <p:cNvPr id="11" name="Shape 217">
-            <a:extLst>
-              <a:ext uri="{FF2B5EF4-FFF2-40B4-BE49-F238E27FC236}">
-                <a16:creationId xmlns:a16="http://schemas.microsoft.com/office/drawing/2014/main" id="{980A9EB5-A172-192D-75EE-4662F4534906}"/>
-              </a:ext>
-            </a:extLst>
-          </p:cNvPr>
-          <p:cNvSpPr txBox="1"/>
-          <p:nvPr/>
-        </p:nvSpPr>
-        <p:spPr>
-          <a:xfrm>
-            <a:off x="1898650" y="3124201"/>
-            <a:ext cx="1879599" cy="736599"/>
-          </a:xfrm>
-          <a:prstGeom prst="rect">
-            <a:avLst/>
-          </a:prstGeom>
-          <a:noFill/>
-          <a:ln w="50800" cap="rnd" cmpd="sng">
-            <a:solidFill>
-              <a:srgbClr val="FF7F00"/>
-            </a:solidFill>
-            <a:prstDash val="solid"/>
-            <a:miter/>
-            <a:headEnd type="none" w="med" len="med"/>
-            <a:tailEnd type="none" w="med" len="med"/>
-          </a:ln>
-        </p:spPr>
-        <p:txBody>
-          <a:bodyPr lIns="0" tIns="0" rIns="0" bIns="0" anchor="ctr" anchorCtr="0">
-            <a:noAutofit/>
-          </a:bodyPr>
-          <a:lstStyle/>
-          <a:p>
-            <a:pPr algn="ctr">
-              <a:buClr>
-                <a:srgbClr val="FFFFFF"/>
-              </a:buClr>
-              <a:buSzPct val="25000"/>
-              <a:buFont typeface="Cabin"/>
-              <a:buNone/>
-            </a:pPr>
-            <a:r>
-              <a:rPr lang="en-US" sz="4000" kern="0">
-                <a:latin typeface="Arial" charset="0"/>
-                <a:ea typeface="Arial" charset="0"/>
-                <a:cs typeface="Arial" charset="0"/>
-                <a:sym typeface="Cabin"/>
-              </a:rPr>
-              <a:t>Joseph</a:t>
-            </a:r>
-          </a:p>
-        </p:txBody>
-      </p:sp>
-      <p:sp>
-        <p:nvSpPr>
-          <p:cNvPr id="12" name="Shape 219">
-            <a:extLst>
-              <a:ext uri="{FF2B5EF4-FFF2-40B4-BE49-F238E27FC236}">
-                <a16:creationId xmlns:a16="http://schemas.microsoft.com/office/drawing/2014/main" id="{8741831B-FB43-BF4A-36C6-1A911B4A7E98}"/>
-              </a:ext>
-            </a:extLst>
-          </p:cNvPr>
-          <p:cNvSpPr txBox="1"/>
-          <p:nvPr/>
-        </p:nvSpPr>
-        <p:spPr>
-          <a:xfrm>
-            <a:off x="4349750" y="3848101"/>
-            <a:ext cx="736599" cy="736599"/>
-          </a:xfrm>
-          <a:prstGeom prst="rect">
-            <a:avLst/>
-          </a:prstGeom>
-          <a:noFill/>
-          <a:ln>
-            <a:noFill/>
-          </a:ln>
-        </p:spPr>
-        <p:txBody>
-          <a:bodyPr lIns="0" tIns="0" rIns="0" bIns="0" anchor="ctr" anchorCtr="0">
-            <a:noAutofit/>
-          </a:bodyPr>
-          <a:lstStyle/>
-          <a:p>
-            <a:pPr algn="ctr">
-              <a:buClr>
-                <a:srgbClr val="FFFFFF"/>
-              </a:buClr>
-              <a:buSzPct val="25000"/>
-              <a:buFont typeface="Cabin"/>
-              <a:buNone/>
-            </a:pPr>
-            <a:r>
-              <a:rPr lang="en-US" sz="4000" kern="0">
-                <a:latin typeface="Arial" charset="0"/>
-                <a:ea typeface="Arial" charset="0"/>
-                <a:cs typeface="Arial" charset="0"/>
-                <a:sym typeface="Cabin"/>
-              </a:rPr>
-              <a:t>1</a:t>
-            </a:r>
-          </a:p>
-        </p:txBody>
-      </p:sp>
-      <p:sp>
-        <p:nvSpPr>
-          <p:cNvPr id="13" name="Shape 220">
-            <a:extLst>
-              <a:ext uri="{FF2B5EF4-FFF2-40B4-BE49-F238E27FC236}">
-                <a16:creationId xmlns:a16="http://schemas.microsoft.com/office/drawing/2014/main" id="{B26129BF-CCCB-E451-433D-3A716A081B4B}"/>
-              </a:ext>
-            </a:extLst>
-          </p:cNvPr>
-          <p:cNvSpPr txBox="1"/>
-          <p:nvPr/>
-        </p:nvSpPr>
-        <p:spPr>
-          <a:xfrm>
-            <a:off x="3778250" y="3124201"/>
-            <a:ext cx="1879599" cy="736599"/>
-          </a:xfrm>
-          <a:prstGeom prst="rect">
-            <a:avLst/>
-          </a:prstGeom>
-          <a:noFill/>
-          <a:ln w="50800" cap="rnd" cmpd="sng">
-            <a:solidFill>
-              <a:srgbClr val="FF7F00"/>
-            </a:solidFill>
-            <a:prstDash val="solid"/>
-            <a:miter/>
-            <a:headEnd type="none" w="med" len="med"/>
-            <a:tailEnd type="none" w="med" len="med"/>
-          </a:ln>
-        </p:spPr>
-        <p:txBody>
-          <a:bodyPr lIns="0" tIns="0" rIns="0" bIns="0" anchor="ctr" anchorCtr="0">
-            <a:noAutofit/>
-          </a:bodyPr>
-          <a:lstStyle/>
-          <a:p>
-            <a:pPr algn="ctr">
-              <a:buClr>
-                <a:srgbClr val="FFFFFF"/>
-              </a:buClr>
-              <a:buSzPct val="25000"/>
-              <a:buFont typeface="Cabin"/>
-              <a:buNone/>
-            </a:pPr>
-            <a:r>
-              <a:rPr lang="en-US" sz="4000" kern="0">
-                <a:latin typeface="Arial" charset="0"/>
-                <a:ea typeface="Arial" charset="0"/>
-                <a:cs typeface="Arial" charset="0"/>
-                <a:sym typeface="Cabin"/>
-              </a:rPr>
-              <a:t>Glenn</a:t>
-            </a:r>
-          </a:p>
-        </p:txBody>
-      </p:sp>
-      <p:sp>
-        <p:nvSpPr>
-          <p:cNvPr id="14" name="Shape 221">
-            <a:extLst>
-              <a:ext uri="{FF2B5EF4-FFF2-40B4-BE49-F238E27FC236}">
-                <a16:creationId xmlns:a16="http://schemas.microsoft.com/office/drawing/2014/main" id="{F9581F0B-399F-AC09-15E8-01A4C9D34BA1}"/>
-              </a:ext>
-            </a:extLst>
-          </p:cNvPr>
-          <p:cNvSpPr txBox="1"/>
-          <p:nvPr/>
-        </p:nvSpPr>
-        <p:spPr>
-          <a:xfrm>
-            <a:off x="6229350" y="3848101"/>
-            <a:ext cx="736599" cy="736599"/>
-          </a:xfrm>
-          <a:prstGeom prst="rect">
-            <a:avLst/>
-          </a:prstGeom>
-          <a:noFill/>
-          <a:ln>
-            <a:noFill/>
-          </a:ln>
-        </p:spPr>
-        <p:txBody>
-          <a:bodyPr lIns="0" tIns="0" rIns="0" bIns="0" anchor="ctr" anchorCtr="0">
-            <a:noAutofit/>
-          </a:bodyPr>
-          <a:lstStyle/>
-          <a:p>
-            <a:pPr algn="ctr">
-              <a:buClr>
-                <a:srgbClr val="FFFFFF"/>
-              </a:buClr>
-              <a:buSzPct val="25000"/>
-              <a:buFont typeface="Cabin"/>
-              <a:buNone/>
-            </a:pPr>
-            <a:r>
-              <a:rPr lang="en-US" sz="4000" kern="0">
-                <a:latin typeface="Arial" charset="0"/>
-                <a:ea typeface="Arial" charset="0"/>
-                <a:cs typeface="Arial" charset="0"/>
-                <a:sym typeface="Cabin"/>
-              </a:rPr>
-              <a:t>2</a:t>
-            </a:r>
-          </a:p>
-        </p:txBody>
-      </p:sp>
-      <p:sp>
-        <p:nvSpPr>
-          <p:cNvPr id="15" name="Shape 222">
-            <a:extLst>
-              <a:ext uri="{FF2B5EF4-FFF2-40B4-BE49-F238E27FC236}">
-                <a16:creationId xmlns:a16="http://schemas.microsoft.com/office/drawing/2014/main" id="{C178C529-0429-316F-A68B-02A19A8432E8}"/>
-              </a:ext>
-            </a:extLst>
-          </p:cNvPr>
-          <p:cNvSpPr txBox="1"/>
-          <p:nvPr/>
-        </p:nvSpPr>
-        <p:spPr>
-          <a:xfrm>
-            <a:off x="5657850" y="3124201"/>
-            <a:ext cx="1879599" cy="736599"/>
-          </a:xfrm>
-          <a:prstGeom prst="rect">
-            <a:avLst/>
-          </a:prstGeom>
-          <a:noFill/>
-          <a:ln w="50800" cap="rnd" cmpd="sng">
-            <a:solidFill>
-              <a:srgbClr val="FF7F00"/>
-            </a:solidFill>
-            <a:prstDash val="solid"/>
-            <a:miter/>
-            <a:headEnd type="none" w="med" len="med"/>
-            <a:tailEnd type="none" w="med" len="med"/>
-          </a:ln>
-        </p:spPr>
-        <p:txBody>
-          <a:bodyPr lIns="0" tIns="0" rIns="0" bIns="0" anchor="ctr" anchorCtr="0">
-            <a:noAutofit/>
-          </a:bodyPr>
-          <a:lstStyle/>
-          <a:p>
-            <a:pPr algn="ctr">
-              <a:buClr>
-                <a:srgbClr val="FFFFFF"/>
-              </a:buClr>
-              <a:buSzPct val="25000"/>
-              <a:buFont typeface="Cabin"/>
-              <a:buNone/>
-            </a:pPr>
-            <a:r>
-              <a:rPr lang="en-US" sz="4000" kern="0">
-                <a:latin typeface="Arial" charset="0"/>
-                <a:ea typeface="Arial" charset="0"/>
-                <a:cs typeface="Arial" charset="0"/>
-                <a:sym typeface="Cabin"/>
-              </a:rPr>
-              <a:t>Sally</a:t>
-            </a:r>
-          </a:p>
-        </p:txBody>
-      </p:sp>
-      <p:sp>
-        <p:nvSpPr>
-          <p:cNvPr id="16" name="TextBox 15">
-            <a:extLst>
-              <a:ext uri="{FF2B5EF4-FFF2-40B4-BE49-F238E27FC236}">
-                <a16:creationId xmlns:a16="http://schemas.microsoft.com/office/drawing/2014/main" id="{CDCE6389-40A8-4710-F825-5D71CF18A116}"/>
+          <p:cNvPr id="6" name="TextBox 5">
+            <a:extLst>
+              <a:ext uri="{FF2B5EF4-FFF2-40B4-BE49-F238E27FC236}">
+                <a16:creationId xmlns:a16="http://schemas.microsoft.com/office/drawing/2014/main" id="{55D360C3-1C63-2C31-8827-EDA98DD5BA85}"/>
               </a:ext>
             </a:extLst>
           </p:cNvPr>
@@ -20398,7 +19674,7 @@
     </p:spTree>
     <p:extLst>
       <p:ext uri="{BB962C8B-B14F-4D97-AF65-F5344CB8AC3E}">
-        <p14:creationId xmlns:p14="http://schemas.microsoft.com/office/powerpoint/2010/main" val="3315954267"/>
+        <p14:creationId xmlns:p14="http://schemas.microsoft.com/office/powerpoint/2010/main" val="2439279006"/>
       </p:ext>
     </p:extLst>
   </p:cSld>
@@ -20430,7 +19706,7 @@
           <p:cNvPr id="2" name="Title 1">
             <a:extLst>
               <a:ext uri="{FF2B5EF4-FFF2-40B4-BE49-F238E27FC236}">
-                <a16:creationId xmlns:a16="http://schemas.microsoft.com/office/drawing/2014/main" id="{DD4DDA11-7CC8-4E9D-488E-BC11CF031738}"/>
+                <a16:creationId xmlns:a16="http://schemas.microsoft.com/office/drawing/2014/main" id="{7CC1E773-94C8-0790-CBF4-68D75C776839}"/>
               </a:ext>
             </a:extLst>
           </p:cNvPr>
@@ -20447,9 +19723,10 @@
           <a:lstStyle/>
           <a:p>
             <a:r>
-              <a:rPr lang="en-CH"/>
-              <a:t>Lists can be sliced</a:t>
-            </a:r>
+              <a:rPr lang="en-GB"/>
+              <a:t>What is not a “Collection”?</a:t>
+            </a:r>
+            <a:endParaRPr lang="en-CH"/>
           </a:p>
         </p:txBody>
       </p:sp>
@@ -20458,7 +19735,7 @@
           <p:cNvPr id="3" name="Content Placeholder 2">
             <a:extLst>
               <a:ext uri="{FF2B5EF4-FFF2-40B4-BE49-F238E27FC236}">
-                <a16:creationId xmlns:a16="http://schemas.microsoft.com/office/drawing/2014/main" id="{259E2623-2A8A-17DB-F8CF-1B87336E29AA}"/>
+                <a16:creationId xmlns:a16="http://schemas.microsoft.com/office/drawing/2014/main" id="{98DB3C6C-231D-07DA-0707-9DCC4DD40F69}"/>
               </a:ext>
             </a:extLst>
           </p:cNvPr>
@@ -20471,20 +19748,33 @@
         </p:nvSpPr>
         <p:spPr/>
         <p:txBody>
-          <a:bodyPr>
-            <a:normAutofit lnSpcReduction="10000"/>
-          </a:bodyPr>
+          <a:bodyPr/>
           <a:lstStyle/>
           <a:p>
             <a:pPr marL="0" indent="0">
               <a:buNone/>
             </a:pPr>
             <a:r>
+              <a:rPr lang="en-GB" dirty="0"/>
+              <a:t>Most of our variables have one value in them - when we put a new value in the variable, the old value is overwritten</a:t>
+            </a:r>
+          </a:p>
+          <a:p>
+            <a:pPr marL="0" indent="0">
+              <a:buNone/>
+            </a:pPr>
+            <a:endParaRPr lang="en-GB" dirty="0"/>
+          </a:p>
+          <a:p>
+            <a:pPr marL="0" indent="0">
+              <a:buNone/>
+            </a:pPr>
+            <a:r>
               <a:rPr lang="en-GB">
                 <a:latin typeface="Consolas" panose="020B0609020204030204" pitchFamily="49" charset="0"/>
                 <a:cs typeface="Consolas" panose="020B0609020204030204" pitchFamily="49" charset="0"/>
               </a:rPr>
-              <a:t>&gt;&gt;&gt; t = [9, 41, 12, 3, 74, 15]</a:t>
+              <a:t>$ python</a:t>
             </a:r>
           </a:p>
           <a:p>
@@ -20496,7 +19786,7 @@
                 <a:latin typeface="Consolas" panose="020B0609020204030204" pitchFamily="49" charset="0"/>
                 <a:cs typeface="Consolas" panose="020B0609020204030204" pitchFamily="49" charset="0"/>
               </a:rPr>
-              <a:t>&gt;&gt;&gt; t[1:3]</a:t>
+              <a:t>&gt;&gt;&gt; x = 2</a:t>
             </a:r>
           </a:p>
           <a:p>
@@ -20508,7 +19798,7 @@
                 <a:latin typeface="Consolas" panose="020B0609020204030204" pitchFamily="49" charset="0"/>
                 <a:cs typeface="Consolas" panose="020B0609020204030204" pitchFamily="49" charset="0"/>
               </a:rPr>
-              <a:t>[41,12]</a:t>
+              <a:t>&gt;&gt;&gt; x = 4</a:t>
             </a:r>
           </a:p>
           <a:p>
@@ -20520,7 +19810,7 @@
                 <a:latin typeface="Consolas" panose="020B0609020204030204" pitchFamily="49" charset="0"/>
                 <a:cs typeface="Consolas" panose="020B0609020204030204" pitchFamily="49" charset="0"/>
               </a:rPr>
-              <a:t>&gt;&gt;&gt; t[:4]</a:t>
+              <a:t>&gt;&gt;&gt; print(x)</a:t>
             </a:r>
           </a:p>
           <a:p>
@@ -20532,116 +19822,20 @@
                 <a:latin typeface="Consolas" panose="020B0609020204030204" pitchFamily="49" charset="0"/>
                 <a:cs typeface="Consolas" panose="020B0609020204030204" pitchFamily="49" charset="0"/>
               </a:rPr>
-              <a:t>[9, 41, 12, 3]</a:t>
-            </a:r>
-          </a:p>
-          <a:p>
-            <a:pPr marL="0" indent="0">
-              <a:buNone/>
-            </a:pPr>
-            <a:r>
-              <a:rPr lang="en-GB">
-                <a:latin typeface="Consolas" panose="020B0609020204030204" pitchFamily="49" charset="0"/>
-                <a:cs typeface="Consolas" panose="020B0609020204030204" pitchFamily="49" charset="0"/>
-              </a:rPr>
-              <a:t>&gt;&gt;&gt; t[3:]</a:t>
-            </a:r>
-          </a:p>
-          <a:p>
-            <a:pPr marL="0" indent="0">
-              <a:buNone/>
-            </a:pPr>
-            <a:r>
-              <a:rPr lang="en-GB">
-                <a:latin typeface="Consolas" panose="020B0609020204030204" pitchFamily="49" charset="0"/>
-                <a:cs typeface="Consolas" panose="020B0609020204030204" pitchFamily="49" charset="0"/>
-              </a:rPr>
-              <a:t>[3, 74, 15]</a:t>
-            </a:r>
-          </a:p>
-          <a:p>
-            <a:pPr marL="0" indent="0">
-              <a:buNone/>
-            </a:pPr>
-            <a:r>
-              <a:rPr lang="en-GB">
-                <a:latin typeface="Consolas" panose="020B0609020204030204" pitchFamily="49" charset="0"/>
-                <a:cs typeface="Consolas" panose="020B0609020204030204" pitchFamily="49" charset="0"/>
-              </a:rPr>
-              <a:t>&gt;&gt;&gt; t[:]</a:t>
-            </a:r>
-          </a:p>
-          <a:p>
-            <a:pPr marL="0" indent="0">
-              <a:buNone/>
-            </a:pPr>
-            <a:r>
-              <a:rPr lang="en-GB">
-                <a:latin typeface="Consolas" panose="020B0609020204030204" pitchFamily="49" charset="0"/>
-                <a:cs typeface="Consolas" panose="020B0609020204030204" pitchFamily="49" charset="0"/>
-              </a:rPr>
-              <a:t>[9, 41, 12, 3, 74, 15]</a:t>
-            </a:r>
+              <a:t>4</a:t>
+            </a:r>
+          </a:p>
+          <a:p>
+            <a:endParaRPr lang="en-CH" dirty="0"/>
           </a:p>
         </p:txBody>
       </p:sp>
       <p:sp>
         <p:nvSpPr>
-          <p:cNvPr id="7" name="Shape 265">
-            <a:extLst>
-              <a:ext uri="{FF2B5EF4-FFF2-40B4-BE49-F238E27FC236}">
-                <a16:creationId xmlns:a16="http://schemas.microsoft.com/office/drawing/2014/main" id="{893BE3C1-3245-9A44-16E1-8E8A366D51B1}"/>
-              </a:ext>
-            </a:extLst>
-          </p:cNvPr>
-          <p:cNvSpPr txBox="1"/>
-          <p:nvPr/>
-        </p:nvSpPr>
-        <p:spPr>
-          <a:xfrm>
-            <a:off x="5852425" y="1785525"/>
-            <a:ext cx="2777225" cy="2197200"/>
-          </a:xfrm>
-          <a:prstGeom prst="rect">
-            <a:avLst/>
-          </a:prstGeom>
-          <a:noFill/>
-          <a:ln>
-            <a:noFill/>
-          </a:ln>
-        </p:spPr>
-        <p:txBody>
-          <a:bodyPr lIns="0" tIns="0" rIns="0" bIns="0" anchor="ctr" anchorCtr="0">
-            <a:noAutofit/>
-          </a:bodyPr>
-          <a:lstStyle/>
-          <a:p>
-            <a:pPr>
-              <a:buClr>
-                <a:srgbClr val="00FF00"/>
-              </a:buClr>
-              <a:buSzPct val="25000"/>
-              <a:buFont typeface="Cabin"/>
-              <a:buNone/>
-            </a:pPr>
-            <a:r>
-              <a:rPr lang="en-US" sz="2000" kern="0">
-                <a:latin typeface="Arial" charset="0"/>
-                <a:ea typeface="Arial" charset="0"/>
-                <a:cs typeface="Arial" charset="0"/>
-                <a:sym typeface="Cabin"/>
-              </a:rPr>
-              <a:t>Remember:  Just like in strings, the second number is “up to but not including”</a:t>
-            </a:r>
-          </a:p>
-        </p:txBody>
-      </p:sp>
-      <p:sp>
-        <p:nvSpPr>
-          <p:cNvPr id="8" name="TextBox 7">
-            <a:extLst>
-              <a:ext uri="{FF2B5EF4-FFF2-40B4-BE49-F238E27FC236}">
-                <a16:creationId xmlns:a16="http://schemas.microsoft.com/office/drawing/2014/main" id="{9F15D308-FD42-9A64-30C4-0C03B32F5EF5}"/>
+          <p:cNvPr id="4" name="TextBox 3">
+            <a:extLst>
+              <a:ext uri="{FF2B5EF4-FFF2-40B4-BE49-F238E27FC236}">
+                <a16:creationId xmlns:a16="http://schemas.microsoft.com/office/drawing/2014/main" id="{EBE59914-ECE3-624C-B86D-DED6243D0821}"/>
               </a:ext>
             </a:extLst>
           </p:cNvPr>
@@ -20678,7 +19872,7 @@
     </p:spTree>
     <p:extLst>
       <p:ext uri="{BB962C8B-B14F-4D97-AF65-F5344CB8AC3E}">
-        <p14:creationId xmlns:p14="http://schemas.microsoft.com/office/powerpoint/2010/main" val="3791426424"/>
+        <p14:creationId xmlns:p14="http://schemas.microsoft.com/office/powerpoint/2010/main" val="1152027779"/>
       </p:ext>
     </p:extLst>
   </p:cSld>
@@ -20710,7 +19904,7 @@
           <p:cNvPr id="2" name="Title 1">
             <a:extLst>
               <a:ext uri="{FF2B5EF4-FFF2-40B4-BE49-F238E27FC236}">
-                <a16:creationId xmlns:a16="http://schemas.microsoft.com/office/drawing/2014/main" id="{8768BC3F-5D5A-95D9-872B-FB44887D1B7C}"/>
+                <a16:creationId xmlns:a16="http://schemas.microsoft.com/office/drawing/2014/main" id="{F4F08439-6E4C-214B-3DF9-B34C20B3C12C}"/>
               </a:ext>
             </a:extLst>
           </p:cNvPr>
@@ -20727,9 +19921,10 @@
           <a:lstStyle/>
           <a:p>
             <a:r>
-              <a:rPr lang="en-CH"/>
-              <a:t>A tale of two loops…</a:t>
-            </a:r>
+              <a:rPr lang="en-GB"/>
+              <a:t>List Constants</a:t>
+            </a:r>
+            <a:endParaRPr lang="en-CH"/>
           </a:p>
         </p:txBody>
       </p:sp>
@@ -20738,7 +19933,7 @@
           <p:cNvPr id="3" name="Content Placeholder 2">
             <a:extLst>
               <a:ext uri="{FF2B5EF4-FFF2-40B4-BE49-F238E27FC236}">
-                <a16:creationId xmlns:a16="http://schemas.microsoft.com/office/drawing/2014/main" id="{6FB51E4F-D524-A986-5612-0ABB217FF4D3}"/>
+                <a16:creationId xmlns:a16="http://schemas.microsoft.com/office/drawing/2014/main" id="{C3CE3AD9-AACC-34B7-740A-EC354B25A395}"/>
               </a:ext>
             </a:extLst>
           </p:cNvPr>
@@ -20749,106 +19944,478 @@
             <p:ph idx="1"/>
           </p:nvPr>
         </p:nvSpPr>
-        <p:spPr/>
+        <p:spPr>
+          <a:xfrm>
+            <a:off x="628650" y="1369219"/>
+            <a:ext cx="4229100" cy="3263504"/>
+          </a:xfrm>
+        </p:spPr>
         <p:txBody>
           <a:bodyPr/>
           <a:lstStyle/>
           <a:p>
-            <a:pPr marL="0" indent="0">
+            <a:r>
+              <a:rPr lang="en-GB"/>
+              <a:t>List constants are surrounded by square brackets and the elements in the list are separated by commas</a:t>
+            </a:r>
+          </a:p>
+          <a:p>
+            <a:r>
+              <a:rPr lang="en-GB"/>
+              <a:t>A list element can be any Python object - even another list</a:t>
+            </a:r>
+          </a:p>
+          <a:p>
+            <a:r>
+              <a:rPr lang="en-GB"/>
+              <a:t>A list can be empty</a:t>
+            </a:r>
+          </a:p>
+          <a:p>
+            <a:endParaRPr lang="en-CH"/>
+          </a:p>
+        </p:txBody>
+      </p:sp>
+      <p:sp>
+        <p:nvSpPr>
+          <p:cNvPr id="5" name="TextBox 4">
+            <a:extLst>
+              <a:ext uri="{FF2B5EF4-FFF2-40B4-BE49-F238E27FC236}">
+                <a16:creationId xmlns:a16="http://schemas.microsoft.com/office/drawing/2014/main" id="{BBE6BE02-0FAB-AFE4-9321-A75F6355D296}"/>
+              </a:ext>
+            </a:extLst>
+          </p:cNvPr>
+          <p:cNvSpPr txBox="1"/>
+          <p:nvPr/>
+        </p:nvSpPr>
+        <p:spPr>
+          <a:xfrm>
+            <a:off x="5207000" y="1198940"/>
+            <a:ext cx="3771900" cy="3139321"/>
+          </a:xfrm>
+          <a:prstGeom prst="rect">
+            <a:avLst/>
+          </a:prstGeom>
+          <a:noFill/>
+        </p:spPr>
+        <p:txBody>
+          <a:bodyPr wrap="square">
+            <a:spAutoFit/>
+          </a:bodyPr>
+          <a:lstStyle/>
+          <a:p>
+            <a:pPr marL="0" marR="0" lvl="0" indent="0" algn="l" rtl="0">
+              <a:lnSpc>
+                <a:spcPct val="100000"/>
+              </a:lnSpc>
+              <a:spcBef>
+                <a:spcPts val="0"/>
+              </a:spcBef>
+              <a:spcAft>
+                <a:spcPts val="0"/>
+              </a:spcAft>
+              <a:buClr>
+                <a:schemeClr val="lt1"/>
+              </a:buClr>
+              <a:buSzPct val="25000"/>
+              <a:buFont typeface="Cabin"/>
               <a:buNone/>
             </a:pPr>
             <a:r>
-              <a:rPr lang="en-GB">
+              <a:rPr lang="en-US" sz="1800" i="0" u="none" strike="noStrike" cap="none" dirty="0">
                 <a:latin typeface="Consolas" panose="020B0609020204030204" pitchFamily="49" charset="0"/>
+                <a:ea typeface="Courier"/>
                 <a:cs typeface="Consolas" panose="020B0609020204030204" pitchFamily="49" charset="0"/>
-              </a:rPr>
-              <a:t>friends = ['Joseph', 'Glenn', 'Sally']</a:t>
-            </a:r>
-          </a:p>
-          <a:p>
-            <a:endParaRPr lang="en-GB">
-              <a:latin typeface="Consolas" panose="020B0609020204030204" pitchFamily="49" charset="0"/>
-              <a:cs typeface="Consolas" panose="020B0609020204030204" pitchFamily="49" charset="0"/>
-            </a:endParaRPr>
-          </a:p>
-          <a:p>
-            <a:pPr marL="0" indent="0">
+                <a:sym typeface="Courier New"/>
+              </a:rPr>
+              <a:t>&gt;&gt;&gt; print([1, 24, 76])</a:t>
+            </a:r>
+          </a:p>
+          <a:p>
+            <a:pPr marL="0" marR="0" lvl="0" indent="0" algn="l" rtl="0">
+              <a:lnSpc>
+                <a:spcPct val="100000"/>
+              </a:lnSpc>
+              <a:spcBef>
+                <a:spcPts val="0"/>
+              </a:spcBef>
+              <a:spcAft>
+                <a:spcPts val="0"/>
+              </a:spcAft>
+              <a:buClr>
+                <a:schemeClr val="lt1"/>
+              </a:buClr>
+              <a:buSzPct val="25000"/>
+              <a:buFont typeface="Cabin"/>
               <a:buNone/>
             </a:pPr>
             <a:r>
-              <a:rPr lang="en-GB">
+              <a:rPr lang="en-US" sz="1800" i="0" u="none" strike="noStrike" cap="none" dirty="0">
                 <a:latin typeface="Consolas" panose="020B0609020204030204" pitchFamily="49" charset="0"/>
+                <a:ea typeface="Courier"/>
                 <a:cs typeface="Consolas" panose="020B0609020204030204" pitchFamily="49" charset="0"/>
-              </a:rPr>
-              <a:t>for friend in friends :</a:t>
-            </a:r>
-          </a:p>
-          <a:p>
-            <a:pPr marL="0" indent="0">
+                <a:sym typeface="Courier New"/>
+              </a:rPr>
+              <a:t>[1, 24, 76]</a:t>
+            </a:r>
+          </a:p>
+          <a:p>
+            <a:pPr>
+              <a:buClr>
+                <a:schemeClr val="lt1"/>
+              </a:buClr>
+              <a:buSzPct val="25000"/>
+            </a:pPr>
+            <a:r>
+              <a:rPr lang="en-US" sz="1800" i="0" u="none" strike="noStrike" cap="none" dirty="0">
+                <a:latin typeface="Consolas" panose="020B0609020204030204" pitchFamily="49" charset="0"/>
+                <a:ea typeface="Courier"/>
+                <a:cs typeface="Consolas" panose="020B0609020204030204" pitchFamily="49" charset="0"/>
+                <a:sym typeface="Courier New"/>
+              </a:rPr>
+              <a:t>&gt;&gt;&gt; print</a:t>
+            </a:r>
+            <a:r>
+              <a:rPr lang="en-US" sz="1800" dirty="0">
+                <a:latin typeface="Consolas" panose="020B0609020204030204" pitchFamily="49" charset="0"/>
+                <a:ea typeface="Courier"/>
+                <a:cs typeface="Consolas" panose="020B0609020204030204" pitchFamily="49" charset="0"/>
+                <a:sym typeface="Courier New"/>
+              </a:rPr>
+              <a:t>(</a:t>
+            </a:r>
+            <a:r>
+              <a:rPr lang="en-US" sz="1800" i="0" u="none" strike="noStrike" cap="none" dirty="0">
+                <a:latin typeface="Consolas" panose="020B0609020204030204" pitchFamily="49" charset="0"/>
+                <a:ea typeface="Courier"/>
+                <a:cs typeface="Consolas" panose="020B0609020204030204" pitchFamily="49" charset="0"/>
+                <a:sym typeface="Courier New"/>
+              </a:rPr>
+              <a:t>['red', 'yellow', 'blue']</a:t>
+            </a:r>
+            <a:r>
+              <a:rPr lang="en-US" sz="1800" dirty="0">
+                <a:latin typeface="Consolas" panose="020B0609020204030204" pitchFamily="49" charset="0"/>
+                <a:ea typeface="Courier"/>
+                <a:cs typeface="Consolas" panose="020B0609020204030204" pitchFamily="49" charset="0"/>
+                <a:sym typeface="Courier New"/>
+              </a:rPr>
+              <a:t>)</a:t>
+            </a:r>
+            <a:endParaRPr lang="en-US" sz="1800" i="0" u="none" strike="noStrike" cap="none" dirty="0">
+              <a:latin typeface="Consolas" panose="020B0609020204030204" pitchFamily="49" charset="0"/>
+              <a:ea typeface="Courier"/>
+              <a:cs typeface="Consolas" panose="020B0609020204030204" pitchFamily="49" charset="0"/>
+              <a:sym typeface="Courier New"/>
+            </a:endParaRPr>
+          </a:p>
+          <a:p>
+            <a:pPr marL="0" marR="0" lvl="0" indent="0" algn="l" rtl="0">
+              <a:lnSpc>
+                <a:spcPct val="100000"/>
+              </a:lnSpc>
+              <a:spcBef>
+                <a:spcPts val="0"/>
+              </a:spcBef>
+              <a:spcAft>
+                <a:spcPts val="0"/>
+              </a:spcAft>
+              <a:buClr>
+                <a:schemeClr val="lt1"/>
+              </a:buClr>
+              <a:buSzPct val="25000"/>
+              <a:buFont typeface="Cabin"/>
               <a:buNone/>
             </a:pPr>
             <a:r>
-              <a:rPr lang="en-GB">
+              <a:rPr lang="en-US" sz="1800" i="0" u="none" strike="noStrike" cap="none" dirty="0">
                 <a:latin typeface="Consolas" panose="020B0609020204030204" pitchFamily="49" charset="0"/>
+                <a:ea typeface="Courier"/>
                 <a:cs typeface="Consolas" panose="020B0609020204030204" pitchFamily="49" charset="0"/>
-              </a:rPr>
-              <a:t>    print('Happy New Year:',  friend)</a:t>
-            </a:r>
-          </a:p>
-          <a:p>
-            <a:endParaRPr lang="en-GB">
+                <a:sym typeface="Courier New"/>
+              </a:rPr>
+              <a:t>['red', 'yellow', 'blue']</a:t>
+            </a:r>
+          </a:p>
+          <a:p>
+            <a:pPr>
+              <a:buClr>
+                <a:schemeClr val="lt1"/>
+              </a:buClr>
+              <a:buSzPct val="25000"/>
+            </a:pPr>
+            <a:r>
+              <a:rPr lang="en-US" sz="1800" i="0" u="none" strike="noStrike" cap="none" dirty="0">
+                <a:latin typeface="Consolas" panose="020B0609020204030204" pitchFamily="49" charset="0"/>
+                <a:ea typeface="Courier"/>
+                <a:cs typeface="Consolas" panose="020B0609020204030204" pitchFamily="49" charset="0"/>
+                <a:sym typeface="Courier New"/>
+              </a:rPr>
+              <a:t>&gt;&gt;&gt; print</a:t>
+            </a:r>
+            <a:r>
+              <a:rPr lang="en-US" sz="1800" dirty="0">
+                <a:latin typeface="Consolas" panose="020B0609020204030204" pitchFamily="49" charset="0"/>
+                <a:ea typeface="Courier"/>
+                <a:cs typeface="Consolas" panose="020B0609020204030204" pitchFamily="49" charset="0"/>
+                <a:sym typeface="Courier New"/>
+              </a:rPr>
+              <a:t>(</a:t>
+            </a:r>
+            <a:r>
+              <a:rPr lang="en-US" sz="1800" i="0" u="none" strike="noStrike" cap="none" dirty="0">
+                <a:latin typeface="Consolas" panose="020B0609020204030204" pitchFamily="49" charset="0"/>
+                <a:ea typeface="Courier"/>
+                <a:cs typeface="Consolas" panose="020B0609020204030204" pitchFamily="49" charset="0"/>
+                <a:sym typeface="Courier New"/>
+              </a:rPr>
+              <a:t>['red', 24, 98.6]</a:t>
+            </a:r>
+            <a:r>
+              <a:rPr lang="en-US" sz="1800" dirty="0">
+                <a:latin typeface="Consolas" panose="020B0609020204030204" pitchFamily="49" charset="0"/>
+                <a:ea typeface="Courier"/>
+                <a:cs typeface="Consolas" panose="020B0609020204030204" pitchFamily="49" charset="0"/>
+                <a:sym typeface="Courier New"/>
+              </a:rPr>
+              <a:t>)</a:t>
+            </a:r>
+            <a:endParaRPr lang="en-US" sz="1800" i="0" u="none" strike="noStrike" cap="none" dirty="0">
               <a:latin typeface="Consolas" panose="020B0609020204030204" pitchFamily="49" charset="0"/>
+              <a:ea typeface="Courier"/>
               <a:cs typeface="Consolas" panose="020B0609020204030204" pitchFamily="49" charset="0"/>
+              <a:sym typeface="Courier New"/>
             </a:endParaRPr>
           </a:p>
           <a:p>
-            <a:pPr marL="0" indent="0">
+            <a:pPr marL="0" marR="0" lvl="0" indent="0" algn="l" rtl="0">
+              <a:lnSpc>
+                <a:spcPct val="100000"/>
+              </a:lnSpc>
+              <a:spcBef>
+                <a:spcPts val="0"/>
+              </a:spcBef>
+              <a:spcAft>
+                <a:spcPts val="0"/>
+              </a:spcAft>
+              <a:buClr>
+                <a:schemeClr val="lt1"/>
+              </a:buClr>
+              <a:buSzPct val="25000"/>
+              <a:buFont typeface="Cabin"/>
               <a:buNone/>
             </a:pPr>
             <a:r>
-              <a:rPr lang="en-GB">
+              <a:rPr lang="en-US" sz="1800" i="0" u="none" strike="noStrike" cap="none" dirty="0">
                 <a:latin typeface="Consolas" panose="020B0609020204030204" pitchFamily="49" charset="0"/>
+                <a:ea typeface="Courier"/>
                 <a:cs typeface="Consolas" panose="020B0609020204030204" pitchFamily="49" charset="0"/>
-              </a:rPr>
-              <a:t>for i in range(len(friends)) :</a:t>
-            </a:r>
-          </a:p>
-          <a:p>
-            <a:pPr marL="0" indent="0">
+                <a:sym typeface="Courier New"/>
+              </a:rPr>
+              <a:t>['red', 24, 98.6]</a:t>
+            </a:r>
+          </a:p>
+          <a:p>
+            <a:pPr>
+              <a:buClr>
+                <a:schemeClr val="lt1"/>
+              </a:buClr>
+              <a:buSzPct val="25000"/>
+            </a:pPr>
+            <a:r>
+              <a:rPr lang="en-US" sz="1800" i="0" u="none" strike="noStrike" cap="none" dirty="0">
+                <a:latin typeface="Consolas" panose="020B0609020204030204" pitchFamily="49" charset="0"/>
+                <a:ea typeface="Courier"/>
+                <a:cs typeface="Consolas" panose="020B0609020204030204" pitchFamily="49" charset="0"/>
+                <a:sym typeface="Courier New"/>
+              </a:rPr>
+              <a:t>&gt;&gt;&gt; print</a:t>
+            </a:r>
+            <a:r>
+              <a:rPr lang="en-US" sz="1800" dirty="0">
+                <a:latin typeface="Consolas" panose="020B0609020204030204" pitchFamily="49" charset="0"/>
+                <a:ea typeface="Courier"/>
+                <a:cs typeface="Consolas" panose="020B0609020204030204" pitchFamily="49" charset="0"/>
+                <a:sym typeface="Courier New"/>
+              </a:rPr>
+              <a:t>(</a:t>
+            </a:r>
+            <a:r>
+              <a:rPr lang="en-US" sz="1800" i="0" u="none" strike="noStrike" cap="none" dirty="0">
+                <a:latin typeface="Consolas" panose="020B0609020204030204" pitchFamily="49" charset="0"/>
+                <a:ea typeface="Courier"/>
+                <a:cs typeface="Consolas" panose="020B0609020204030204" pitchFamily="49" charset="0"/>
+                <a:sym typeface="Courier New"/>
+              </a:rPr>
+              <a:t>[ 1, [5, 6], 7]</a:t>
+            </a:r>
+            <a:r>
+              <a:rPr lang="en-US" sz="1800" dirty="0">
+                <a:latin typeface="Consolas" panose="020B0609020204030204" pitchFamily="49" charset="0"/>
+                <a:ea typeface="Courier"/>
+                <a:cs typeface="Consolas" panose="020B0609020204030204" pitchFamily="49" charset="0"/>
+                <a:sym typeface="Courier New"/>
+              </a:rPr>
+              <a:t>)</a:t>
+            </a:r>
+            <a:endParaRPr lang="en-US" sz="1800" i="0" u="none" strike="noStrike" cap="none" dirty="0">
+              <a:latin typeface="Consolas" panose="020B0609020204030204" pitchFamily="49" charset="0"/>
+              <a:ea typeface="Courier"/>
+              <a:cs typeface="Consolas" panose="020B0609020204030204" pitchFamily="49" charset="0"/>
+              <a:sym typeface="Courier New"/>
+            </a:endParaRPr>
+          </a:p>
+          <a:p>
+            <a:pPr marL="0" marR="0" lvl="0" indent="0" algn="l" rtl="0">
+              <a:lnSpc>
+                <a:spcPct val="100000"/>
+              </a:lnSpc>
+              <a:spcBef>
+                <a:spcPts val="0"/>
+              </a:spcBef>
+              <a:spcAft>
+                <a:spcPts val="0"/>
+              </a:spcAft>
+              <a:buClr>
+                <a:schemeClr val="lt1"/>
+              </a:buClr>
+              <a:buSzPct val="25000"/>
+              <a:buFont typeface="Cabin"/>
               <a:buNone/>
             </a:pPr>
             <a:r>
-              <a:rPr lang="en-GB">
+              <a:rPr lang="en-US" sz="1800" i="0" u="none" strike="noStrike" cap="none" dirty="0">
                 <a:latin typeface="Consolas" panose="020B0609020204030204" pitchFamily="49" charset="0"/>
+                <a:ea typeface="Courier"/>
                 <a:cs typeface="Consolas" panose="020B0609020204030204" pitchFamily="49" charset="0"/>
-              </a:rPr>
-              <a:t>    friend = friends[i]</a:t>
-            </a:r>
-          </a:p>
-          <a:p>
-            <a:pPr marL="0" indent="0">
+                <a:sym typeface="Courier New"/>
+              </a:rPr>
+              <a:t>[1, [5, 6], 7]</a:t>
+            </a:r>
+          </a:p>
+          <a:p>
+            <a:pPr>
+              <a:buClr>
+                <a:schemeClr val="lt1"/>
+              </a:buClr>
+              <a:buSzPct val="25000"/>
+            </a:pPr>
+            <a:r>
+              <a:rPr lang="en-US" sz="1800" i="0" u="none" strike="noStrike" cap="none" dirty="0">
+                <a:latin typeface="Consolas" panose="020B0609020204030204" pitchFamily="49" charset="0"/>
+                <a:ea typeface="Courier"/>
+                <a:cs typeface="Consolas" panose="020B0609020204030204" pitchFamily="49" charset="0"/>
+                <a:sym typeface="Courier New"/>
+              </a:rPr>
+              <a:t>&gt;&gt;&gt; print</a:t>
+            </a:r>
+            <a:r>
+              <a:rPr lang="en-US" sz="1800" dirty="0">
+                <a:latin typeface="Consolas" panose="020B0609020204030204" pitchFamily="49" charset="0"/>
+                <a:ea typeface="Courier"/>
+                <a:cs typeface="Consolas" panose="020B0609020204030204" pitchFamily="49" charset="0"/>
+                <a:sym typeface="Courier New"/>
+              </a:rPr>
+              <a:t>(</a:t>
+            </a:r>
+            <a:r>
+              <a:rPr lang="en-US" sz="1800" i="0" u="none" strike="noStrike" cap="none" dirty="0">
+                <a:latin typeface="Consolas" panose="020B0609020204030204" pitchFamily="49" charset="0"/>
+                <a:ea typeface="Courier"/>
+                <a:cs typeface="Consolas" panose="020B0609020204030204" pitchFamily="49" charset="0"/>
+                <a:sym typeface="Courier New"/>
+              </a:rPr>
+              <a:t>[]</a:t>
+            </a:r>
+            <a:r>
+              <a:rPr lang="en-US" sz="1800" dirty="0">
+                <a:latin typeface="Consolas" panose="020B0609020204030204" pitchFamily="49" charset="0"/>
+                <a:ea typeface="Courier"/>
+                <a:cs typeface="Consolas" panose="020B0609020204030204" pitchFamily="49" charset="0"/>
+                <a:sym typeface="Courier New"/>
+              </a:rPr>
+              <a:t>)</a:t>
+            </a:r>
+            <a:endParaRPr lang="en-US" sz="1800" i="0" u="none" strike="noStrike" cap="none" dirty="0">
+              <a:latin typeface="Consolas" panose="020B0609020204030204" pitchFamily="49" charset="0"/>
+              <a:ea typeface="Courier"/>
+              <a:cs typeface="Consolas" panose="020B0609020204030204" pitchFamily="49" charset="0"/>
+              <a:sym typeface="Courier New"/>
+            </a:endParaRPr>
+          </a:p>
+          <a:p>
+            <a:pPr marL="0" marR="0" lvl="0" indent="0" algn="l" rtl="0">
+              <a:lnSpc>
+                <a:spcPct val="100000"/>
+              </a:lnSpc>
+              <a:spcBef>
+                <a:spcPts val="0"/>
+              </a:spcBef>
+              <a:spcAft>
+                <a:spcPts val="0"/>
+              </a:spcAft>
+              <a:buClr>
+                <a:schemeClr val="lt1"/>
+              </a:buClr>
+              <a:buSzPct val="25000"/>
+              <a:buFont typeface="Cabin"/>
               <a:buNone/>
             </a:pPr>
             <a:r>
-              <a:rPr lang="en-GB">
+              <a:rPr lang="en-US" sz="1800" i="0" u="none" strike="noStrike" cap="none" dirty="0">
                 <a:latin typeface="Consolas" panose="020B0609020204030204" pitchFamily="49" charset="0"/>
+                <a:ea typeface="Courier"/>
                 <a:cs typeface="Consolas" panose="020B0609020204030204" pitchFamily="49" charset="0"/>
-              </a:rPr>
-              <a:t>    print('Happy New Year:',  friend)</a:t>
-            </a:r>
-          </a:p>
-          <a:p>
-            <a:endParaRPr lang="en-CH">
-              <a:latin typeface="Consolas" panose="020B0609020204030204" pitchFamily="49" charset="0"/>
-              <a:cs typeface="Consolas" panose="020B0609020204030204" pitchFamily="49" charset="0"/>
-            </a:endParaRPr>
+                <a:sym typeface="Courier New"/>
+              </a:rPr>
+              <a:t>[]</a:t>
+            </a:r>
+          </a:p>
+        </p:txBody>
+      </p:sp>
+      <p:sp>
+        <p:nvSpPr>
+          <p:cNvPr id="6" name="TextBox 5">
+            <a:extLst>
+              <a:ext uri="{FF2B5EF4-FFF2-40B4-BE49-F238E27FC236}">
+                <a16:creationId xmlns:a16="http://schemas.microsoft.com/office/drawing/2014/main" id="{22E50FE4-1FA7-24BB-511F-8DA93F6E029D}"/>
+              </a:ext>
+            </a:extLst>
+          </p:cNvPr>
+          <p:cNvSpPr txBox="1"/>
+          <p:nvPr/>
+        </p:nvSpPr>
+        <p:spPr>
+          <a:xfrm>
+            <a:off x="7162800" y="4866501"/>
+            <a:ext cx="2108200" cy="276999"/>
+          </a:xfrm>
+          <a:prstGeom prst="rect">
+            <a:avLst/>
+          </a:prstGeom>
+          <a:noFill/>
+        </p:spPr>
+        <p:txBody>
+          <a:bodyPr wrap="square" rtlCol="0">
+            <a:spAutoFit/>
+          </a:bodyPr>
+          <a:lstStyle/>
+          <a:p>
+            <a:r>
+              <a:rPr lang="en-CH" sz="1200"/>
+              <a:t>Adapted from </a:t>
+            </a:r>
+            <a:r>
+              <a:rPr lang="en-GB" sz="1200"/>
+              <a:t>www.py4e.com</a:t>
+            </a:r>
           </a:p>
         </p:txBody>
       </p:sp>
     </p:spTree>
     <p:extLst>
       <p:ext uri="{BB962C8B-B14F-4D97-AF65-F5344CB8AC3E}">
-        <p14:creationId xmlns:p14="http://schemas.microsoft.com/office/powerpoint/2010/main" val="1121027684"/>
+        <p14:creationId xmlns:p14="http://schemas.microsoft.com/office/powerpoint/2010/main" val="2750883330"/>
       </p:ext>
     </p:extLst>
   </p:cSld>
@@ -20880,6 +20447,950 @@
           <p:cNvPr id="2" name="Title 1">
             <a:extLst>
               <a:ext uri="{FF2B5EF4-FFF2-40B4-BE49-F238E27FC236}">
+                <a16:creationId xmlns:a16="http://schemas.microsoft.com/office/drawing/2014/main" id="{E0FAE9D5-8D95-15A8-C750-ACA27E3ADBB5}"/>
+              </a:ext>
+            </a:extLst>
+          </p:cNvPr>
+          <p:cNvSpPr>
+            <a:spLocks noGrp="1"/>
+          </p:cNvSpPr>
+          <p:nvPr>
+            <p:ph type="title"/>
+          </p:nvPr>
+        </p:nvSpPr>
+        <p:spPr/>
+        <p:txBody>
+          <a:bodyPr/>
+          <a:lstStyle/>
+          <a:p>
+            <a:r>
+              <a:rPr lang="en-GB"/>
+              <a:t>Looking Inside Lists</a:t>
+            </a:r>
+            <a:endParaRPr lang="en-CH"/>
+          </a:p>
+        </p:txBody>
+      </p:sp>
+      <p:sp>
+        <p:nvSpPr>
+          <p:cNvPr id="3" name="Content Placeholder 2">
+            <a:extLst>
+              <a:ext uri="{FF2B5EF4-FFF2-40B4-BE49-F238E27FC236}">
+                <a16:creationId xmlns:a16="http://schemas.microsoft.com/office/drawing/2014/main" id="{630D7DA5-0438-DECF-EB92-A2000B9D80EB}"/>
+              </a:ext>
+            </a:extLst>
+          </p:cNvPr>
+          <p:cNvSpPr>
+            <a:spLocks noGrp="1"/>
+          </p:cNvSpPr>
+          <p:nvPr>
+            <p:ph idx="1"/>
+          </p:nvPr>
+        </p:nvSpPr>
+        <p:spPr>
+          <a:xfrm>
+            <a:off x="628650" y="1369219"/>
+            <a:ext cx="7886700" cy="1894681"/>
+          </a:xfrm>
+        </p:spPr>
+        <p:txBody>
+          <a:bodyPr/>
+          <a:lstStyle/>
+          <a:p>
+            <a:pPr marL="0" indent="0">
+              <a:buNone/>
+            </a:pPr>
+            <a:r>
+              <a:rPr lang="en-GB" dirty="0"/>
+              <a:t>Just like strings, we can get at any single element in a list using an index specified in square brackets</a:t>
+            </a:r>
+          </a:p>
+          <a:p>
+            <a:pPr marL="0" lvl="0" indent="0">
+              <a:buNone/>
+            </a:pPr>
+            <a:r>
+              <a:rPr lang="en-GB" sz="1800">
+                <a:latin typeface="Consolas" panose="020B0609020204030204" pitchFamily="49" charset="0"/>
+                <a:cs typeface="Consolas" panose="020B0609020204030204" pitchFamily="49" charset="0"/>
+              </a:rPr>
+              <a:t>&gt;&gt;&gt; friends = [ 'Joseph', 'Glenn', 'Sally' ]</a:t>
+            </a:r>
+          </a:p>
+          <a:p>
+            <a:pPr marL="0" lvl="0" indent="0">
+              <a:buNone/>
+            </a:pPr>
+            <a:r>
+              <a:rPr lang="en-GB" sz="1800">
+                <a:latin typeface="Consolas" panose="020B0609020204030204" pitchFamily="49" charset="0"/>
+                <a:cs typeface="Consolas" panose="020B0609020204030204" pitchFamily="49" charset="0"/>
+              </a:rPr>
+              <a:t>&gt;&gt;&gt; print(friends[1])</a:t>
+            </a:r>
+          </a:p>
+          <a:p>
+            <a:pPr marL="0" lvl="0" indent="0">
+              <a:buNone/>
+            </a:pPr>
+            <a:r>
+              <a:rPr lang="en-GB" sz="1800">
+                <a:latin typeface="Consolas" panose="020B0609020204030204" pitchFamily="49" charset="0"/>
+                <a:cs typeface="Consolas" panose="020B0609020204030204" pitchFamily="49" charset="0"/>
+              </a:rPr>
+              <a:t>Glenn</a:t>
+            </a:r>
+          </a:p>
+        </p:txBody>
+      </p:sp>
+      <p:sp>
+        <p:nvSpPr>
+          <p:cNvPr id="10" name="Shape 216">
+            <a:extLst>
+              <a:ext uri="{FF2B5EF4-FFF2-40B4-BE49-F238E27FC236}">
+                <a16:creationId xmlns:a16="http://schemas.microsoft.com/office/drawing/2014/main" id="{BD8E032E-D043-FDA2-B66E-8DEEFDFA8EB0}"/>
+              </a:ext>
+            </a:extLst>
+          </p:cNvPr>
+          <p:cNvSpPr txBox="1"/>
+          <p:nvPr/>
+        </p:nvSpPr>
+        <p:spPr>
+          <a:xfrm>
+            <a:off x="2470150" y="3848101"/>
+            <a:ext cx="736599" cy="736599"/>
+          </a:xfrm>
+          <a:prstGeom prst="rect">
+            <a:avLst/>
+          </a:prstGeom>
+          <a:noFill/>
+          <a:ln>
+            <a:noFill/>
+          </a:ln>
+        </p:spPr>
+        <p:txBody>
+          <a:bodyPr lIns="0" tIns="0" rIns="0" bIns="0" anchor="ctr" anchorCtr="0">
+            <a:noAutofit/>
+          </a:bodyPr>
+          <a:lstStyle/>
+          <a:p>
+            <a:pPr algn="ctr">
+              <a:buClr>
+                <a:srgbClr val="FFFFFF"/>
+              </a:buClr>
+              <a:buSzPct val="25000"/>
+              <a:buFont typeface="Cabin"/>
+              <a:buNone/>
+            </a:pPr>
+            <a:r>
+              <a:rPr lang="en-US" sz="4000" kern="0">
+                <a:latin typeface="Arial" charset="0"/>
+                <a:ea typeface="Arial" charset="0"/>
+                <a:cs typeface="Arial" charset="0"/>
+                <a:sym typeface="Cabin"/>
+              </a:rPr>
+              <a:t>0</a:t>
+            </a:r>
+          </a:p>
+        </p:txBody>
+      </p:sp>
+      <p:sp>
+        <p:nvSpPr>
+          <p:cNvPr id="11" name="Shape 217">
+            <a:extLst>
+              <a:ext uri="{FF2B5EF4-FFF2-40B4-BE49-F238E27FC236}">
+                <a16:creationId xmlns:a16="http://schemas.microsoft.com/office/drawing/2014/main" id="{980A9EB5-A172-192D-75EE-4662F4534906}"/>
+              </a:ext>
+            </a:extLst>
+          </p:cNvPr>
+          <p:cNvSpPr txBox="1"/>
+          <p:nvPr/>
+        </p:nvSpPr>
+        <p:spPr>
+          <a:xfrm>
+            <a:off x="1898650" y="3124201"/>
+            <a:ext cx="1879599" cy="736599"/>
+          </a:xfrm>
+          <a:prstGeom prst="rect">
+            <a:avLst/>
+          </a:prstGeom>
+          <a:noFill/>
+          <a:ln w="50800" cap="rnd" cmpd="sng">
+            <a:solidFill>
+              <a:srgbClr val="FF7F00"/>
+            </a:solidFill>
+            <a:prstDash val="solid"/>
+            <a:miter/>
+            <a:headEnd type="none" w="med" len="med"/>
+            <a:tailEnd type="none" w="med" len="med"/>
+          </a:ln>
+        </p:spPr>
+        <p:txBody>
+          <a:bodyPr lIns="0" tIns="0" rIns="0" bIns="0" anchor="ctr" anchorCtr="0">
+            <a:noAutofit/>
+          </a:bodyPr>
+          <a:lstStyle/>
+          <a:p>
+            <a:pPr algn="ctr">
+              <a:buClr>
+                <a:srgbClr val="FFFFFF"/>
+              </a:buClr>
+              <a:buSzPct val="25000"/>
+              <a:buFont typeface="Cabin"/>
+              <a:buNone/>
+            </a:pPr>
+            <a:r>
+              <a:rPr lang="en-US" sz="4000" kern="0">
+                <a:latin typeface="Arial" charset="0"/>
+                <a:ea typeface="Arial" charset="0"/>
+                <a:cs typeface="Arial" charset="0"/>
+                <a:sym typeface="Cabin"/>
+              </a:rPr>
+              <a:t>Joseph</a:t>
+            </a:r>
+          </a:p>
+        </p:txBody>
+      </p:sp>
+      <p:sp>
+        <p:nvSpPr>
+          <p:cNvPr id="12" name="Shape 219">
+            <a:extLst>
+              <a:ext uri="{FF2B5EF4-FFF2-40B4-BE49-F238E27FC236}">
+                <a16:creationId xmlns:a16="http://schemas.microsoft.com/office/drawing/2014/main" id="{8741831B-FB43-BF4A-36C6-1A911B4A7E98}"/>
+              </a:ext>
+            </a:extLst>
+          </p:cNvPr>
+          <p:cNvSpPr txBox="1"/>
+          <p:nvPr/>
+        </p:nvSpPr>
+        <p:spPr>
+          <a:xfrm>
+            <a:off x="4349750" y="3848101"/>
+            <a:ext cx="736599" cy="736599"/>
+          </a:xfrm>
+          <a:prstGeom prst="rect">
+            <a:avLst/>
+          </a:prstGeom>
+          <a:noFill/>
+          <a:ln>
+            <a:noFill/>
+          </a:ln>
+        </p:spPr>
+        <p:txBody>
+          <a:bodyPr lIns="0" tIns="0" rIns="0" bIns="0" anchor="ctr" anchorCtr="0">
+            <a:noAutofit/>
+          </a:bodyPr>
+          <a:lstStyle/>
+          <a:p>
+            <a:pPr algn="ctr">
+              <a:buClr>
+                <a:srgbClr val="FFFFFF"/>
+              </a:buClr>
+              <a:buSzPct val="25000"/>
+              <a:buFont typeface="Cabin"/>
+              <a:buNone/>
+            </a:pPr>
+            <a:r>
+              <a:rPr lang="en-US" sz="4000" kern="0">
+                <a:latin typeface="Arial" charset="0"/>
+                <a:ea typeface="Arial" charset="0"/>
+                <a:cs typeface="Arial" charset="0"/>
+                <a:sym typeface="Cabin"/>
+              </a:rPr>
+              <a:t>1</a:t>
+            </a:r>
+          </a:p>
+        </p:txBody>
+      </p:sp>
+      <p:sp>
+        <p:nvSpPr>
+          <p:cNvPr id="13" name="Shape 220">
+            <a:extLst>
+              <a:ext uri="{FF2B5EF4-FFF2-40B4-BE49-F238E27FC236}">
+                <a16:creationId xmlns:a16="http://schemas.microsoft.com/office/drawing/2014/main" id="{B26129BF-CCCB-E451-433D-3A716A081B4B}"/>
+              </a:ext>
+            </a:extLst>
+          </p:cNvPr>
+          <p:cNvSpPr txBox="1"/>
+          <p:nvPr/>
+        </p:nvSpPr>
+        <p:spPr>
+          <a:xfrm>
+            <a:off x="3778250" y="3124201"/>
+            <a:ext cx="1879599" cy="736599"/>
+          </a:xfrm>
+          <a:prstGeom prst="rect">
+            <a:avLst/>
+          </a:prstGeom>
+          <a:noFill/>
+          <a:ln w="50800" cap="rnd" cmpd="sng">
+            <a:solidFill>
+              <a:srgbClr val="FF7F00"/>
+            </a:solidFill>
+            <a:prstDash val="solid"/>
+            <a:miter/>
+            <a:headEnd type="none" w="med" len="med"/>
+            <a:tailEnd type="none" w="med" len="med"/>
+          </a:ln>
+        </p:spPr>
+        <p:txBody>
+          <a:bodyPr lIns="0" tIns="0" rIns="0" bIns="0" anchor="ctr" anchorCtr="0">
+            <a:noAutofit/>
+          </a:bodyPr>
+          <a:lstStyle/>
+          <a:p>
+            <a:pPr algn="ctr">
+              <a:buClr>
+                <a:srgbClr val="FFFFFF"/>
+              </a:buClr>
+              <a:buSzPct val="25000"/>
+              <a:buFont typeface="Cabin"/>
+              <a:buNone/>
+            </a:pPr>
+            <a:r>
+              <a:rPr lang="en-US" sz="4000" kern="0">
+                <a:latin typeface="Arial" charset="0"/>
+                <a:ea typeface="Arial" charset="0"/>
+                <a:cs typeface="Arial" charset="0"/>
+                <a:sym typeface="Cabin"/>
+              </a:rPr>
+              <a:t>Glenn</a:t>
+            </a:r>
+          </a:p>
+        </p:txBody>
+      </p:sp>
+      <p:sp>
+        <p:nvSpPr>
+          <p:cNvPr id="14" name="Shape 221">
+            <a:extLst>
+              <a:ext uri="{FF2B5EF4-FFF2-40B4-BE49-F238E27FC236}">
+                <a16:creationId xmlns:a16="http://schemas.microsoft.com/office/drawing/2014/main" id="{F9581F0B-399F-AC09-15E8-01A4C9D34BA1}"/>
+              </a:ext>
+            </a:extLst>
+          </p:cNvPr>
+          <p:cNvSpPr txBox="1"/>
+          <p:nvPr/>
+        </p:nvSpPr>
+        <p:spPr>
+          <a:xfrm>
+            <a:off x="6229350" y="3848101"/>
+            <a:ext cx="736599" cy="736599"/>
+          </a:xfrm>
+          <a:prstGeom prst="rect">
+            <a:avLst/>
+          </a:prstGeom>
+          <a:noFill/>
+          <a:ln>
+            <a:noFill/>
+          </a:ln>
+        </p:spPr>
+        <p:txBody>
+          <a:bodyPr lIns="0" tIns="0" rIns="0" bIns="0" anchor="ctr" anchorCtr="0">
+            <a:noAutofit/>
+          </a:bodyPr>
+          <a:lstStyle/>
+          <a:p>
+            <a:pPr algn="ctr">
+              <a:buClr>
+                <a:srgbClr val="FFFFFF"/>
+              </a:buClr>
+              <a:buSzPct val="25000"/>
+              <a:buFont typeface="Cabin"/>
+              <a:buNone/>
+            </a:pPr>
+            <a:r>
+              <a:rPr lang="en-US" sz="4000" kern="0">
+                <a:latin typeface="Arial" charset="0"/>
+                <a:ea typeface="Arial" charset="0"/>
+                <a:cs typeface="Arial" charset="0"/>
+                <a:sym typeface="Cabin"/>
+              </a:rPr>
+              <a:t>2</a:t>
+            </a:r>
+          </a:p>
+        </p:txBody>
+      </p:sp>
+      <p:sp>
+        <p:nvSpPr>
+          <p:cNvPr id="15" name="Shape 222">
+            <a:extLst>
+              <a:ext uri="{FF2B5EF4-FFF2-40B4-BE49-F238E27FC236}">
+                <a16:creationId xmlns:a16="http://schemas.microsoft.com/office/drawing/2014/main" id="{C178C529-0429-316F-A68B-02A19A8432E8}"/>
+              </a:ext>
+            </a:extLst>
+          </p:cNvPr>
+          <p:cNvSpPr txBox="1"/>
+          <p:nvPr/>
+        </p:nvSpPr>
+        <p:spPr>
+          <a:xfrm>
+            <a:off x="5657850" y="3124201"/>
+            <a:ext cx="1879599" cy="736599"/>
+          </a:xfrm>
+          <a:prstGeom prst="rect">
+            <a:avLst/>
+          </a:prstGeom>
+          <a:noFill/>
+          <a:ln w="50800" cap="rnd" cmpd="sng">
+            <a:solidFill>
+              <a:srgbClr val="FF7F00"/>
+            </a:solidFill>
+            <a:prstDash val="solid"/>
+            <a:miter/>
+            <a:headEnd type="none" w="med" len="med"/>
+            <a:tailEnd type="none" w="med" len="med"/>
+          </a:ln>
+        </p:spPr>
+        <p:txBody>
+          <a:bodyPr lIns="0" tIns="0" rIns="0" bIns="0" anchor="ctr" anchorCtr="0">
+            <a:noAutofit/>
+          </a:bodyPr>
+          <a:lstStyle/>
+          <a:p>
+            <a:pPr algn="ctr">
+              <a:buClr>
+                <a:srgbClr val="FFFFFF"/>
+              </a:buClr>
+              <a:buSzPct val="25000"/>
+              <a:buFont typeface="Cabin"/>
+              <a:buNone/>
+            </a:pPr>
+            <a:r>
+              <a:rPr lang="en-US" sz="4000" kern="0">
+                <a:latin typeface="Arial" charset="0"/>
+                <a:ea typeface="Arial" charset="0"/>
+                <a:cs typeface="Arial" charset="0"/>
+                <a:sym typeface="Cabin"/>
+              </a:rPr>
+              <a:t>Sally</a:t>
+            </a:r>
+          </a:p>
+        </p:txBody>
+      </p:sp>
+      <p:sp>
+        <p:nvSpPr>
+          <p:cNvPr id="16" name="TextBox 15">
+            <a:extLst>
+              <a:ext uri="{FF2B5EF4-FFF2-40B4-BE49-F238E27FC236}">
+                <a16:creationId xmlns:a16="http://schemas.microsoft.com/office/drawing/2014/main" id="{CDCE6389-40A8-4710-F825-5D71CF18A116}"/>
+              </a:ext>
+            </a:extLst>
+          </p:cNvPr>
+          <p:cNvSpPr txBox="1"/>
+          <p:nvPr/>
+        </p:nvSpPr>
+        <p:spPr>
+          <a:xfrm>
+            <a:off x="7162800" y="4866501"/>
+            <a:ext cx="2108200" cy="276999"/>
+          </a:xfrm>
+          <a:prstGeom prst="rect">
+            <a:avLst/>
+          </a:prstGeom>
+          <a:noFill/>
+        </p:spPr>
+        <p:txBody>
+          <a:bodyPr wrap="square" rtlCol="0">
+            <a:spAutoFit/>
+          </a:bodyPr>
+          <a:lstStyle/>
+          <a:p>
+            <a:r>
+              <a:rPr lang="en-CH" sz="1200"/>
+              <a:t>Adapted from </a:t>
+            </a:r>
+            <a:r>
+              <a:rPr lang="en-GB" sz="1200"/>
+              <a:t>www.py4e.com</a:t>
+            </a:r>
+          </a:p>
+        </p:txBody>
+      </p:sp>
+    </p:spTree>
+    <p:extLst>
+      <p:ext uri="{BB962C8B-B14F-4D97-AF65-F5344CB8AC3E}">
+        <p14:creationId xmlns:p14="http://schemas.microsoft.com/office/powerpoint/2010/main" val="3315954267"/>
+      </p:ext>
+    </p:extLst>
+  </p:cSld>
+  <p:clrMapOvr>
+    <a:masterClrMapping/>
+  </p:clrMapOvr>
+</p:sld>
+</file>
+
+<file path=ppt/slides/slide34.xml><?xml version="1.0" encoding="utf-8"?>
+<p:sld xmlns:a="http://schemas.openxmlformats.org/drawingml/2006/main" xmlns:r="http://schemas.openxmlformats.org/officeDocument/2006/relationships" xmlns:p="http://schemas.openxmlformats.org/presentationml/2006/main">
+  <p:cSld>
+    <p:spTree>
+      <p:nvGrpSpPr>
+        <p:cNvPr id="1" name=""/>
+        <p:cNvGrpSpPr/>
+        <p:nvPr/>
+      </p:nvGrpSpPr>
+      <p:grpSpPr>
+        <a:xfrm>
+          <a:off x="0" y="0"/>
+          <a:ext cx="0" cy="0"/>
+          <a:chOff x="0" y="0"/>
+          <a:chExt cx="0" cy="0"/>
+        </a:xfrm>
+      </p:grpSpPr>
+      <p:sp>
+        <p:nvSpPr>
+          <p:cNvPr id="2" name="Title 1">
+            <a:extLst>
+              <a:ext uri="{FF2B5EF4-FFF2-40B4-BE49-F238E27FC236}">
+                <a16:creationId xmlns:a16="http://schemas.microsoft.com/office/drawing/2014/main" id="{DD4DDA11-7CC8-4E9D-488E-BC11CF031738}"/>
+              </a:ext>
+            </a:extLst>
+          </p:cNvPr>
+          <p:cNvSpPr>
+            <a:spLocks noGrp="1"/>
+          </p:cNvSpPr>
+          <p:nvPr>
+            <p:ph type="title"/>
+          </p:nvPr>
+        </p:nvSpPr>
+        <p:spPr/>
+        <p:txBody>
+          <a:bodyPr/>
+          <a:lstStyle/>
+          <a:p>
+            <a:r>
+              <a:rPr lang="en-CH"/>
+              <a:t>Lists can be sliced</a:t>
+            </a:r>
+          </a:p>
+        </p:txBody>
+      </p:sp>
+      <p:sp>
+        <p:nvSpPr>
+          <p:cNvPr id="3" name="Content Placeholder 2">
+            <a:extLst>
+              <a:ext uri="{FF2B5EF4-FFF2-40B4-BE49-F238E27FC236}">
+                <a16:creationId xmlns:a16="http://schemas.microsoft.com/office/drawing/2014/main" id="{259E2623-2A8A-17DB-F8CF-1B87336E29AA}"/>
+              </a:ext>
+            </a:extLst>
+          </p:cNvPr>
+          <p:cNvSpPr>
+            <a:spLocks noGrp="1"/>
+          </p:cNvSpPr>
+          <p:nvPr>
+            <p:ph idx="1"/>
+          </p:nvPr>
+        </p:nvSpPr>
+        <p:spPr/>
+        <p:txBody>
+          <a:bodyPr>
+            <a:normAutofit lnSpcReduction="10000"/>
+          </a:bodyPr>
+          <a:lstStyle/>
+          <a:p>
+            <a:pPr marL="0" indent="0">
+              <a:buNone/>
+            </a:pPr>
+            <a:r>
+              <a:rPr lang="en-GB">
+                <a:latin typeface="Consolas" panose="020B0609020204030204" pitchFamily="49" charset="0"/>
+                <a:cs typeface="Consolas" panose="020B0609020204030204" pitchFamily="49" charset="0"/>
+              </a:rPr>
+              <a:t>&gt;&gt;&gt; t = [9, 41, 12, 3, 74, 15]</a:t>
+            </a:r>
+          </a:p>
+          <a:p>
+            <a:pPr marL="0" indent="0">
+              <a:buNone/>
+            </a:pPr>
+            <a:r>
+              <a:rPr lang="en-GB">
+                <a:latin typeface="Consolas" panose="020B0609020204030204" pitchFamily="49" charset="0"/>
+                <a:cs typeface="Consolas" panose="020B0609020204030204" pitchFamily="49" charset="0"/>
+              </a:rPr>
+              <a:t>&gt;&gt;&gt; t[1:3]</a:t>
+            </a:r>
+          </a:p>
+          <a:p>
+            <a:pPr marL="0" indent="0">
+              <a:buNone/>
+            </a:pPr>
+            <a:r>
+              <a:rPr lang="en-GB">
+                <a:latin typeface="Consolas" panose="020B0609020204030204" pitchFamily="49" charset="0"/>
+                <a:cs typeface="Consolas" panose="020B0609020204030204" pitchFamily="49" charset="0"/>
+              </a:rPr>
+              <a:t>[41,12]</a:t>
+            </a:r>
+          </a:p>
+          <a:p>
+            <a:pPr marL="0" indent="0">
+              <a:buNone/>
+            </a:pPr>
+            <a:r>
+              <a:rPr lang="en-GB">
+                <a:latin typeface="Consolas" panose="020B0609020204030204" pitchFamily="49" charset="0"/>
+                <a:cs typeface="Consolas" panose="020B0609020204030204" pitchFamily="49" charset="0"/>
+              </a:rPr>
+              <a:t>&gt;&gt;&gt; t[:4]</a:t>
+            </a:r>
+          </a:p>
+          <a:p>
+            <a:pPr marL="0" indent="0">
+              <a:buNone/>
+            </a:pPr>
+            <a:r>
+              <a:rPr lang="en-GB">
+                <a:latin typeface="Consolas" panose="020B0609020204030204" pitchFamily="49" charset="0"/>
+                <a:cs typeface="Consolas" panose="020B0609020204030204" pitchFamily="49" charset="0"/>
+              </a:rPr>
+              <a:t>[9, 41, 12, 3]</a:t>
+            </a:r>
+          </a:p>
+          <a:p>
+            <a:pPr marL="0" indent="0">
+              <a:buNone/>
+            </a:pPr>
+            <a:r>
+              <a:rPr lang="en-GB">
+                <a:latin typeface="Consolas" panose="020B0609020204030204" pitchFamily="49" charset="0"/>
+                <a:cs typeface="Consolas" panose="020B0609020204030204" pitchFamily="49" charset="0"/>
+              </a:rPr>
+              <a:t>&gt;&gt;&gt; t[3:]</a:t>
+            </a:r>
+          </a:p>
+          <a:p>
+            <a:pPr marL="0" indent="0">
+              <a:buNone/>
+            </a:pPr>
+            <a:r>
+              <a:rPr lang="en-GB">
+                <a:latin typeface="Consolas" panose="020B0609020204030204" pitchFamily="49" charset="0"/>
+                <a:cs typeface="Consolas" panose="020B0609020204030204" pitchFamily="49" charset="0"/>
+              </a:rPr>
+              <a:t>[3, 74, 15]</a:t>
+            </a:r>
+          </a:p>
+          <a:p>
+            <a:pPr marL="0" indent="0">
+              <a:buNone/>
+            </a:pPr>
+            <a:r>
+              <a:rPr lang="en-GB">
+                <a:latin typeface="Consolas" panose="020B0609020204030204" pitchFamily="49" charset="0"/>
+                <a:cs typeface="Consolas" panose="020B0609020204030204" pitchFamily="49" charset="0"/>
+              </a:rPr>
+              <a:t>&gt;&gt;&gt; t[:]</a:t>
+            </a:r>
+          </a:p>
+          <a:p>
+            <a:pPr marL="0" indent="0">
+              <a:buNone/>
+            </a:pPr>
+            <a:r>
+              <a:rPr lang="en-GB">
+                <a:latin typeface="Consolas" panose="020B0609020204030204" pitchFamily="49" charset="0"/>
+                <a:cs typeface="Consolas" panose="020B0609020204030204" pitchFamily="49" charset="0"/>
+              </a:rPr>
+              <a:t>[9, 41, 12, 3, 74, 15]</a:t>
+            </a:r>
+          </a:p>
+        </p:txBody>
+      </p:sp>
+      <p:sp>
+        <p:nvSpPr>
+          <p:cNvPr id="7" name="Shape 265">
+            <a:extLst>
+              <a:ext uri="{FF2B5EF4-FFF2-40B4-BE49-F238E27FC236}">
+                <a16:creationId xmlns:a16="http://schemas.microsoft.com/office/drawing/2014/main" id="{893BE3C1-3245-9A44-16E1-8E8A366D51B1}"/>
+              </a:ext>
+            </a:extLst>
+          </p:cNvPr>
+          <p:cNvSpPr txBox="1"/>
+          <p:nvPr/>
+        </p:nvSpPr>
+        <p:spPr>
+          <a:xfrm>
+            <a:off x="5852425" y="1785525"/>
+            <a:ext cx="2777225" cy="2197200"/>
+          </a:xfrm>
+          <a:prstGeom prst="rect">
+            <a:avLst/>
+          </a:prstGeom>
+          <a:noFill/>
+          <a:ln>
+            <a:noFill/>
+          </a:ln>
+        </p:spPr>
+        <p:txBody>
+          <a:bodyPr lIns="0" tIns="0" rIns="0" bIns="0" anchor="ctr" anchorCtr="0">
+            <a:noAutofit/>
+          </a:bodyPr>
+          <a:lstStyle/>
+          <a:p>
+            <a:pPr>
+              <a:buClr>
+                <a:srgbClr val="00FF00"/>
+              </a:buClr>
+              <a:buSzPct val="25000"/>
+              <a:buFont typeface="Cabin"/>
+              <a:buNone/>
+            </a:pPr>
+            <a:r>
+              <a:rPr lang="en-US" sz="2000" kern="0">
+                <a:latin typeface="Arial" charset="0"/>
+                <a:ea typeface="Arial" charset="0"/>
+                <a:cs typeface="Arial" charset="0"/>
+                <a:sym typeface="Cabin"/>
+              </a:rPr>
+              <a:t>Remember:  Just like in strings, the second number is “up to but not including”</a:t>
+            </a:r>
+          </a:p>
+        </p:txBody>
+      </p:sp>
+      <p:sp>
+        <p:nvSpPr>
+          <p:cNvPr id="8" name="TextBox 7">
+            <a:extLst>
+              <a:ext uri="{FF2B5EF4-FFF2-40B4-BE49-F238E27FC236}">
+                <a16:creationId xmlns:a16="http://schemas.microsoft.com/office/drawing/2014/main" id="{9F15D308-FD42-9A64-30C4-0C03B32F5EF5}"/>
+              </a:ext>
+            </a:extLst>
+          </p:cNvPr>
+          <p:cNvSpPr txBox="1"/>
+          <p:nvPr/>
+        </p:nvSpPr>
+        <p:spPr>
+          <a:xfrm>
+            <a:off x="7162800" y="4866501"/>
+            <a:ext cx="2108200" cy="276999"/>
+          </a:xfrm>
+          <a:prstGeom prst="rect">
+            <a:avLst/>
+          </a:prstGeom>
+          <a:noFill/>
+        </p:spPr>
+        <p:txBody>
+          <a:bodyPr wrap="square" rtlCol="0">
+            <a:spAutoFit/>
+          </a:bodyPr>
+          <a:lstStyle/>
+          <a:p>
+            <a:r>
+              <a:rPr lang="en-CH" sz="1200"/>
+              <a:t>Adapted from </a:t>
+            </a:r>
+            <a:r>
+              <a:rPr lang="en-GB" sz="1200"/>
+              <a:t>www.py4e.com</a:t>
+            </a:r>
+          </a:p>
+        </p:txBody>
+      </p:sp>
+    </p:spTree>
+    <p:extLst>
+      <p:ext uri="{BB962C8B-B14F-4D97-AF65-F5344CB8AC3E}">
+        <p14:creationId xmlns:p14="http://schemas.microsoft.com/office/powerpoint/2010/main" val="3791426424"/>
+      </p:ext>
+    </p:extLst>
+  </p:cSld>
+  <p:clrMapOvr>
+    <a:masterClrMapping/>
+  </p:clrMapOvr>
+</p:sld>
+</file>
+
+<file path=ppt/slides/slide35.xml><?xml version="1.0" encoding="utf-8"?>
+<p:sld xmlns:a="http://schemas.openxmlformats.org/drawingml/2006/main" xmlns:r="http://schemas.openxmlformats.org/officeDocument/2006/relationships" xmlns:p="http://schemas.openxmlformats.org/presentationml/2006/main">
+  <p:cSld>
+    <p:spTree>
+      <p:nvGrpSpPr>
+        <p:cNvPr id="1" name=""/>
+        <p:cNvGrpSpPr/>
+        <p:nvPr/>
+      </p:nvGrpSpPr>
+      <p:grpSpPr>
+        <a:xfrm>
+          <a:off x="0" y="0"/>
+          <a:ext cx="0" cy="0"/>
+          <a:chOff x="0" y="0"/>
+          <a:chExt cx="0" cy="0"/>
+        </a:xfrm>
+      </p:grpSpPr>
+      <p:sp>
+        <p:nvSpPr>
+          <p:cNvPr id="2" name="Title 1">
+            <a:extLst>
+              <a:ext uri="{FF2B5EF4-FFF2-40B4-BE49-F238E27FC236}">
+                <a16:creationId xmlns:a16="http://schemas.microsoft.com/office/drawing/2014/main" id="{8768BC3F-5D5A-95D9-872B-FB44887D1B7C}"/>
+              </a:ext>
+            </a:extLst>
+          </p:cNvPr>
+          <p:cNvSpPr>
+            <a:spLocks noGrp="1"/>
+          </p:cNvSpPr>
+          <p:nvPr>
+            <p:ph type="title"/>
+          </p:nvPr>
+        </p:nvSpPr>
+        <p:spPr/>
+        <p:txBody>
+          <a:bodyPr/>
+          <a:lstStyle/>
+          <a:p>
+            <a:r>
+              <a:rPr lang="en-CH"/>
+              <a:t>A tale of two loops…</a:t>
+            </a:r>
+          </a:p>
+        </p:txBody>
+      </p:sp>
+      <p:sp>
+        <p:nvSpPr>
+          <p:cNvPr id="3" name="Content Placeholder 2">
+            <a:extLst>
+              <a:ext uri="{FF2B5EF4-FFF2-40B4-BE49-F238E27FC236}">
+                <a16:creationId xmlns:a16="http://schemas.microsoft.com/office/drawing/2014/main" id="{6FB51E4F-D524-A986-5612-0ABB217FF4D3}"/>
+              </a:ext>
+            </a:extLst>
+          </p:cNvPr>
+          <p:cNvSpPr>
+            <a:spLocks noGrp="1"/>
+          </p:cNvSpPr>
+          <p:nvPr>
+            <p:ph idx="1"/>
+          </p:nvPr>
+        </p:nvSpPr>
+        <p:spPr/>
+        <p:txBody>
+          <a:bodyPr/>
+          <a:lstStyle/>
+          <a:p>
+            <a:pPr marL="0" indent="0">
+              <a:buNone/>
+            </a:pPr>
+            <a:r>
+              <a:rPr lang="en-GB">
+                <a:latin typeface="Consolas" panose="020B0609020204030204" pitchFamily="49" charset="0"/>
+                <a:cs typeface="Consolas" panose="020B0609020204030204" pitchFamily="49" charset="0"/>
+              </a:rPr>
+              <a:t>friends = ['Joseph', 'Glenn', 'Sally']</a:t>
+            </a:r>
+          </a:p>
+          <a:p>
+            <a:endParaRPr lang="en-GB">
+              <a:latin typeface="Consolas" panose="020B0609020204030204" pitchFamily="49" charset="0"/>
+              <a:cs typeface="Consolas" panose="020B0609020204030204" pitchFamily="49" charset="0"/>
+            </a:endParaRPr>
+          </a:p>
+          <a:p>
+            <a:pPr marL="0" indent="0">
+              <a:buNone/>
+            </a:pPr>
+            <a:r>
+              <a:rPr lang="en-GB">
+                <a:latin typeface="Consolas" panose="020B0609020204030204" pitchFamily="49" charset="0"/>
+                <a:cs typeface="Consolas" panose="020B0609020204030204" pitchFamily="49" charset="0"/>
+              </a:rPr>
+              <a:t>for friend in friends :</a:t>
+            </a:r>
+          </a:p>
+          <a:p>
+            <a:pPr marL="0" indent="0">
+              <a:buNone/>
+            </a:pPr>
+            <a:r>
+              <a:rPr lang="en-GB">
+                <a:latin typeface="Consolas" panose="020B0609020204030204" pitchFamily="49" charset="0"/>
+                <a:cs typeface="Consolas" panose="020B0609020204030204" pitchFamily="49" charset="0"/>
+              </a:rPr>
+              <a:t>    print('Happy New Year:',  friend)</a:t>
+            </a:r>
+          </a:p>
+          <a:p>
+            <a:endParaRPr lang="en-GB">
+              <a:latin typeface="Consolas" panose="020B0609020204030204" pitchFamily="49" charset="0"/>
+              <a:cs typeface="Consolas" panose="020B0609020204030204" pitchFamily="49" charset="0"/>
+            </a:endParaRPr>
+          </a:p>
+          <a:p>
+            <a:pPr marL="0" indent="0">
+              <a:buNone/>
+            </a:pPr>
+            <a:r>
+              <a:rPr lang="en-GB">
+                <a:latin typeface="Consolas" panose="020B0609020204030204" pitchFamily="49" charset="0"/>
+                <a:cs typeface="Consolas" panose="020B0609020204030204" pitchFamily="49" charset="0"/>
+              </a:rPr>
+              <a:t>for i in range(len(friends)) :</a:t>
+            </a:r>
+          </a:p>
+          <a:p>
+            <a:pPr marL="0" indent="0">
+              <a:buNone/>
+            </a:pPr>
+            <a:r>
+              <a:rPr lang="en-GB">
+                <a:latin typeface="Consolas" panose="020B0609020204030204" pitchFamily="49" charset="0"/>
+                <a:cs typeface="Consolas" panose="020B0609020204030204" pitchFamily="49" charset="0"/>
+              </a:rPr>
+              <a:t>    friend = friends[i]</a:t>
+            </a:r>
+          </a:p>
+          <a:p>
+            <a:pPr marL="0" indent="0">
+              <a:buNone/>
+            </a:pPr>
+            <a:r>
+              <a:rPr lang="en-GB">
+                <a:latin typeface="Consolas" panose="020B0609020204030204" pitchFamily="49" charset="0"/>
+                <a:cs typeface="Consolas" panose="020B0609020204030204" pitchFamily="49" charset="0"/>
+              </a:rPr>
+              <a:t>    print('Happy New Year:',  friend)</a:t>
+            </a:r>
+          </a:p>
+          <a:p>
+            <a:endParaRPr lang="en-CH">
+              <a:latin typeface="Consolas" panose="020B0609020204030204" pitchFamily="49" charset="0"/>
+              <a:cs typeface="Consolas" panose="020B0609020204030204" pitchFamily="49" charset="0"/>
+            </a:endParaRPr>
+          </a:p>
+        </p:txBody>
+      </p:sp>
+    </p:spTree>
+    <p:extLst>
+      <p:ext uri="{BB962C8B-B14F-4D97-AF65-F5344CB8AC3E}">
+        <p14:creationId xmlns:p14="http://schemas.microsoft.com/office/powerpoint/2010/main" val="1121027684"/>
+      </p:ext>
+    </p:extLst>
+  </p:cSld>
+  <p:clrMapOvr>
+    <a:masterClrMapping/>
+  </p:clrMapOvr>
+</p:sld>
+</file>
+
+<file path=ppt/slides/slide36.xml><?xml version="1.0" encoding="utf-8"?>
+<p:sld xmlns:a="http://schemas.openxmlformats.org/drawingml/2006/main" xmlns:r="http://schemas.openxmlformats.org/officeDocument/2006/relationships" xmlns:p="http://schemas.openxmlformats.org/presentationml/2006/main">
+  <p:cSld>
+    <p:spTree>
+      <p:nvGrpSpPr>
+        <p:cNvPr id="1" name=""/>
+        <p:cNvGrpSpPr/>
+        <p:nvPr/>
+      </p:nvGrpSpPr>
+      <p:grpSpPr>
+        <a:xfrm>
+          <a:off x="0" y="0"/>
+          <a:ext cx="0" cy="0"/>
+          <a:chOff x="0" y="0"/>
+          <a:chExt cx="0" cy="0"/>
+        </a:xfrm>
+      </p:grpSpPr>
+      <p:sp>
+        <p:nvSpPr>
+          <p:cNvPr id="2" name="Title 1">
+            <a:extLst>
+              <a:ext uri="{FF2B5EF4-FFF2-40B4-BE49-F238E27FC236}">
                 <a16:creationId xmlns:a16="http://schemas.microsoft.com/office/drawing/2014/main" id="{0B8D8E31-EAF5-1A38-945C-A6214E13FA84}"/>
               </a:ext>
             </a:extLst>
@@ -21020,7 +21531,7 @@
             <a:pPr marL="0" indent="0">
               <a:buNone/>
             </a:pPr>
-            <a:endParaRPr lang="en-CH"/>
+            <a:endParaRPr lang="en-CH" dirty="0"/>
           </a:p>
         </p:txBody>
       </p:sp>
@@ -21128,7 +21639,7 @@
 </p:sld>
 </file>
 
-<file path=ppt/slides/slide34.xml><?xml version="1.0" encoding="utf-8"?>
+<file path=ppt/slides/slide37.xml><?xml version="1.0" encoding="utf-8"?>
 <p:sld xmlns:a="http://schemas.openxmlformats.org/drawingml/2006/main" xmlns:r="http://schemas.openxmlformats.org/officeDocument/2006/relationships" xmlns:p="http://schemas.openxmlformats.org/presentationml/2006/main">
   <p:cSld>
     <p:spTree>
@@ -21195,11 +21706,11 @@
           <a:lstStyle/>
           <a:p>
             <a:r>
-              <a:rPr lang="en-GB"/>
+              <a:rPr lang="en-GB" dirty="0"/>
               <a:t>L</a:t>
             </a:r>
             <a:r>
-              <a:rPr lang="en-CH"/>
+              <a:rPr lang="en-CH" dirty="0"/>
               <a:t>ists does not behave like mathematical objects…</a:t>
             </a:r>
           </a:p>
@@ -21207,14 +21718,14 @@
             <a:pPr marL="0" indent="0">
               <a:buNone/>
             </a:pPr>
-            <a:endParaRPr lang="en-CH"/>
+            <a:endParaRPr lang="en-CH" dirty="0"/>
           </a:p>
           <a:p>
             <a:pPr marL="0" indent="0">
               <a:buNone/>
             </a:pPr>
             <a:r>
-              <a:rPr lang="en-CH"/>
+              <a:rPr lang="en-CH" dirty="0"/>
               <a:t>Example:</a:t>
             </a:r>
           </a:p>
@@ -21288,7 +21799,7 @@
 </p:sld>
 </file>
 
-<file path=ppt/slides/slide35.xml><?xml version="1.0" encoding="utf-8"?>
+<file path=ppt/slides/slide38.xml><?xml version="1.0" encoding="utf-8"?>
 <p:sld xmlns:a="http://schemas.openxmlformats.org/drawingml/2006/main" xmlns:r="http://schemas.openxmlformats.org/officeDocument/2006/relationships" xmlns:p="http://schemas.openxmlformats.org/presentationml/2006/main">
   <p:cSld>
     <p:spTree>
@@ -21359,7 +21870,7 @@
 </p:sld>
 </file>
 
-<file path=ppt/slides/slide36.xml><?xml version="1.0" encoding="utf-8"?>
+<file path=ppt/slides/slide39.xml><?xml version="1.0" encoding="utf-8"?>
 <p:sld xmlns:a="http://schemas.openxmlformats.org/drawingml/2006/main" xmlns:r="http://schemas.openxmlformats.org/officeDocument/2006/relationships" xmlns:p="http://schemas.openxmlformats.org/presentationml/2006/main">
   <p:cSld>
     <p:spTree>
@@ -21525,7 +22036,7 @@
 </p:sld>
 </file>
 
-<file path=ppt/slides/slide37.xml><?xml version="1.0" encoding="utf-8"?>
+<file path=ppt/slides/slide4.xml><?xml version="1.0" encoding="utf-8"?>
 <p:sld xmlns:a="http://schemas.openxmlformats.org/drawingml/2006/main" xmlns:r="http://schemas.openxmlformats.org/officeDocument/2006/relationships" xmlns:p="http://schemas.openxmlformats.org/presentationml/2006/main">
   <p:cSld>
     <p:spTree>
@@ -21547,7 +22058,7 @@
           <p:cNvPr id="2" name="Title 1">
             <a:extLst>
               <a:ext uri="{FF2B5EF4-FFF2-40B4-BE49-F238E27FC236}">
-                <a16:creationId xmlns:a16="http://schemas.microsoft.com/office/drawing/2014/main" id="{EB60A15C-E06B-AE26-088C-94D0AACF841E}"/>
+                <a16:creationId xmlns:a16="http://schemas.microsoft.com/office/drawing/2014/main" id="{8C5A40C9-E01D-BEFC-1D9B-DA8A27C238F1}"/>
               </a:ext>
             </a:extLst>
           </p:cNvPr>
@@ -21558,18 +22069,21 @@
             <p:ph type="title"/>
           </p:nvPr>
         </p:nvSpPr>
-        <p:spPr/>
+        <p:spPr>
+          <a:xfrm>
+            <a:off x="628650" y="202822"/>
+            <a:ext cx="7886700" cy="994172"/>
+          </a:xfrm>
+        </p:spPr>
         <p:txBody>
-          <a:bodyPr/>
+          <a:bodyPr>
+            <a:normAutofit fontScale="90000"/>
+          </a:bodyPr>
           <a:lstStyle/>
           <a:p>
             <a:r>
-              <a:rPr lang="en-GB"/>
-              <a:t>N</a:t>
-            </a:r>
-            <a:r>
               <a:rPr lang="en-CH"/>
-              <a:t>umpy vs. code python</a:t>
+              <a:t>Reproducibility and Replicability (two opposite definitions)</a:t>
             </a:r>
           </a:p>
         </p:txBody>
@@ -21579,7 +22093,7 @@
           <p:cNvPr id="3" name="Content Placeholder 2">
             <a:extLst>
               <a:ext uri="{FF2B5EF4-FFF2-40B4-BE49-F238E27FC236}">
-                <a16:creationId xmlns:a16="http://schemas.microsoft.com/office/drawing/2014/main" id="{ED19F422-0176-04A1-8051-0E58DD13CE27}"/>
+                <a16:creationId xmlns:a16="http://schemas.microsoft.com/office/drawing/2014/main" id="{68D3CDD2-F5AD-E43A-CB56-D2496532D05D}"/>
               </a:ext>
             </a:extLst>
           </p:cNvPr>
@@ -21590,9 +22104,16 @@
             <p:ph idx="1"/>
           </p:nvPr>
         </p:nvSpPr>
-        <p:spPr/>
+        <p:spPr>
+          <a:xfrm>
+            <a:off x="628650" y="2050741"/>
+            <a:ext cx="7886700" cy="2698811"/>
+          </a:xfrm>
+        </p:spPr>
         <p:txBody>
-          <a:bodyPr/>
+          <a:bodyPr>
+            <a:normAutofit/>
+          </a:bodyPr>
           <a:lstStyle/>
           <a:p>
             <a:pPr marL="0" indent="0">
@@ -21600,59 +22121,33 @@
             </a:pPr>
             <a:r>
               <a:rPr lang="en-GB"/>
-              <a:t>The advantages of Core Python:</a:t>
-            </a:r>
-          </a:p>
-          <a:p>
+              <a:t>“</a:t>
+            </a:r>
+            <a:r>
+              <a:rPr lang="en-GB" b="1" u="sng"/>
+              <a:t>Reproducibility</a:t>
+            </a:r>
             <a:r>
               <a:rPr lang="en-GB"/>
-              <a:t>high-level number objects: integers, floating point</a:t>
-            </a:r>
-          </a:p>
-          <a:p>
+              <a:t>” refers to instances in which the original researcher's data and computer codes are used to regenerate the results, while “</a:t>
+            </a:r>
+            <a:r>
+              <a:rPr lang="en-GB" b="1" u="sng"/>
+              <a:t>replicability</a:t>
+            </a:r>
             <a:r>
               <a:rPr lang="en-GB"/>
-              <a:t>containers: lists with cheap insertion and append methods, dictionaries with fast lookup</a:t>
-            </a:r>
-          </a:p>
-          <a:p>
-            <a:pPr marL="0" indent="0">
-              <a:buNone/>
-            </a:pPr>
-            <a:r>
-              <a:rPr lang="en-GB"/>
-              <a:t>Advantages of using Numpy with Python:</a:t>
-            </a:r>
-          </a:p>
-          <a:p>
-            <a:r>
-              <a:rPr lang="en-GB"/>
-              <a:t>array oriented computing</a:t>
-            </a:r>
-          </a:p>
-          <a:p>
-            <a:r>
-              <a:rPr lang="en-GB"/>
-              <a:t>efficiently implemented multi-dimensional arrays</a:t>
-            </a:r>
-          </a:p>
-          <a:p>
-            <a:r>
-              <a:rPr lang="en-GB"/>
-              <a:t>designed for scientific computation</a:t>
-            </a:r>
-          </a:p>
-          <a:p>
-            <a:endParaRPr lang="en-CH"/>
+              <a:t>” refers to instances in which a researcher collects new data to arrive at the same scientific findings as a previous study.</a:t>
+            </a:r>
           </a:p>
         </p:txBody>
       </p:sp>
       <p:sp>
         <p:nvSpPr>
-          <p:cNvPr id="4" name="TextBox 3">
-            <a:extLst>
-              <a:ext uri="{FF2B5EF4-FFF2-40B4-BE49-F238E27FC236}">
-                <a16:creationId xmlns:a16="http://schemas.microsoft.com/office/drawing/2014/main" id="{52899488-7D5A-CD80-29C6-B7DF1C9F867E}"/>
+          <p:cNvPr id="5" name="TextBox 4">
+            <a:extLst>
+              <a:ext uri="{FF2B5EF4-FFF2-40B4-BE49-F238E27FC236}">
+                <a16:creationId xmlns:a16="http://schemas.microsoft.com/office/drawing/2014/main" id="{2E509B11-116E-5BD6-E871-852E55315C0B}"/>
               </a:ext>
             </a:extLst>
           </p:cNvPr>
@@ -21661,8 +22156,8 @@
         </p:nvSpPr>
         <p:spPr>
           <a:xfrm>
-            <a:off x="43703" y="4866501"/>
-            <a:ext cx="8471647" cy="276999"/>
+            <a:off x="317376" y="4802178"/>
+            <a:ext cx="8509247" cy="276999"/>
           </a:xfrm>
           <a:prstGeom prst="rect">
             <a:avLst/>
@@ -21670,37 +22165,51 @@
           <a:noFill/>
         </p:spPr>
         <p:txBody>
-          <a:bodyPr wrap="square" rtlCol="0">
+          <a:bodyPr wrap="square">
             <a:spAutoFit/>
           </a:bodyPr>
           <a:lstStyle/>
           <a:p>
             <a:r>
-              <a:rPr lang="en-CH" sz="1200"/>
-              <a:t>Source: </a:t>
-            </a:r>
-            <a:r>
-              <a:rPr lang="en-GB" sz="1200"/>
-              <a:t>https://python-course.eu/numerical-programming/introduction-to-numpy.php</a:t>
-            </a:r>
-            <a:endParaRPr lang="en-CH" sz="1200"/>
+              <a:rPr lang="en-GB" sz="1200">
+                <a:latin typeface="Arial" panose="020B0604020202020204" pitchFamily="34" charset="0"/>
+                <a:cs typeface="Arial" panose="020B0604020202020204" pitchFamily="34" charset="0"/>
+              </a:rPr>
+              <a:t>National Academies of Sciences, Engineering, and Medicine. "Reproducibility and replicability in science." (2019).</a:t>
+            </a:r>
+            <a:endParaRPr lang="en-CH" sz="1200">
+              <a:latin typeface="Arial" panose="020B0604020202020204" pitchFamily="34" charset="0"/>
+              <a:cs typeface="Arial" panose="020B0604020202020204" pitchFamily="34" charset="0"/>
+            </a:endParaRPr>
           </a:p>
         </p:txBody>
       </p:sp>
     </p:spTree>
     <p:extLst>
       <p:ext uri="{BB962C8B-B14F-4D97-AF65-F5344CB8AC3E}">
-        <p14:creationId xmlns:p14="http://schemas.microsoft.com/office/powerpoint/2010/main" val="33953978"/>
+        <p14:creationId xmlns:p14="http://schemas.microsoft.com/office/powerpoint/2010/main" val="128014960"/>
       </p:ext>
     </p:extLst>
   </p:cSld>
   <p:clrMapOvr>
     <a:masterClrMapping/>
   </p:clrMapOvr>
+  <mc:AlternateContent xmlns:mc="http://schemas.openxmlformats.org/markup-compatibility/2006" xmlns:p159="http://schemas.microsoft.com/office/powerpoint/2015/09/main">
+    <mc:Choice Requires="p159">
+      <p:transition xmlns:p14="http://schemas.microsoft.com/office/powerpoint/2010/main" spd="slow" p14:dur="2000">
+        <p159:morph option="byObject"/>
+      </p:transition>
+    </mc:Choice>
+    <mc:Fallback xmlns="">
+      <p:transition spd="slow">
+        <p:fade/>
+      </p:transition>
+    </mc:Fallback>
+  </mc:AlternateContent>
 </p:sld>
 </file>
 
-<file path=ppt/slides/slide38.xml><?xml version="1.0" encoding="utf-8"?>
+<file path=ppt/slides/slide40.xml><?xml version="1.0" encoding="utf-8"?>
 <p:sld xmlns:a="http://schemas.openxmlformats.org/drawingml/2006/main" xmlns:r="http://schemas.openxmlformats.org/officeDocument/2006/relationships" xmlns:p="http://schemas.openxmlformats.org/presentationml/2006/main">
   <p:cSld>
     <p:spTree>
@@ -21722,7 +22231,7 @@
           <p:cNvPr id="2" name="Title 1">
             <a:extLst>
               <a:ext uri="{FF2B5EF4-FFF2-40B4-BE49-F238E27FC236}">
-                <a16:creationId xmlns:a16="http://schemas.microsoft.com/office/drawing/2014/main" id="{5244984A-3B80-977B-21D5-79204628047B}"/>
+                <a16:creationId xmlns:a16="http://schemas.microsoft.com/office/drawing/2014/main" id="{EB60A15C-E06B-AE26-088C-94D0AACF841E}"/>
               </a:ext>
             </a:extLst>
           </p:cNvPr>
@@ -21739,16 +22248,133 @@
           <a:lstStyle/>
           <a:p>
             <a:r>
+              <a:rPr lang="en-GB"/>
+              <a:t>N</a:t>
+            </a:r>
+            <a:r>
               <a:rPr lang="en-CH"/>
-              <a:t>Hands-on</a:t>
-            </a:r>
+              <a:t>umpy vs. code python</a:t>
+            </a:r>
+          </a:p>
+        </p:txBody>
+      </p:sp>
+      <p:sp>
+        <p:nvSpPr>
+          <p:cNvPr id="3" name="Content Placeholder 2">
+            <a:extLst>
+              <a:ext uri="{FF2B5EF4-FFF2-40B4-BE49-F238E27FC236}">
+                <a16:creationId xmlns:a16="http://schemas.microsoft.com/office/drawing/2014/main" id="{ED19F422-0176-04A1-8051-0E58DD13CE27}"/>
+              </a:ext>
+            </a:extLst>
+          </p:cNvPr>
+          <p:cNvSpPr>
+            <a:spLocks noGrp="1"/>
+          </p:cNvSpPr>
+          <p:nvPr>
+            <p:ph idx="1"/>
+          </p:nvPr>
+        </p:nvSpPr>
+        <p:spPr/>
+        <p:txBody>
+          <a:bodyPr/>
+          <a:lstStyle/>
+          <a:p>
+            <a:pPr marL="0" indent="0">
+              <a:buNone/>
+            </a:pPr>
+            <a:r>
+              <a:rPr lang="en-GB"/>
+              <a:t>The advantages of Core Python:</a:t>
+            </a:r>
+          </a:p>
+          <a:p>
+            <a:r>
+              <a:rPr lang="en-GB"/>
+              <a:t>high-level number objects: integers, floating point</a:t>
+            </a:r>
+          </a:p>
+          <a:p>
+            <a:r>
+              <a:rPr lang="en-GB"/>
+              <a:t>containers: lists with cheap insertion and append methods, dictionaries with fast lookup</a:t>
+            </a:r>
+          </a:p>
+          <a:p>
+            <a:pPr marL="0" indent="0">
+              <a:buNone/>
+            </a:pPr>
+            <a:r>
+              <a:rPr lang="en-GB"/>
+              <a:t>Advantages of using Numpy with Python:</a:t>
+            </a:r>
+          </a:p>
+          <a:p>
+            <a:r>
+              <a:rPr lang="en-GB"/>
+              <a:t>array oriented computing</a:t>
+            </a:r>
+          </a:p>
+          <a:p>
+            <a:r>
+              <a:rPr lang="en-GB"/>
+              <a:t>efficiently implemented multi-dimensional arrays</a:t>
+            </a:r>
+          </a:p>
+          <a:p>
+            <a:r>
+              <a:rPr lang="en-GB"/>
+              <a:t>designed for scientific computation</a:t>
+            </a:r>
+          </a:p>
+          <a:p>
+            <a:endParaRPr lang="en-CH"/>
+          </a:p>
+        </p:txBody>
+      </p:sp>
+      <p:sp>
+        <p:nvSpPr>
+          <p:cNvPr id="4" name="TextBox 3">
+            <a:extLst>
+              <a:ext uri="{FF2B5EF4-FFF2-40B4-BE49-F238E27FC236}">
+                <a16:creationId xmlns:a16="http://schemas.microsoft.com/office/drawing/2014/main" id="{52899488-7D5A-CD80-29C6-B7DF1C9F867E}"/>
+              </a:ext>
+            </a:extLst>
+          </p:cNvPr>
+          <p:cNvSpPr txBox="1"/>
+          <p:nvPr/>
+        </p:nvSpPr>
+        <p:spPr>
+          <a:xfrm>
+            <a:off x="43703" y="4866501"/>
+            <a:ext cx="8471647" cy="276999"/>
+          </a:xfrm>
+          <a:prstGeom prst="rect">
+            <a:avLst/>
+          </a:prstGeom>
+          <a:noFill/>
+        </p:spPr>
+        <p:txBody>
+          <a:bodyPr wrap="square" rtlCol="0">
+            <a:spAutoFit/>
+          </a:bodyPr>
+          <a:lstStyle/>
+          <a:p>
+            <a:r>
+              <a:rPr lang="en-CH" sz="1200"/>
+              <a:t>Source: </a:t>
+            </a:r>
+            <a:r>
+              <a:rPr lang="en-GB" sz="1200"/>
+              <a:t>https://python-course.eu/numerical-programming/introduction-to-numpy.php</a:t>
+            </a:r>
+            <a:endParaRPr lang="en-CH" sz="1200"/>
           </a:p>
         </p:txBody>
       </p:sp>
     </p:spTree>
     <p:extLst>
       <p:ext uri="{BB962C8B-B14F-4D97-AF65-F5344CB8AC3E}">
-        <p14:creationId xmlns:p14="http://schemas.microsoft.com/office/powerpoint/2010/main" val="3093679030"/>
+        <p14:creationId xmlns:p14="http://schemas.microsoft.com/office/powerpoint/2010/main" val="33953978"/>
       </p:ext>
     </p:extLst>
   </p:cSld>
@@ -21758,7 +22384,7 @@
 </p:sld>
 </file>
 
-<file path=ppt/slides/slide39.xml><?xml version="1.0" encoding="utf-8"?>
+<file path=ppt/slides/slide41.xml><?xml version="1.0" encoding="utf-8"?>
 <p:sld xmlns:a="http://schemas.openxmlformats.org/drawingml/2006/main" xmlns:r="http://schemas.openxmlformats.org/officeDocument/2006/relationships" xmlns:p="http://schemas.openxmlformats.org/presentationml/2006/main">
   <p:cSld>
     <p:spTree>
@@ -22106,180 +22732,7 @@
 </p:sld>
 </file>
 
-<file path=ppt/slides/slide4.xml><?xml version="1.0" encoding="utf-8"?>
-<p:sld xmlns:a="http://schemas.openxmlformats.org/drawingml/2006/main" xmlns:r="http://schemas.openxmlformats.org/officeDocument/2006/relationships" xmlns:p="http://schemas.openxmlformats.org/presentationml/2006/main">
-  <p:cSld>
-    <p:spTree>
-      <p:nvGrpSpPr>
-        <p:cNvPr id="1" name=""/>
-        <p:cNvGrpSpPr/>
-        <p:nvPr/>
-      </p:nvGrpSpPr>
-      <p:grpSpPr>
-        <a:xfrm>
-          <a:off x="0" y="0"/>
-          <a:ext cx="0" cy="0"/>
-          <a:chOff x="0" y="0"/>
-          <a:chExt cx="0" cy="0"/>
-        </a:xfrm>
-      </p:grpSpPr>
-      <p:sp>
-        <p:nvSpPr>
-          <p:cNvPr id="2" name="Title 1">
-            <a:extLst>
-              <a:ext uri="{FF2B5EF4-FFF2-40B4-BE49-F238E27FC236}">
-                <a16:creationId xmlns:a16="http://schemas.microsoft.com/office/drawing/2014/main" id="{8C5A40C9-E01D-BEFC-1D9B-DA8A27C238F1}"/>
-              </a:ext>
-            </a:extLst>
-          </p:cNvPr>
-          <p:cNvSpPr>
-            <a:spLocks noGrp="1"/>
-          </p:cNvSpPr>
-          <p:nvPr>
-            <p:ph type="title"/>
-          </p:nvPr>
-        </p:nvSpPr>
-        <p:spPr>
-          <a:xfrm>
-            <a:off x="628650" y="202822"/>
-            <a:ext cx="7886700" cy="994172"/>
-          </a:xfrm>
-        </p:spPr>
-        <p:txBody>
-          <a:bodyPr>
-            <a:normAutofit fontScale="90000"/>
-          </a:bodyPr>
-          <a:lstStyle/>
-          <a:p>
-            <a:r>
-              <a:rPr lang="en-CH"/>
-              <a:t>Reproducibility and Replicability (two opposite definitions)</a:t>
-            </a:r>
-          </a:p>
-        </p:txBody>
-      </p:sp>
-      <p:sp>
-        <p:nvSpPr>
-          <p:cNvPr id="3" name="Content Placeholder 2">
-            <a:extLst>
-              <a:ext uri="{FF2B5EF4-FFF2-40B4-BE49-F238E27FC236}">
-                <a16:creationId xmlns:a16="http://schemas.microsoft.com/office/drawing/2014/main" id="{68D3CDD2-F5AD-E43A-CB56-D2496532D05D}"/>
-              </a:ext>
-            </a:extLst>
-          </p:cNvPr>
-          <p:cNvSpPr>
-            <a:spLocks noGrp="1"/>
-          </p:cNvSpPr>
-          <p:nvPr>
-            <p:ph idx="1"/>
-          </p:nvPr>
-        </p:nvSpPr>
-        <p:spPr>
-          <a:xfrm>
-            <a:off x="628650" y="2050741"/>
-            <a:ext cx="7886700" cy="2698811"/>
-          </a:xfrm>
-        </p:spPr>
-        <p:txBody>
-          <a:bodyPr>
-            <a:normAutofit/>
-          </a:bodyPr>
-          <a:lstStyle/>
-          <a:p>
-            <a:pPr marL="0" indent="0">
-              <a:buNone/>
-            </a:pPr>
-            <a:r>
-              <a:rPr lang="en-GB"/>
-              <a:t>“</a:t>
-            </a:r>
-            <a:r>
-              <a:rPr lang="en-GB" b="1" u="sng"/>
-              <a:t>Reproducibility</a:t>
-            </a:r>
-            <a:r>
-              <a:rPr lang="en-GB"/>
-              <a:t>” refers to instances in which the original researcher's data and computer codes are used to regenerate the results, while “</a:t>
-            </a:r>
-            <a:r>
-              <a:rPr lang="en-GB" b="1" u="sng"/>
-              <a:t>replicability</a:t>
-            </a:r>
-            <a:r>
-              <a:rPr lang="en-GB"/>
-              <a:t>” refers to instances in which a researcher collects new data to arrive at the same scientific findings as a previous study.</a:t>
-            </a:r>
-          </a:p>
-        </p:txBody>
-      </p:sp>
-      <p:sp>
-        <p:nvSpPr>
-          <p:cNvPr id="5" name="TextBox 4">
-            <a:extLst>
-              <a:ext uri="{FF2B5EF4-FFF2-40B4-BE49-F238E27FC236}">
-                <a16:creationId xmlns:a16="http://schemas.microsoft.com/office/drawing/2014/main" id="{2E509B11-116E-5BD6-E871-852E55315C0B}"/>
-              </a:ext>
-            </a:extLst>
-          </p:cNvPr>
-          <p:cNvSpPr txBox="1"/>
-          <p:nvPr/>
-        </p:nvSpPr>
-        <p:spPr>
-          <a:xfrm>
-            <a:off x="317376" y="4802178"/>
-            <a:ext cx="8509247" cy="276999"/>
-          </a:xfrm>
-          <a:prstGeom prst="rect">
-            <a:avLst/>
-          </a:prstGeom>
-          <a:noFill/>
-        </p:spPr>
-        <p:txBody>
-          <a:bodyPr wrap="square">
-            <a:spAutoFit/>
-          </a:bodyPr>
-          <a:lstStyle/>
-          <a:p>
-            <a:r>
-              <a:rPr lang="en-GB" sz="1200">
-                <a:latin typeface="Arial" panose="020B0604020202020204" pitchFamily="34" charset="0"/>
-                <a:cs typeface="Arial" panose="020B0604020202020204" pitchFamily="34" charset="0"/>
-              </a:rPr>
-              <a:t>National Academies of Sciences, Engineering, and Medicine. "Reproducibility and replicability in science." (2019).</a:t>
-            </a:r>
-            <a:endParaRPr lang="en-CH" sz="1200">
-              <a:latin typeface="Arial" panose="020B0604020202020204" pitchFamily="34" charset="0"/>
-              <a:cs typeface="Arial" panose="020B0604020202020204" pitchFamily="34" charset="0"/>
-            </a:endParaRPr>
-          </a:p>
-        </p:txBody>
-      </p:sp>
-    </p:spTree>
-    <p:extLst>
-      <p:ext uri="{BB962C8B-B14F-4D97-AF65-F5344CB8AC3E}">
-        <p14:creationId xmlns:p14="http://schemas.microsoft.com/office/powerpoint/2010/main" val="128014960"/>
-      </p:ext>
-    </p:extLst>
-  </p:cSld>
-  <p:clrMapOvr>
-    <a:masterClrMapping/>
-  </p:clrMapOvr>
-  <mc:AlternateContent xmlns:mc="http://schemas.openxmlformats.org/markup-compatibility/2006" xmlns:p159="http://schemas.microsoft.com/office/powerpoint/2015/09/main">
-    <mc:Choice Requires="p159">
-      <p:transition xmlns:p14="http://schemas.microsoft.com/office/powerpoint/2010/main" spd="slow" p14:dur="2000">
-        <p159:morph option="byObject"/>
-      </p:transition>
-    </mc:Choice>
-    <mc:Fallback xmlns="">
-      <p:transition spd="slow">
-        <p:fade/>
-      </p:transition>
-    </mc:Fallback>
-  </mc:AlternateContent>
-</p:sld>
-</file>
-
-<file path=ppt/slides/slide40.xml><?xml version="1.0" encoding="utf-8"?>
+<file path=ppt/slides/slide42.xml><?xml version="1.0" encoding="utf-8"?>
 <p:sld xmlns:a="http://schemas.openxmlformats.org/drawingml/2006/main" xmlns:r="http://schemas.openxmlformats.org/officeDocument/2006/relationships" xmlns:p="http://schemas.openxmlformats.org/presentationml/2006/main">
   <p:cSld>
     <p:spTree>
@@ -22369,7 +22822,7 @@
 </p:sld>
 </file>
 
-<file path=ppt/slides/slide41.xml><?xml version="1.0" encoding="utf-8"?>
+<file path=ppt/slides/slide43.xml><?xml version="1.0" encoding="utf-8"?>
 <p:sld xmlns:a="http://schemas.openxmlformats.org/drawingml/2006/main" xmlns:r="http://schemas.openxmlformats.org/officeDocument/2006/relationships" xmlns:p="http://schemas.openxmlformats.org/presentationml/2006/main">
   <p:cSld>
     <p:spTree>
@@ -22506,249 +22959,6 @@
 </p:sld>
 </file>
 
-<file path=ppt/slides/slide42.xml><?xml version="1.0" encoding="utf-8"?>
-<p:sld xmlns:a="http://schemas.openxmlformats.org/drawingml/2006/main" xmlns:r="http://schemas.openxmlformats.org/officeDocument/2006/relationships" xmlns:p="http://schemas.openxmlformats.org/presentationml/2006/main">
-  <p:cSld>
-    <p:spTree>
-      <p:nvGrpSpPr>
-        <p:cNvPr id="1" name=""/>
-        <p:cNvGrpSpPr/>
-        <p:nvPr/>
-      </p:nvGrpSpPr>
-      <p:grpSpPr>
-        <a:xfrm>
-          <a:off x="0" y="0"/>
-          <a:ext cx="0" cy="0"/>
-          <a:chOff x="0" y="0"/>
-          <a:chExt cx="0" cy="0"/>
-        </a:xfrm>
-      </p:grpSpPr>
-      <p:sp>
-        <p:nvSpPr>
-          <p:cNvPr id="2" name="Title 1">
-            <a:extLst>
-              <a:ext uri="{FF2B5EF4-FFF2-40B4-BE49-F238E27FC236}">
-                <a16:creationId xmlns:a16="http://schemas.microsoft.com/office/drawing/2014/main" id="{7DCAA898-ADE5-786B-3AB0-E918D836E358}"/>
-              </a:ext>
-            </a:extLst>
-          </p:cNvPr>
-          <p:cNvSpPr>
-            <a:spLocks noGrp="1"/>
-          </p:cNvSpPr>
-          <p:nvPr>
-            <p:ph type="title"/>
-          </p:nvPr>
-        </p:nvSpPr>
-        <p:spPr/>
-        <p:txBody>
-          <a:bodyPr/>
-          <a:lstStyle/>
-          <a:p>
-            <a:r>
-              <a:rPr lang="en-CH"/>
-              <a:t>An online resource</a:t>
-            </a:r>
-          </a:p>
-        </p:txBody>
-      </p:sp>
-      <p:sp>
-        <p:nvSpPr>
-          <p:cNvPr id="3" name="Content Placeholder 2">
-            <a:extLst>
-              <a:ext uri="{FF2B5EF4-FFF2-40B4-BE49-F238E27FC236}">
-                <a16:creationId xmlns:a16="http://schemas.microsoft.com/office/drawing/2014/main" id="{5EEE9A1C-8FEE-70D4-3B5C-BF48DE09BBF9}"/>
-              </a:ext>
-            </a:extLst>
-          </p:cNvPr>
-          <p:cNvSpPr>
-            <a:spLocks noGrp="1"/>
-          </p:cNvSpPr>
-          <p:nvPr>
-            <p:ph idx="1"/>
-          </p:nvPr>
-        </p:nvSpPr>
-        <p:spPr>
-          <a:xfrm>
-            <a:off x="628650" y="1698171"/>
-            <a:ext cx="7886700" cy="2934552"/>
-          </a:xfrm>
-        </p:spPr>
-        <p:txBody>
-          <a:bodyPr/>
-          <a:lstStyle/>
-          <a:p>
-            <a:pPr marL="0" indent="0">
-              <a:buNone/>
-            </a:pPr>
-            <a:r>
-              <a:rPr lang="en-CH"/>
-              <a:t>Nice online course</a:t>
-            </a:r>
-          </a:p>
-          <a:p>
-            <a:pPr marL="0" indent="0">
-              <a:buNone/>
-            </a:pPr>
-            <a:endParaRPr lang="en-CH"/>
-          </a:p>
-          <a:p>
-            <a:pPr marL="0" indent="0">
-              <a:buNone/>
-            </a:pPr>
-            <a:r>
-              <a:rPr lang="en-GB">
-                <a:hlinkClick r:id="rId2"/>
-              </a:rPr>
-              <a:t>https://inria.github.io/scikit-learn-mooc/index.html</a:t>
-            </a:r>
-            <a:r>
-              <a:rPr lang="en-GB"/>
-              <a:t> </a:t>
-            </a:r>
-            <a:endParaRPr lang="en-CH"/>
-          </a:p>
-        </p:txBody>
-      </p:sp>
-    </p:spTree>
-    <p:extLst>
-      <p:ext uri="{BB962C8B-B14F-4D97-AF65-F5344CB8AC3E}">
-        <p14:creationId xmlns:p14="http://schemas.microsoft.com/office/powerpoint/2010/main" val="1868986357"/>
-      </p:ext>
-    </p:extLst>
-  </p:cSld>
-  <p:clrMapOvr>
-    <a:masterClrMapping/>
-  </p:clrMapOvr>
-</p:sld>
-</file>
-
-<file path=ppt/slides/slide43.xml><?xml version="1.0" encoding="utf-8"?>
-<p:sld xmlns:a="http://schemas.openxmlformats.org/drawingml/2006/main" xmlns:r="http://schemas.openxmlformats.org/officeDocument/2006/relationships" xmlns:p="http://schemas.openxmlformats.org/presentationml/2006/main">
-  <p:cSld>
-    <p:spTree>
-      <p:nvGrpSpPr>
-        <p:cNvPr id="1" name=""/>
-        <p:cNvGrpSpPr/>
-        <p:nvPr/>
-      </p:nvGrpSpPr>
-      <p:grpSpPr>
-        <a:xfrm>
-          <a:off x="0" y="0"/>
-          <a:ext cx="0" cy="0"/>
-          <a:chOff x="0" y="0"/>
-          <a:chExt cx="0" cy="0"/>
-        </a:xfrm>
-      </p:grpSpPr>
-      <p:sp>
-        <p:nvSpPr>
-          <p:cNvPr id="2" name="Title 1">
-            <a:extLst>
-              <a:ext uri="{FF2B5EF4-FFF2-40B4-BE49-F238E27FC236}">
-                <a16:creationId xmlns:a16="http://schemas.microsoft.com/office/drawing/2014/main" id="{D9CF36FC-C33C-0CB1-3484-D5E35894DE9F}"/>
-              </a:ext>
-            </a:extLst>
-          </p:cNvPr>
-          <p:cNvSpPr>
-            <a:spLocks noGrp="1"/>
-          </p:cNvSpPr>
-          <p:nvPr>
-            <p:ph type="title"/>
-          </p:nvPr>
-        </p:nvSpPr>
-        <p:spPr/>
-        <p:txBody>
-          <a:bodyPr/>
-          <a:lstStyle/>
-          <a:p>
-            <a:r>
-              <a:rPr lang="en-CH"/>
-              <a:t>Advantages of scikit-learn</a:t>
-            </a:r>
-          </a:p>
-        </p:txBody>
-      </p:sp>
-      <p:sp>
-        <p:nvSpPr>
-          <p:cNvPr id="3" name="Content Placeholder 2">
-            <a:extLst>
-              <a:ext uri="{FF2B5EF4-FFF2-40B4-BE49-F238E27FC236}">
-                <a16:creationId xmlns:a16="http://schemas.microsoft.com/office/drawing/2014/main" id="{A05611B5-42FC-B7FB-76DC-23852C0C1669}"/>
-              </a:ext>
-            </a:extLst>
-          </p:cNvPr>
-          <p:cNvSpPr>
-            <a:spLocks noGrp="1"/>
-          </p:cNvSpPr>
-          <p:nvPr>
-            <p:ph idx="1"/>
-          </p:nvPr>
-        </p:nvSpPr>
-        <p:spPr>
-          <a:xfrm>
-            <a:off x="628650" y="1643169"/>
-            <a:ext cx="7886700" cy="2989553"/>
-          </a:xfrm>
-        </p:spPr>
-        <p:txBody>
-          <a:bodyPr/>
-          <a:lstStyle/>
-          <a:p>
-            <a:r>
-              <a:rPr lang="en-CH"/>
-              <a:t>Scikit-learn covers all parts of a machine learning pipeline (except for neural networks)</a:t>
-            </a:r>
-          </a:p>
-          <a:p>
-            <a:r>
-              <a:rPr lang="en-GB"/>
-              <a:t>S</a:t>
-            </a:r>
-            <a:r>
-              <a:rPr lang="en-CH"/>
-              <a:t>cikit-learn can be integrated and work well with other libraries (as TensorFlow)</a:t>
-            </a:r>
-          </a:p>
-          <a:p>
-            <a:r>
-              <a:rPr lang="en-CH"/>
-              <a:t>Scikit-learn has GREAT documentation that can be used in scientific publications </a:t>
-            </a:r>
-            <a:r>
-              <a:rPr lang="en-CH">
-                <a:sym typeface="Wingdings" pitchFamily="2" charset="2"/>
-              </a:rPr>
-              <a:t> Example: </a:t>
-            </a:r>
-            <a:r>
-              <a:rPr lang="en-GB">
-                <a:sym typeface="Wingdings" pitchFamily="2" charset="2"/>
-                <a:hlinkClick r:id="rId2"/>
-              </a:rPr>
-              <a:t>https://scikit-learn.org/stable/modules/linear_model.html#logistic-regression</a:t>
-            </a:r>
-            <a:r>
-              <a:rPr lang="en-GB">
-                <a:sym typeface="Wingdings" pitchFamily="2" charset="2"/>
-              </a:rPr>
-              <a:t> </a:t>
-            </a:r>
-            <a:endParaRPr lang="en-CH"/>
-          </a:p>
-        </p:txBody>
-      </p:sp>
-    </p:spTree>
-    <p:extLst>
-      <p:ext uri="{BB962C8B-B14F-4D97-AF65-F5344CB8AC3E}">
-        <p14:creationId xmlns:p14="http://schemas.microsoft.com/office/powerpoint/2010/main" val="2049890017"/>
-      </p:ext>
-    </p:extLst>
-  </p:cSld>
-  <p:clrMapOvr>
-    <a:masterClrMapping/>
-  </p:clrMapOvr>
-</p:sld>
-</file>
-
 <file path=ppt/slides/slide44.xml><?xml version="1.0" encoding="utf-8"?>
 <p:sld xmlns:a="http://schemas.openxmlformats.org/drawingml/2006/main" xmlns:r="http://schemas.openxmlformats.org/officeDocument/2006/relationships" xmlns:p="http://schemas.openxmlformats.org/presentationml/2006/main">
   <p:cSld>
@@ -22771,7 +22981,7 @@
           <p:cNvPr id="2" name="Title 1">
             <a:extLst>
               <a:ext uri="{FF2B5EF4-FFF2-40B4-BE49-F238E27FC236}">
-                <a16:creationId xmlns:a16="http://schemas.microsoft.com/office/drawing/2014/main" id="{3D5DD1EC-AAA1-5DAA-B455-CA266EBB46C3}"/>
+                <a16:creationId xmlns:a16="http://schemas.microsoft.com/office/drawing/2014/main" id="{7DCAA898-ADE5-786B-3AB0-E918D836E358}"/>
               </a:ext>
             </a:extLst>
           </p:cNvPr>
@@ -22788,20 +22998,74 @@
           <a:lstStyle/>
           <a:p>
             <a:r>
+              <a:rPr lang="en-CH"/>
+              <a:t>An online resource</a:t>
+            </a:r>
+          </a:p>
+        </p:txBody>
+      </p:sp>
+      <p:sp>
+        <p:nvSpPr>
+          <p:cNvPr id="3" name="Content Placeholder 2">
+            <a:extLst>
+              <a:ext uri="{FF2B5EF4-FFF2-40B4-BE49-F238E27FC236}">
+                <a16:creationId xmlns:a16="http://schemas.microsoft.com/office/drawing/2014/main" id="{5EEE9A1C-8FEE-70D4-3B5C-BF48DE09BBF9}"/>
+              </a:ext>
+            </a:extLst>
+          </p:cNvPr>
+          <p:cNvSpPr>
+            <a:spLocks noGrp="1"/>
+          </p:cNvSpPr>
+          <p:nvPr>
+            <p:ph idx="1"/>
+          </p:nvPr>
+        </p:nvSpPr>
+        <p:spPr>
+          <a:xfrm>
+            <a:off x="628650" y="1698171"/>
+            <a:ext cx="7886700" cy="2934552"/>
+          </a:xfrm>
+        </p:spPr>
+        <p:txBody>
+          <a:bodyPr/>
+          <a:lstStyle/>
+          <a:p>
+            <a:pPr marL="0" indent="0">
+              <a:buNone/>
+            </a:pPr>
+            <a:r>
+              <a:rPr lang="en-CH"/>
+              <a:t>Nice online course</a:t>
+            </a:r>
+          </a:p>
+          <a:p>
+            <a:pPr marL="0" indent="0">
+              <a:buNone/>
+            </a:pPr>
+            <a:endParaRPr lang="en-CH"/>
+          </a:p>
+          <a:p>
+            <a:pPr marL="0" indent="0">
+              <a:buNone/>
+            </a:pPr>
+            <a:r>
+              <a:rPr lang="en-GB">
+                <a:hlinkClick r:id="rId2"/>
+              </a:rPr>
+              <a:t>https://inria.github.io/scikit-learn-mooc/index.html</a:t>
+            </a:r>
+            <a:r>
               <a:rPr lang="en-GB"/>
-              <a:t>S</a:t>
-            </a:r>
-            <a:r>
-              <a:rPr lang="en-CH"/>
-              <a:t>cikit-learn hands-on</a:t>
-            </a:r>
+              <a:t> </a:t>
+            </a:r>
+            <a:endParaRPr lang="en-CH"/>
           </a:p>
         </p:txBody>
       </p:sp>
     </p:spTree>
     <p:extLst>
       <p:ext uri="{BB962C8B-B14F-4D97-AF65-F5344CB8AC3E}">
-        <p14:creationId xmlns:p14="http://schemas.microsoft.com/office/powerpoint/2010/main" val="2093818250"/>
+        <p14:creationId xmlns:p14="http://schemas.microsoft.com/office/powerpoint/2010/main" val="1868986357"/>
       </p:ext>
     </p:extLst>
   </p:cSld>
@@ -22833,7 +23097,7 @@
           <p:cNvPr id="2" name="Title 1">
             <a:extLst>
               <a:ext uri="{FF2B5EF4-FFF2-40B4-BE49-F238E27FC236}">
-                <a16:creationId xmlns:a16="http://schemas.microsoft.com/office/drawing/2014/main" id="{DB593303-A13B-6651-B22A-A2CE7BE853DD}"/>
+                <a16:creationId xmlns:a16="http://schemas.microsoft.com/office/drawing/2014/main" id="{D9CF36FC-C33C-0CB1-3484-D5E35894DE9F}"/>
               </a:ext>
             </a:extLst>
           </p:cNvPr>
@@ -22851,7 +23115,7 @@
           <a:p>
             <a:r>
               <a:rPr lang="en-CH"/>
-              <a:t>Some best practices</a:t>
+              <a:t>Advantages of scikit-learn</a:t>
             </a:r>
           </a:p>
         </p:txBody>
@@ -22861,7 +23125,7 @@
           <p:cNvPr id="3" name="Content Placeholder 2">
             <a:extLst>
               <a:ext uri="{FF2B5EF4-FFF2-40B4-BE49-F238E27FC236}">
-                <a16:creationId xmlns:a16="http://schemas.microsoft.com/office/drawing/2014/main" id="{8438C190-DF45-8017-0829-34CA2F5A8D83}"/>
+                <a16:creationId xmlns:a16="http://schemas.microsoft.com/office/drawing/2014/main" id="{A05611B5-42FC-B7FB-76DC-23852C0C1669}"/>
               </a:ext>
             </a:extLst>
           </p:cNvPr>
@@ -22872,44 +23136,63 @@
             <p:ph idx="1"/>
           </p:nvPr>
         </p:nvSpPr>
-        <p:spPr/>
+        <p:spPr>
+          <a:xfrm>
+            <a:off x="628650" y="1643169"/>
+            <a:ext cx="7886700" cy="2989553"/>
+          </a:xfrm>
+        </p:spPr>
         <p:txBody>
           <a:bodyPr/>
           <a:lstStyle/>
           <a:p>
             <a:r>
               <a:rPr lang="en-CH"/>
-              <a:t>Write functions only if you really need to re-use them</a:t>
-            </a:r>
-          </a:p>
-          <a:p>
+              <a:t>Scikit-learn covers all parts of a machine learning pipeline (except for neural networks)</a:t>
+            </a:r>
+          </a:p>
+          <a:p>
+            <a:r>
+              <a:rPr lang="en-GB"/>
+              <a:t>S</a:t>
+            </a:r>
             <a:r>
               <a:rPr lang="en-CH"/>
-              <a:t>Write a piece of code for </a:t>
-            </a:r>
-            <a:r>
-              <a:rPr lang="en-CH" b="1" u="sng"/>
-              <a:t>each</a:t>
-            </a:r>
+              <a:t>cikit-learn can be integrated and work well with other libraries (as TensorFlow)</a:t>
+            </a:r>
+          </a:p>
+          <a:p>
             <a:r>
               <a:rPr lang="en-CH"/>
-              <a:t> experiment you perform. Do not modify existing code and note the results! Each experiments must be reproducible and documented (what happens after 6 months? Will you remember all details? </a:t>
-            </a:r>
-            <a:r>
-              <a:rPr lang="en-GB"/>
-              <a:t>A</a:t>
-            </a:r>
-            <a:r>
-              <a:rPr lang="en-CH"/>
-              <a:t>ll parameters?)</a:t>
-            </a:r>
+              <a:t>Scikit-learn has GREAT documentation that can be used in scientific publications </a:t>
+            </a:r>
+            <a:r>
+              <a:rPr lang="en-CH">
+                <a:sym typeface="Wingdings" pitchFamily="2" charset="2"/>
+              </a:rPr>
+              <a:t> Example: </a:t>
+            </a:r>
+            <a:r>
+              <a:rPr lang="en-GB">
+                <a:sym typeface="Wingdings" pitchFamily="2" charset="2"/>
+                <a:hlinkClick r:id="rId2"/>
+              </a:rPr>
+              <a:t>https://scikit-learn.org/stable/modules/linear_model.html#logistic-regression</a:t>
+            </a:r>
+            <a:r>
+              <a:rPr lang="en-GB">
+                <a:sym typeface="Wingdings" pitchFamily="2" charset="2"/>
+              </a:rPr>
+              <a:t> </a:t>
+            </a:r>
+            <a:endParaRPr lang="en-CH"/>
           </a:p>
         </p:txBody>
       </p:sp>
     </p:spTree>
     <p:extLst>
       <p:ext uri="{BB962C8B-B14F-4D97-AF65-F5344CB8AC3E}">
-        <p14:creationId xmlns:p14="http://schemas.microsoft.com/office/powerpoint/2010/main" val="3435977449"/>
+        <p14:creationId xmlns:p14="http://schemas.microsoft.com/office/powerpoint/2010/main" val="2049890017"/>
       </p:ext>
     </p:extLst>
   </p:cSld>
@@ -22941,7 +23224,7 @@
           <p:cNvPr id="2" name="Title 1">
             <a:extLst>
               <a:ext uri="{FF2B5EF4-FFF2-40B4-BE49-F238E27FC236}">
-                <a16:creationId xmlns:a16="http://schemas.microsoft.com/office/drawing/2014/main" id="{082C0C09-969B-2F64-C262-889B52837A97}"/>
+                <a16:creationId xmlns:a16="http://schemas.microsoft.com/office/drawing/2014/main" id="{A1DF285E-7383-D401-93CB-FFF9D46F2537}"/>
               </a:ext>
             </a:extLst>
           </p:cNvPr>
@@ -22958,18 +23241,18 @@
           <a:lstStyle/>
           <a:p>
             <a:r>
-              <a:rPr lang="en-CH"/>
-              <a:t>Related topics remarks </a:t>
+              <a:rPr lang="en-CH" dirty="0"/>
+              <a:t>Best Practices</a:t>
             </a:r>
           </a:p>
         </p:txBody>
       </p:sp>
       <p:sp>
         <p:nvSpPr>
-          <p:cNvPr id="3" name="Content Placeholder 2">
-            <a:extLst>
-              <a:ext uri="{FF2B5EF4-FFF2-40B4-BE49-F238E27FC236}">
-                <a16:creationId xmlns:a16="http://schemas.microsoft.com/office/drawing/2014/main" id="{5C2826F4-7C18-2376-334F-AA46F703B594}"/>
+          <p:cNvPr id="3" name="Text Placeholder 2">
+            <a:extLst>
+              <a:ext uri="{FF2B5EF4-FFF2-40B4-BE49-F238E27FC236}">
+                <a16:creationId xmlns:a16="http://schemas.microsoft.com/office/drawing/2014/main" id="{267F0AA6-DAB3-EEE7-7EA1-1BE8935148BA}"/>
               </a:ext>
             </a:extLst>
           </p:cNvPr>
@@ -22977,7 +23260,7 @@
             <a:spLocks noGrp="1"/>
           </p:cNvSpPr>
           <p:nvPr>
-            <p:ph idx="1"/>
+            <p:ph type="body" idx="1"/>
           </p:nvPr>
         </p:nvSpPr>
         <p:spPr/>
@@ -22986,39 +23269,16 @@
           <a:lstStyle/>
           <a:p>
             <a:r>
-              <a:rPr lang="en-GB"/>
-              <a:t>It is important to understand algorithms. Operations, especially in deep learning, are repeated millions of times </a:t>
-            </a:r>
-            <a:r>
-              <a:rPr lang="en-GB">
-                <a:sym typeface="Wingdings" pitchFamily="2" charset="2"/>
-              </a:rPr>
-              <a:t> thus saving time in each iteration is very important.</a:t>
-            </a:r>
-          </a:p>
-          <a:p>
-            <a:r>
-              <a:rPr lang="en-GB">
-                <a:sym typeface="Wingdings" pitchFamily="2" charset="2"/>
-              </a:rPr>
-              <a:t>Bad programming will have a huge impact on your code in terms of performance and stability. </a:t>
-            </a:r>
-          </a:p>
-          <a:p>
-            <a:r>
-              <a:rPr lang="en-GB">
-                <a:sym typeface="Wingdings" pitchFamily="2" charset="2"/>
-              </a:rPr>
-              <a:t>Over-engineering is always a bad idea. Your code must be as simple as possible and as complex as necessary  it is easy to loos control of what your code does. </a:t>
-            </a:r>
-            <a:endParaRPr lang="en-CH"/>
+              <a:rPr lang="en-CH" dirty="0"/>
+              <a:t>No really, try to do things right.</a:t>
+            </a:r>
           </a:p>
         </p:txBody>
       </p:sp>
     </p:spTree>
     <p:extLst>
       <p:ext uri="{BB962C8B-B14F-4D97-AF65-F5344CB8AC3E}">
-        <p14:creationId xmlns:p14="http://schemas.microsoft.com/office/powerpoint/2010/main" val="3436984283"/>
+        <p14:creationId xmlns:p14="http://schemas.microsoft.com/office/powerpoint/2010/main" val="437642223"/>
       </p:ext>
     </p:extLst>
   </p:cSld>
@@ -23050,7 +23310,7 @@
           <p:cNvPr id="2" name="Title 1">
             <a:extLst>
               <a:ext uri="{FF2B5EF4-FFF2-40B4-BE49-F238E27FC236}">
-                <a16:creationId xmlns:a16="http://schemas.microsoft.com/office/drawing/2014/main" id="{6A305D43-587E-2D7F-BFEF-A2108DF6554F}"/>
+                <a16:creationId xmlns:a16="http://schemas.microsoft.com/office/drawing/2014/main" id="{DB593303-A13B-6651-B22A-A2CE7BE853DD}"/>
               </a:ext>
             </a:extLst>
           </p:cNvPr>
@@ -23068,7 +23328,7 @@
           <a:p>
             <a:r>
               <a:rPr lang="en-CH"/>
-              <a:t>Mentioning code in papers</a:t>
+              <a:t>Some best practices</a:t>
             </a:r>
           </a:p>
         </p:txBody>
@@ -23078,7 +23338,7 @@
           <p:cNvPr id="3" name="Content Placeholder 2">
             <a:extLst>
               <a:ext uri="{FF2B5EF4-FFF2-40B4-BE49-F238E27FC236}">
-                <a16:creationId xmlns:a16="http://schemas.microsoft.com/office/drawing/2014/main" id="{1E06C73C-671B-C6A2-B0EF-55A4AF2A94A9}"/>
+                <a16:creationId xmlns:a16="http://schemas.microsoft.com/office/drawing/2014/main" id="{8438C190-DF45-8017-0829-34CA2F5A8D83}"/>
               </a:ext>
             </a:extLst>
           </p:cNvPr>
@@ -23095,29 +23355,228 @@
           <a:lstStyle/>
           <a:p>
             <a:r>
-              <a:rPr lang="en-CH"/>
-              <a:t>When writing a scientific paper it is NOT acceptable to simply say (for example): “To train the model we have used the function XXXXX from scikit-learn (or from matlab)”. </a:t>
-            </a:r>
-          </a:p>
-          <a:p>
-            <a:r>
-              <a:rPr lang="en-CH"/>
-              <a:t>You have to describe all steps that the funtions is going through. Your description must be so precise, that someone could re-implement everything in a different programming language. </a:t>
-            </a:r>
-            <a:r>
-              <a:rPr lang="en-CH">
-                <a:sym typeface="Wingdings" pitchFamily="2" charset="2"/>
-              </a:rPr>
-              <a:t> This is why the scikit-learn technical documentation is so important.</a:t>
-            </a:r>
-            <a:endParaRPr lang="en-CH"/>
+              <a:rPr lang="en-CH" dirty="0"/>
+              <a:t>Write functions only if you really need to re-use them (and as few as possible) (really!)</a:t>
+            </a:r>
+          </a:p>
+          <a:p>
+            <a:r>
+              <a:rPr lang="en-CH" dirty="0"/>
+              <a:t>Write a piece of code for </a:t>
+            </a:r>
+            <a:r>
+              <a:rPr lang="en-CH" b="1" u="sng" dirty="0"/>
+              <a:t>each</a:t>
+            </a:r>
+            <a:r>
+              <a:rPr lang="en-CH" dirty="0"/>
+              <a:t> experiment you perform. Do not modify existing code and note the results! Each experiments must be reproducible and documented (what happens after 6 months? Will you remember all details? </a:t>
+            </a:r>
+            <a:r>
+              <a:rPr lang="en-GB" dirty="0"/>
+              <a:t>A</a:t>
+            </a:r>
+            <a:r>
+              <a:rPr lang="en-CH" dirty="0"/>
+              <a:t>ll parameters?)</a:t>
+            </a:r>
+          </a:p>
+          <a:p>
+            <a:r>
+              <a:rPr lang="en-CH" dirty="0"/>
+              <a:t>Save all resulits/models</a:t>
+            </a:r>
           </a:p>
         </p:txBody>
       </p:sp>
     </p:spTree>
     <p:extLst>
       <p:ext uri="{BB962C8B-B14F-4D97-AF65-F5344CB8AC3E}">
-        <p14:creationId xmlns:p14="http://schemas.microsoft.com/office/powerpoint/2010/main" val="3042643051"/>
+        <p14:creationId xmlns:p14="http://schemas.microsoft.com/office/powerpoint/2010/main" val="3435977449"/>
+      </p:ext>
+    </p:extLst>
+  </p:cSld>
+  <p:clrMapOvr>
+    <a:masterClrMapping/>
+  </p:clrMapOvr>
+</p:sld>
+</file>
+
+<file path=ppt/slides/slide48.xml><?xml version="1.0" encoding="utf-8"?>
+<p:sld xmlns:a="http://schemas.openxmlformats.org/drawingml/2006/main" xmlns:r="http://schemas.openxmlformats.org/officeDocument/2006/relationships" xmlns:p="http://schemas.openxmlformats.org/presentationml/2006/main">
+  <p:cSld>
+    <p:spTree>
+      <p:nvGrpSpPr>
+        <p:cNvPr id="1" name=""/>
+        <p:cNvGrpSpPr/>
+        <p:nvPr/>
+      </p:nvGrpSpPr>
+      <p:grpSpPr>
+        <a:xfrm>
+          <a:off x="0" y="0"/>
+          <a:ext cx="0" cy="0"/>
+          <a:chOff x="0" y="0"/>
+          <a:chExt cx="0" cy="0"/>
+        </a:xfrm>
+      </p:grpSpPr>
+      <p:pic>
+        <p:nvPicPr>
+          <p:cNvPr id="2" name="Picture 1">
+            <a:extLst>
+              <a:ext uri="{FF2B5EF4-FFF2-40B4-BE49-F238E27FC236}">
+                <a16:creationId xmlns:a16="http://schemas.microsoft.com/office/drawing/2014/main" id="{BECED3BA-4248-0EA4-653F-6D39FF2F9B9A}"/>
+              </a:ext>
+            </a:extLst>
+          </p:cNvPr>
+          <p:cNvPicPr>
+            <a:picLocks noChangeAspect="1"/>
+          </p:cNvPicPr>
+          <p:nvPr/>
+        </p:nvPicPr>
+        <p:blipFill>
+          <a:blip r:embed="rId2"/>
+          <a:stretch>
+            <a:fillRect/>
+          </a:stretch>
+        </p:blipFill>
+        <p:spPr>
+          <a:xfrm>
+            <a:off x="2118647" y="1447800"/>
+            <a:ext cx="4906706" cy="2247900"/>
+          </a:xfrm>
+          <a:prstGeom prst="rect">
+            <a:avLst/>
+          </a:prstGeom>
+        </p:spPr>
+      </p:pic>
+    </p:spTree>
+    <p:extLst>
+      <p:ext uri="{BB962C8B-B14F-4D97-AF65-F5344CB8AC3E}">
+        <p14:creationId xmlns:p14="http://schemas.microsoft.com/office/powerpoint/2010/main" val="3071964966"/>
+      </p:ext>
+    </p:extLst>
+  </p:cSld>
+  <p:clrMapOvr>
+    <a:masterClrMapping/>
+  </p:clrMapOvr>
+</p:sld>
+</file>
+
+<file path=ppt/slides/slide49.xml><?xml version="1.0" encoding="utf-8"?>
+<p:sld xmlns:a="http://schemas.openxmlformats.org/drawingml/2006/main" xmlns:r="http://schemas.openxmlformats.org/officeDocument/2006/relationships" xmlns:p="http://schemas.openxmlformats.org/presentationml/2006/main">
+  <p:cSld>
+    <p:spTree>
+      <p:nvGrpSpPr>
+        <p:cNvPr id="1" name=""/>
+        <p:cNvGrpSpPr/>
+        <p:nvPr/>
+      </p:nvGrpSpPr>
+      <p:grpSpPr>
+        <a:xfrm>
+          <a:off x="0" y="0"/>
+          <a:ext cx="0" cy="0"/>
+          <a:chOff x="0" y="0"/>
+          <a:chExt cx="0" cy="0"/>
+        </a:xfrm>
+      </p:grpSpPr>
+      <p:sp>
+        <p:nvSpPr>
+          <p:cNvPr id="2" name="Title 1">
+            <a:extLst>
+              <a:ext uri="{FF2B5EF4-FFF2-40B4-BE49-F238E27FC236}">
+                <a16:creationId xmlns:a16="http://schemas.microsoft.com/office/drawing/2014/main" id="{082C0C09-969B-2F64-C262-889B52837A97}"/>
+              </a:ext>
+            </a:extLst>
+          </p:cNvPr>
+          <p:cNvSpPr>
+            <a:spLocks noGrp="1"/>
+          </p:cNvSpPr>
+          <p:nvPr>
+            <p:ph type="title"/>
+          </p:nvPr>
+        </p:nvSpPr>
+        <p:spPr>
+          <a:xfrm>
+            <a:off x="237952" y="149153"/>
+            <a:ext cx="7886700" cy="549116"/>
+          </a:xfrm>
+        </p:spPr>
+        <p:txBody>
+          <a:bodyPr/>
+          <a:lstStyle/>
+          <a:p>
+            <a:r>
+              <a:rPr lang="en-CH" dirty="0"/>
+              <a:t>Related topics remarks </a:t>
+            </a:r>
+          </a:p>
+        </p:txBody>
+      </p:sp>
+      <p:sp>
+        <p:nvSpPr>
+          <p:cNvPr id="3" name="Content Placeholder 2">
+            <a:extLst>
+              <a:ext uri="{FF2B5EF4-FFF2-40B4-BE49-F238E27FC236}">
+                <a16:creationId xmlns:a16="http://schemas.microsoft.com/office/drawing/2014/main" id="{5C2826F4-7C18-2376-334F-AA46F703B594}"/>
+              </a:ext>
+            </a:extLst>
+          </p:cNvPr>
+          <p:cNvSpPr>
+            <a:spLocks noGrp="1"/>
+          </p:cNvSpPr>
+          <p:nvPr>
+            <p:ph idx="1"/>
+          </p:nvPr>
+        </p:nvSpPr>
+        <p:spPr>
+          <a:xfrm>
+            <a:off x="628650" y="997528"/>
+            <a:ext cx="7886700" cy="3872128"/>
+          </a:xfrm>
+        </p:spPr>
+        <p:txBody>
+          <a:bodyPr>
+            <a:normAutofit/>
+          </a:bodyPr>
+          <a:lstStyle/>
+          <a:p>
+            <a:r>
+              <a:rPr lang="en-GB" dirty="0"/>
+              <a:t>It is important to understand algorithms. Operations, especially in deep learning, are repeated millions of times </a:t>
+            </a:r>
+            <a:r>
+              <a:rPr lang="en-GB" dirty="0">
+                <a:sym typeface="Wingdings" pitchFamily="2" charset="2"/>
+              </a:rPr>
+              <a:t> thus saving time in each iteration is very important.</a:t>
+            </a:r>
+          </a:p>
+          <a:p>
+            <a:r>
+              <a:rPr lang="en-GB" dirty="0">
+                <a:sym typeface="Wingdings" pitchFamily="2" charset="2"/>
+              </a:rPr>
+              <a:t>Bad programming will have a huge impact on your code in terms of performance and stability. </a:t>
+            </a:r>
+          </a:p>
+          <a:p>
+            <a:pPr marL="0" indent="0" algn="ctr">
+              <a:buNone/>
+            </a:pPr>
+            <a:r>
+              <a:rPr lang="en-GB" sz="2800" b="1" dirty="0">
+                <a:sym typeface="Wingdings" pitchFamily="2" charset="2"/>
+              </a:rPr>
+              <a:t>Over-engineering is always a bad idea. Your code must be as simple as possible and as complex as necessary  it is easy to loose control of what your code does. </a:t>
+            </a:r>
+            <a:endParaRPr lang="en-CH" sz="2800" b="1" dirty="0"/>
+          </a:p>
+        </p:txBody>
+      </p:sp>
+    </p:spTree>
+    <p:extLst>
+      <p:ext uri="{BB962C8B-B14F-4D97-AF65-F5344CB8AC3E}">
+        <p14:creationId xmlns:p14="http://schemas.microsoft.com/office/powerpoint/2010/main" val="3436984283"/>
       </p:ext>
     </p:extLst>
   </p:cSld>
@@ -23257,6 +23716,121 @@
     <p:extLst>
       <p:ext uri="{BB962C8B-B14F-4D97-AF65-F5344CB8AC3E}">
         <p14:creationId xmlns:p14="http://schemas.microsoft.com/office/powerpoint/2010/main" val="939662535"/>
+      </p:ext>
+    </p:extLst>
+  </p:cSld>
+  <p:clrMapOvr>
+    <a:masterClrMapping/>
+  </p:clrMapOvr>
+</p:sld>
+</file>
+
+<file path=ppt/slides/slide50.xml><?xml version="1.0" encoding="utf-8"?>
+<p:sld xmlns:a="http://schemas.openxmlformats.org/drawingml/2006/main" xmlns:r="http://schemas.openxmlformats.org/officeDocument/2006/relationships" xmlns:p="http://schemas.openxmlformats.org/presentationml/2006/main">
+  <p:cSld>
+    <p:spTree>
+      <p:nvGrpSpPr>
+        <p:cNvPr id="1" name=""/>
+        <p:cNvGrpSpPr/>
+        <p:nvPr/>
+      </p:nvGrpSpPr>
+      <p:grpSpPr>
+        <a:xfrm>
+          <a:off x="0" y="0"/>
+          <a:ext cx="0" cy="0"/>
+          <a:chOff x="0" y="0"/>
+          <a:chExt cx="0" cy="0"/>
+        </a:xfrm>
+      </p:grpSpPr>
+      <p:sp>
+        <p:nvSpPr>
+          <p:cNvPr id="2" name="Title 1">
+            <a:extLst>
+              <a:ext uri="{FF2B5EF4-FFF2-40B4-BE49-F238E27FC236}">
+                <a16:creationId xmlns:a16="http://schemas.microsoft.com/office/drawing/2014/main" id="{6A305D43-587E-2D7F-BFEF-A2108DF6554F}"/>
+              </a:ext>
+            </a:extLst>
+          </p:cNvPr>
+          <p:cNvSpPr>
+            <a:spLocks noGrp="1"/>
+          </p:cNvSpPr>
+          <p:nvPr>
+            <p:ph type="title"/>
+          </p:nvPr>
+        </p:nvSpPr>
+        <p:spPr/>
+        <p:txBody>
+          <a:bodyPr/>
+          <a:lstStyle/>
+          <a:p>
+            <a:r>
+              <a:rPr lang="en-CH"/>
+              <a:t>Mentioning code in papers</a:t>
+            </a:r>
+          </a:p>
+        </p:txBody>
+      </p:sp>
+      <p:sp>
+        <p:nvSpPr>
+          <p:cNvPr id="3" name="Content Placeholder 2">
+            <a:extLst>
+              <a:ext uri="{FF2B5EF4-FFF2-40B4-BE49-F238E27FC236}">
+                <a16:creationId xmlns:a16="http://schemas.microsoft.com/office/drawing/2014/main" id="{1E06C73C-671B-C6A2-B0EF-55A4AF2A94A9}"/>
+              </a:ext>
+            </a:extLst>
+          </p:cNvPr>
+          <p:cNvSpPr>
+            <a:spLocks noGrp="1"/>
+          </p:cNvSpPr>
+          <p:nvPr>
+            <p:ph idx="1"/>
+          </p:nvPr>
+        </p:nvSpPr>
+        <p:spPr/>
+        <p:txBody>
+          <a:bodyPr/>
+          <a:lstStyle/>
+          <a:p>
+            <a:r>
+              <a:rPr lang="en-CH" dirty="0"/>
+              <a:t>When writing a scientific paper it is </a:t>
+            </a:r>
+            <a:r>
+              <a:rPr lang="en-CH" b="1" dirty="0"/>
+              <a:t>NOT</a:t>
+            </a:r>
+            <a:r>
+              <a:rPr lang="en-CH" dirty="0"/>
+              <a:t> </a:t>
+            </a:r>
+            <a:r>
+              <a:rPr lang="en-CH" b="1" dirty="0"/>
+              <a:t>acceptable</a:t>
+            </a:r>
+            <a:r>
+              <a:rPr lang="en-CH" dirty="0"/>
+              <a:t> to simply say (for example): “To train the model we have used the function XXXXX from scikit-learn (or from matlab)”. </a:t>
+            </a:r>
+          </a:p>
+          <a:p>
+            <a:r>
+              <a:rPr lang="en-CH" dirty="0"/>
+              <a:t>You have to describe all steps that the funtions is going through. Your description must be so precise, that someone could re-implement everything in a different programming language. </a:t>
+            </a:r>
+            <a:r>
+              <a:rPr lang="en-CH" dirty="0">
+                <a:sym typeface="Wingdings" pitchFamily="2" charset="2"/>
+              </a:rPr>
+              <a:t> This is why the scikit-learn technical documentation is so important.</a:t>
+            </a:r>
+            <a:endParaRPr lang="en-CH" dirty="0"/>
+          </a:p>
+        </p:txBody>
+      </p:sp>
+    </p:spTree>
+    <p:extLst>
+      <p:ext uri="{BB962C8B-B14F-4D97-AF65-F5344CB8AC3E}">
+        <p14:creationId xmlns:p14="http://schemas.microsoft.com/office/powerpoint/2010/main" val="3042643051"/>
       </p:ext>
     </p:extLst>
   </p:cSld>
@@ -23815,7 +24389,7 @@
           <p:cNvPr id="2" name="Title 1">
             <a:extLst>
               <a:ext uri="{FF2B5EF4-FFF2-40B4-BE49-F238E27FC236}">
-                <a16:creationId xmlns:a16="http://schemas.microsoft.com/office/drawing/2014/main" id="{DB1836CF-70A3-BA43-8887-8846CCD82A43}"/>
+                <a16:creationId xmlns:a16="http://schemas.microsoft.com/office/drawing/2014/main" id="{485744C3-B5DF-1FDE-99DC-BEFFD3C29269}"/>
               </a:ext>
             </a:extLst>
           </p:cNvPr>
@@ -23832,18 +24406,18 @@
           <a:lstStyle/>
           <a:p>
             <a:r>
-              <a:rPr lang="en-CH"/>
-              <a:t>Tools overview – the fundamental 3</a:t>
+              <a:rPr lang="en-CH" dirty="0"/>
+              <a:t>Reproducibility – Important Steps in Machine Learning</a:t>
             </a:r>
           </a:p>
         </p:txBody>
       </p:sp>
       <p:sp>
         <p:nvSpPr>
-          <p:cNvPr id="3" name="Content Placeholder 2">
-            <a:extLst>
-              <a:ext uri="{FF2B5EF4-FFF2-40B4-BE49-F238E27FC236}">
-                <a16:creationId xmlns:a16="http://schemas.microsoft.com/office/drawing/2014/main" id="{383435E9-F863-4682-16FB-C41722EE2A12}"/>
+          <p:cNvPr id="3" name="Text Placeholder 2">
+            <a:extLst>
+              <a:ext uri="{FF2B5EF4-FFF2-40B4-BE49-F238E27FC236}">
+                <a16:creationId xmlns:a16="http://schemas.microsoft.com/office/drawing/2014/main" id="{CDB3F6BE-2578-D6E4-22E8-BE85ADB61968}"/>
               </a:ext>
             </a:extLst>
           </p:cNvPr>
@@ -23851,200 +24425,25 @@
             <a:spLocks noGrp="1"/>
           </p:cNvSpPr>
           <p:nvPr>
-            <p:ph idx="1"/>
+            <p:ph type="body" idx="1"/>
           </p:nvPr>
         </p:nvSpPr>
-        <p:spPr>
-          <a:xfrm>
-            <a:off x="2447566" y="1369219"/>
-            <a:ext cx="6067783" cy="3263504"/>
-          </a:xfrm>
-        </p:spPr>
+        <p:spPr/>
         <p:txBody>
           <a:bodyPr/>
           <a:lstStyle/>
           <a:p>
             <a:r>
-              <a:rPr lang="en-CH"/>
-              <a:t>GitHub </a:t>
-            </a:r>
-            <a:r>
-              <a:rPr lang="en-CH">
-                <a:sym typeface="Wingdings" pitchFamily="2" charset="2"/>
-              </a:rPr>
-              <a:t> code exchange; backup; versioning; make work on code in large teams easy</a:t>
-            </a:r>
-          </a:p>
-          <a:p>
-            <a:r>
-              <a:rPr lang="en-GB">
-                <a:sym typeface="Wingdings" pitchFamily="2" charset="2"/>
-              </a:rPr>
-              <a:t>P</a:t>
-            </a:r>
-            <a:r>
-              <a:rPr lang="en-CH">
-                <a:sym typeface="Wingdings" pitchFamily="2" charset="2"/>
-              </a:rPr>
-              <a:t>ython  a great programming language with more scientific computing functions that you will ever need (and a large community)</a:t>
-            </a:r>
-          </a:p>
-          <a:p>
-            <a:r>
-              <a:rPr lang="en-CH">
-                <a:sym typeface="Wingdings" pitchFamily="2" charset="2"/>
-              </a:rPr>
-              <a:t>Jupyter notebooks  A webbased programming environment great for documenting experiments, by mixing text, equations, plots and code</a:t>
-            </a:r>
-            <a:endParaRPr lang="en-CH"/>
+              <a:rPr lang="en-CH" dirty="0"/>
+              <a:t>An overview of important steps to take to make machine learning research reproducible</a:t>
+            </a:r>
           </a:p>
         </p:txBody>
       </p:sp>
-      <p:pic>
-        <p:nvPicPr>
-          <p:cNvPr id="4" name="Picture 2" descr="See the source image">
-            <a:extLst>
-              <a:ext uri="{FF2B5EF4-FFF2-40B4-BE49-F238E27FC236}">
-                <a16:creationId xmlns:a16="http://schemas.microsoft.com/office/drawing/2014/main" id="{73C812AD-3D62-949D-D4BB-54DB5062BD4F}"/>
-              </a:ext>
-            </a:extLst>
-          </p:cNvPr>
-          <p:cNvPicPr>
-            <a:picLocks noChangeAspect="1" noChangeArrowheads="1"/>
-          </p:cNvPicPr>
-          <p:nvPr/>
-        </p:nvPicPr>
-        <p:blipFill>
-          <a:blip r:embed="rId2">
-            <a:extLst>
-              <a:ext uri="{28A0092B-C50C-407E-A947-70E740481C1C}">
-                <a14:useLocalDpi xmlns:a14="http://schemas.microsoft.com/office/drawing/2010/main" val="0"/>
-              </a:ext>
-            </a:extLst>
-          </a:blip>
-          <a:srcRect/>
-          <a:stretch>
-            <a:fillRect/>
-          </a:stretch>
-        </p:blipFill>
-        <p:spPr bwMode="auto">
-          <a:xfrm>
-            <a:off x="1158363" y="1194399"/>
-            <a:ext cx="894555" cy="922510"/>
-          </a:xfrm>
-          <a:prstGeom prst="rect">
-            <a:avLst/>
-          </a:prstGeom>
-          <a:noFill/>
-          <a:extLst>
-            <a:ext uri="{909E8E84-426E-40DD-AFC4-6F175D3DCCD1}">
-              <a14:hiddenFill xmlns:a14="http://schemas.microsoft.com/office/drawing/2010/main">
-                <a:solidFill>
-                  <a:srgbClr val="FFFFFF"/>
-                </a:solidFill>
-              </a14:hiddenFill>
-            </a:ext>
-          </a:extLst>
-        </p:spPr>
-      </p:pic>
-      <p:pic>
-        <p:nvPicPr>
-          <p:cNvPr id="5" name="Picture 4" descr="See the source image">
-            <a:extLst>
-              <a:ext uri="{FF2B5EF4-FFF2-40B4-BE49-F238E27FC236}">
-                <a16:creationId xmlns:a16="http://schemas.microsoft.com/office/drawing/2014/main" id="{832280DF-9634-D5B5-F014-92243B71864E}"/>
-              </a:ext>
-            </a:extLst>
-          </p:cNvPr>
-          <p:cNvPicPr>
-            <a:picLocks noChangeAspect="1" noChangeArrowheads="1"/>
-          </p:cNvPicPr>
-          <p:nvPr/>
-        </p:nvPicPr>
-        <p:blipFill>
-          <a:blip r:embed="rId3">
-            <a:extLst>
-              <a:ext uri="{28A0092B-C50C-407E-A947-70E740481C1C}">
-                <a14:useLocalDpi xmlns:a14="http://schemas.microsoft.com/office/drawing/2010/main" val="0"/>
-              </a:ext>
-            </a:extLst>
-          </a:blip>
-          <a:srcRect/>
-          <a:stretch>
-            <a:fillRect/>
-          </a:stretch>
-        </p:blipFill>
-        <p:spPr bwMode="auto">
-          <a:xfrm>
-            <a:off x="1274905" y="3163730"/>
-            <a:ext cx="697331" cy="693467"/>
-          </a:xfrm>
-          <a:prstGeom prst="rect">
-            <a:avLst/>
-          </a:prstGeom>
-          <a:noFill/>
-          <a:extLst>
-            <a:ext uri="{909E8E84-426E-40DD-AFC4-6F175D3DCCD1}">
-              <a14:hiddenFill xmlns:a14="http://schemas.microsoft.com/office/drawing/2010/main">
-                <a:solidFill>
-                  <a:srgbClr val="FFFFFF"/>
-                </a:solidFill>
-              </a14:hiddenFill>
-            </a:ext>
-          </a:extLst>
-        </p:spPr>
-      </p:pic>
-      <p:pic>
-        <p:nvPicPr>
-          <p:cNvPr id="2050" name="Picture 2">
-            <a:extLst>
-              <a:ext uri="{FF2B5EF4-FFF2-40B4-BE49-F238E27FC236}">
-                <a16:creationId xmlns:a16="http://schemas.microsoft.com/office/drawing/2014/main" id="{6FB24B63-D7B3-284A-B497-5EA6D2EB1368}"/>
-              </a:ext>
-            </a:extLst>
-          </p:cNvPr>
-          <p:cNvPicPr>
-            <a:picLocks noChangeAspect="1" noChangeArrowheads="1"/>
-          </p:cNvPicPr>
-          <p:nvPr/>
-        </p:nvPicPr>
-        <p:blipFill>
-          <a:blip r:embed="rId4">
-            <a:extLst>
-              <a:ext uri="{28A0092B-C50C-407E-A947-70E740481C1C}">
-                <a14:useLocalDpi xmlns:a14="http://schemas.microsoft.com/office/drawing/2010/main" val="0"/>
-              </a:ext>
-            </a:extLst>
-          </a:blip>
-          <a:srcRect/>
-          <a:stretch>
-            <a:fillRect/>
-          </a:stretch>
-        </p:blipFill>
-        <p:spPr bwMode="auto">
-          <a:xfrm>
-            <a:off x="388622" y="2266483"/>
-            <a:ext cx="2058944" cy="610534"/>
-          </a:xfrm>
-          <a:prstGeom prst="rect">
-            <a:avLst/>
-          </a:prstGeom>
-          <a:noFill/>
-          <a:extLst>
-            <a:ext uri="{909E8E84-426E-40DD-AFC4-6F175D3DCCD1}">
-              <a14:hiddenFill xmlns:a14="http://schemas.microsoft.com/office/drawing/2010/main">
-                <a:solidFill>
-                  <a:srgbClr val="FFFFFF"/>
-                </a:solidFill>
-              </a14:hiddenFill>
-            </a:ext>
-          </a:extLst>
-        </p:spPr>
-      </p:pic>
     </p:spTree>
     <p:extLst>
       <p:ext uri="{BB962C8B-B14F-4D97-AF65-F5344CB8AC3E}">
-        <p14:creationId xmlns:p14="http://schemas.microsoft.com/office/powerpoint/2010/main" val="2153900089"/>
+        <p14:creationId xmlns:p14="http://schemas.microsoft.com/office/powerpoint/2010/main" val="3213106023"/>
       </p:ext>
     </p:extLst>
   </p:cSld>
@@ -24073,49 +24472,10 @@
       </p:grpSpPr>
       <p:sp>
         <p:nvSpPr>
-          <p:cNvPr id="81" name="CasellaDiTesto 80">
-            <a:extLst>
-              <a:ext uri="{FF2B5EF4-FFF2-40B4-BE49-F238E27FC236}">
-                <a16:creationId xmlns:a16="http://schemas.microsoft.com/office/drawing/2014/main" id="{A876EA04-8ACA-44CC-8625-75505E8D8795}"/>
-              </a:ext>
-            </a:extLst>
-          </p:cNvPr>
-          <p:cNvSpPr txBox="1"/>
-          <p:nvPr/>
-        </p:nvSpPr>
-        <p:spPr>
-          <a:xfrm>
-            <a:off x="284116" y="301934"/>
-            <a:ext cx="3009500" cy="507831"/>
-          </a:xfrm>
-          <a:prstGeom prst="rect">
-            <a:avLst/>
-          </a:prstGeom>
-          <a:noFill/>
-        </p:spPr>
-        <p:txBody>
-          <a:bodyPr wrap="square" rtlCol="0">
-            <a:spAutoFit/>
-          </a:bodyPr>
-          <a:lstStyle/>
-          <a:p>
-            <a:pPr algn="ctr"/>
-            <a:r>
-              <a:rPr lang="en-US" sz="2700" b="1" dirty="0">
-                <a:latin typeface="Arial" panose="020B0604020202020204" pitchFamily="34" charset="0"/>
-                <a:cs typeface="Arial" panose="020B0604020202020204" pitchFamily="34" charset="0"/>
-              </a:rPr>
-              <a:t>Reproducibility</a:t>
-            </a:r>
-          </a:p>
-        </p:txBody>
-      </p:sp>
-      <p:sp>
-        <p:nvSpPr>
-          <p:cNvPr id="2" name="Segnaposto piè di pagina 1">
-            <a:extLst>
-              <a:ext uri="{FF2B5EF4-FFF2-40B4-BE49-F238E27FC236}">
-                <a16:creationId xmlns:a16="http://schemas.microsoft.com/office/drawing/2014/main" id="{46B623E6-57C9-4216-A211-F0D803268716}"/>
+          <p:cNvPr id="2" name="Title 1">
+            <a:extLst>
+              <a:ext uri="{FF2B5EF4-FFF2-40B4-BE49-F238E27FC236}">
+                <a16:creationId xmlns:a16="http://schemas.microsoft.com/office/drawing/2014/main" id="{84692718-604D-8FC1-89C1-1C8AD3538B26}"/>
               </a:ext>
             </a:extLst>
           </p:cNvPr>
@@ -24123,27 +24483,29 @@
             <a:spLocks noGrp="1"/>
           </p:cNvSpPr>
           <p:nvPr>
-            <p:ph type="ftr" sz="quarter" idx="11"/>
+            <p:ph type="title"/>
           </p:nvPr>
         </p:nvSpPr>
         <p:spPr/>
         <p:txBody>
-          <a:bodyPr/>
+          <a:bodyPr>
+            <a:normAutofit fontScale="90000"/>
+          </a:bodyPr>
           <a:lstStyle/>
           <a:p>
             <a:r>
-              <a:rPr lang="en-US"/>
-              <a:t>M. Sperti</a:t>
+              <a:rPr lang="en-CH" dirty="0"/>
+              <a:t>Reproducibility in Machine Learning – How to achieve it (I/III)</a:t>
             </a:r>
           </a:p>
         </p:txBody>
       </p:sp>
       <p:sp>
         <p:nvSpPr>
-          <p:cNvPr id="3" name="Segnaposto numero diapositiva 2">
-            <a:extLst>
-              <a:ext uri="{FF2B5EF4-FFF2-40B4-BE49-F238E27FC236}">
-                <a16:creationId xmlns:a16="http://schemas.microsoft.com/office/drawing/2014/main" id="{5AEF941B-58B3-4C4A-91A0-58A441FDB11A}"/>
+          <p:cNvPr id="3" name="Content Placeholder 2">
+            <a:extLst>
+              <a:ext uri="{FF2B5EF4-FFF2-40B4-BE49-F238E27FC236}">
+                <a16:creationId xmlns:a16="http://schemas.microsoft.com/office/drawing/2014/main" id="{750E87CA-5AD2-DBEF-0B58-4D8E547733CD}"/>
               </a:ext>
             </a:extLst>
           </p:cNvPr>
@@ -24151,186 +24513,154 @@
             <a:spLocks noGrp="1"/>
           </p:cNvSpPr>
           <p:nvPr>
-            <p:ph type="sldNum" sz="quarter" idx="12"/>
+            <p:ph idx="1"/>
           </p:nvPr>
         </p:nvSpPr>
         <p:spPr/>
         <p:txBody>
-          <a:bodyPr/>
-          <a:lstStyle/>
-          <a:p>
-            <a:fld id="{5C698F4D-197E-4845-BBB0-609ADBAC2AB0}" type="slidenum">
-              <a:rPr lang="en-US" smtClean="0"/>
-              <a:t>9</a:t>
-            </a:fld>
-            <a:endParaRPr lang="en-US"/>
-          </a:p>
-        </p:txBody>
-      </p:sp>
-      <p:sp>
-        <p:nvSpPr>
-          <p:cNvPr id="4" name="CasellaDiTesto 3">
-            <a:extLst>
-              <a:ext uri="{FF2B5EF4-FFF2-40B4-BE49-F238E27FC236}">
-                <a16:creationId xmlns:a16="http://schemas.microsoft.com/office/drawing/2014/main" id="{DCE8520C-CF03-4BC8-89E9-2DE98E9287C0}"/>
-              </a:ext>
-            </a:extLst>
-          </p:cNvPr>
-          <p:cNvSpPr txBox="1"/>
-          <p:nvPr/>
-        </p:nvSpPr>
-        <p:spPr>
-          <a:xfrm>
-            <a:off x="399495" y="986243"/>
-            <a:ext cx="8345010" cy="3693319"/>
-          </a:xfrm>
-          <a:prstGeom prst="rect">
-            <a:avLst/>
-          </a:prstGeom>
-          <a:noFill/>
-        </p:spPr>
-        <p:txBody>
-          <a:bodyPr wrap="square" rtlCol="0">
-            <a:spAutoFit/>
+          <a:bodyPr>
+            <a:normAutofit/>
           </a:bodyPr>
           <a:lstStyle/>
           <a:p>
-            <a:pPr marL="214313" indent="-214313" algn="just">
-              <a:buFont typeface="Arial" panose="020B0604020202020204" pitchFamily="34" charset="0"/>
-              <a:buChar char="•"/>
+            <a:pPr marL="0" indent="0" algn="l">
+              <a:buNone/>
             </a:pPr>
             <a:r>
-              <a:rPr lang="en-US" dirty="0">
-                <a:latin typeface="Arial" panose="020B0604020202020204" pitchFamily="34" charset="0"/>
+              <a:rPr lang="en-GB" b="1" i="0" dirty="0">
+                <a:solidFill>
+                  <a:srgbClr val="374151"/>
+                </a:solidFill>
+                <a:effectLst/>
                 <a:cs typeface="Arial" panose="020B0604020202020204" pitchFamily="34" charset="0"/>
               </a:rPr>
-              <a:t>At the beginning of every research project (especially involving </a:t>
-            </a:r>
-            <a:r>
-              <a:rPr lang="en-US" i="1" dirty="0">
-                <a:latin typeface="Arial" panose="020B0604020202020204" pitchFamily="34" charset="0"/>
+              <a:t>Set Random Seeds:</a:t>
+            </a:r>
+            <a:r>
+              <a:rPr lang="en-GB" dirty="0">
+                <a:solidFill>
+                  <a:srgbClr val="374151"/>
+                </a:solidFill>
                 <a:cs typeface="Arial" panose="020B0604020202020204" pitchFamily="34" charset="0"/>
               </a:rPr>
-              <a:t>big amounts of data</a:t>
-            </a:r>
-            <a:r>
-              <a:rPr lang="en-US" dirty="0">
-                <a:latin typeface="Arial" panose="020B0604020202020204" pitchFamily="34" charset="0"/>
+              <a:t> </a:t>
+            </a:r>
+            <a:r>
+              <a:rPr lang="en-GB" b="0" i="0" dirty="0">
+                <a:solidFill>
+                  <a:srgbClr val="374151"/>
+                </a:solidFill>
+                <a:effectLst/>
                 <a:cs typeface="Arial" panose="020B0604020202020204" pitchFamily="34" charset="0"/>
               </a:rPr>
-              <a:t>), it is fundamental to clearly organize data, code and documentation inside a unique place</a:t>
-            </a:r>
-          </a:p>
-          <a:p>
-            <a:pPr marL="214313" indent="-214313" algn="just">
-              <a:buFont typeface="Arial" panose="020B0604020202020204" pitchFamily="34" charset="0"/>
-              <a:buChar char="•"/>
+              <a:t>Initialize random number generators with fixed seeds to ensure consistent results in processes like data shuffling, weight initialization, and data splitting.</a:t>
+            </a:r>
+          </a:p>
+          <a:p>
+            <a:pPr marL="0" indent="0" algn="l">
+              <a:buNone/>
             </a:pPr>
-            <a:endParaRPr lang="en-US" dirty="0">
-              <a:latin typeface="Arial" panose="020B0604020202020204" pitchFamily="34" charset="0"/>
+            <a:r>
+              <a:rPr lang="en-GB" b="1" i="0" dirty="0">
+                <a:solidFill>
+                  <a:srgbClr val="374151"/>
+                </a:solidFill>
+                <a:effectLst/>
+                <a:cs typeface="Arial" panose="020B0604020202020204" pitchFamily="34" charset="0"/>
+              </a:rPr>
+              <a:t>Version Control for Code: </a:t>
+            </a:r>
+            <a:r>
+              <a:rPr lang="en-GB" b="0" i="0" dirty="0">
+                <a:solidFill>
+                  <a:srgbClr val="374151"/>
+                </a:solidFill>
+                <a:effectLst/>
+                <a:cs typeface="Arial" panose="020B0604020202020204" pitchFamily="34" charset="0"/>
+              </a:rPr>
+              <a:t>Use version control systems like Git to track and manage changes in your code.</a:t>
+            </a:r>
+          </a:p>
+          <a:p>
+            <a:pPr marL="0" indent="0" algn="l">
+              <a:buNone/>
+            </a:pPr>
+            <a:r>
+              <a:rPr lang="en-GB" b="1" i="0" dirty="0">
+                <a:solidFill>
+                  <a:srgbClr val="374151"/>
+                </a:solidFill>
+                <a:effectLst/>
+                <a:cs typeface="Arial" panose="020B0604020202020204" pitchFamily="34" charset="0"/>
+              </a:rPr>
+              <a:t>Document the Environment: </a:t>
+            </a:r>
+            <a:r>
+              <a:rPr lang="en-GB" b="0" i="0" dirty="0">
+                <a:solidFill>
+                  <a:srgbClr val="374151"/>
+                </a:solidFill>
+                <a:effectLst/>
+                <a:cs typeface="Arial" panose="020B0604020202020204" pitchFamily="34" charset="0"/>
+              </a:rPr>
+              <a:t>Specify and share the versions of the programming language, machine learning libraries, and other dependencies used (e.g., Python, TensorFlow, scikit-learn). Tools like Docker or </a:t>
+            </a:r>
+            <a:r>
+              <a:rPr lang="en-GB" b="0" i="0" dirty="0" err="1">
+                <a:solidFill>
+                  <a:srgbClr val="374151"/>
+                </a:solidFill>
+                <a:effectLst/>
+                <a:cs typeface="Arial" panose="020B0604020202020204" pitchFamily="34" charset="0"/>
+              </a:rPr>
+              <a:t>Conda</a:t>
+            </a:r>
+            <a:r>
+              <a:rPr lang="en-GB" b="0" i="0" dirty="0">
+                <a:solidFill>
+                  <a:srgbClr val="374151"/>
+                </a:solidFill>
+                <a:effectLst/>
+                <a:cs typeface="Arial" panose="020B0604020202020204" pitchFamily="34" charset="0"/>
+              </a:rPr>
+              <a:t> can be used to create reproducible environments.</a:t>
+            </a:r>
+          </a:p>
+          <a:p>
+            <a:pPr marL="0" indent="0" algn="l">
+              <a:buNone/>
+            </a:pPr>
+            <a:endParaRPr lang="en-GB" b="0" i="0" dirty="0">
+              <a:solidFill>
+                <a:srgbClr val="374151"/>
+              </a:solidFill>
+              <a:effectLst/>
               <a:cs typeface="Arial" panose="020B0604020202020204" pitchFamily="34" charset="0"/>
             </a:endParaRPr>
           </a:p>
           <a:p>
-            <a:pPr marL="214313" indent="-214313" algn="just">
-              <a:buFont typeface="Arial" panose="020B0604020202020204" pitchFamily="34" charset="0"/>
-              <a:buChar char="•"/>
+            <a:pPr marL="0" indent="0" algn="l">
+              <a:buNone/>
             </a:pPr>
-            <a:r>
-              <a:rPr lang="en-US" dirty="0">
-                <a:latin typeface="Arial" panose="020B0604020202020204" pitchFamily="34" charset="0"/>
-                <a:cs typeface="Arial" panose="020B0604020202020204" pitchFamily="34" charset="0"/>
-              </a:rPr>
-              <a:t>The reason for this is  </a:t>
-            </a:r>
-            <a:r>
-              <a:rPr lang="en-US" i="1" dirty="0">
-                <a:latin typeface="Arial" panose="020B0604020202020204" pitchFamily="34" charset="0"/>
-                <a:cs typeface="Arial" panose="020B0604020202020204" pitchFamily="34" charset="0"/>
-              </a:rPr>
-              <a:t>reproducibility</a:t>
-            </a:r>
-          </a:p>
-          <a:p>
-            <a:pPr marL="214313" indent="-214313" algn="just">
-              <a:buFont typeface="Arial" panose="020B0604020202020204" pitchFamily="34" charset="0"/>
-              <a:buChar char="•"/>
-            </a:pPr>
-            <a:endParaRPr lang="en-US" i="1" dirty="0">
-              <a:latin typeface="Arial" panose="020B0604020202020204" pitchFamily="34" charset="0"/>
+            <a:endParaRPr lang="en-GB" b="0" i="0" dirty="0">
+              <a:solidFill>
+                <a:srgbClr val="374151"/>
+              </a:solidFill>
+              <a:effectLst/>
               <a:cs typeface="Arial" panose="020B0604020202020204" pitchFamily="34" charset="0"/>
             </a:endParaRPr>
           </a:p>
           <a:p>
-            <a:pPr marL="214313" indent="-214313" algn="just">
-              <a:buFont typeface="Arial" panose="020B0604020202020204" pitchFamily="34" charset="0"/>
-              <a:buChar char="•"/>
-            </a:pPr>
-            <a:r>
-              <a:rPr lang="en-US" dirty="0">
-                <a:latin typeface="Arial" panose="020B0604020202020204" pitchFamily="34" charset="0"/>
-                <a:cs typeface="Arial" panose="020B0604020202020204" pitchFamily="34" charset="0"/>
-              </a:rPr>
-              <a:t>When you perform experiments and analysis on data, you must guarantee that every test you do is reproducible and that, given the same inputs, you always obtain the same outputs</a:t>
-            </a:r>
-          </a:p>
-          <a:p>
-            <a:pPr marL="214313" indent="-214313" algn="just">
-              <a:buFont typeface="Arial" panose="020B0604020202020204" pitchFamily="34" charset="0"/>
-              <a:buChar char="•"/>
-            </a:pPr>
-            <a:endParaRPr lang="en-US" dirty="0">
-              <a:latin typeface="Arial" panose="020B0604020202020204" pitchFamily="34" charset="0"/>
+            <a:endParaRPr lang="en-CH" dirty="0">
               <a:cs typeface="Arial" panose="020B0604020202020204" pitchFamily="34" charset="0"/>
             </a:endParaRPr>
-          </a:p>
-          <a:p>
-            <a:pPr marL="214313" indent="-214313" algn="just">
-              <a:buFont typeface="Arial" panose="020B0604020202020204" pitchFamily="34" charset="0"/>
-              <a:buChar char="•"/>
-            </a:pPr>
-            <a:r>
-              <a:rPr lang="en-US" dirty="0">
-                <a:latin typeface="Arial" panose="020B0604020202020204" pitchFamily="34" charset="0"/>
-                <a:cs typeface="Arial" panose="020B0604020202020204" pitchFamily="34" charset="0"/>
-              </a:rPr>
-              <a:t>Moreover, this is very useful when you produce </a:t>
-            </a:r>
-            <a:r>
-              <a:rPr lang="en-US" i="1" dirty="0">
-                <a:latin typeface="Arial" panose="020B0604020202020204" pitchFamily="34" charset="0"/>
-                <a:cs typeface="Arial" panose="020B0604020202020204" pitchFamily="34" charset="0"/>
-              </a:rPr>
-              <a:t>research papers</a:t>
-            </a:r>
-            <a:r>
-              <a:rPr lang="en-US" dirty="0">
-                <a:latin typeface="Arial" panose="020B0604020202020204" pitchFamily="34" charset="0"/>
-                <a:cs typeface="Arial" panose="020B0604020202020204" pitchFamily="34" charset="0"/>
-              </a:rPr>
-              <a:t>, since you must clearly describe the operations you performed on data (in the </a:t>
-            </a:r>
-            <a:r>
-              <a:rPr lang="en-US" i="1" dirty="0">
-                <a:latin typeface="Arial" panose="020B0604020202020204" pitchFamily="34" charset="0"/>
-                <a:cs typeface="Arial" panose="020B0604020202020204" pitchFamily="34" charset="0"/>
-              </a:rPr>
-              <a:t>methods</a:t>
-            </a:r>
-            <a:r>
-              <a:rPr lang="en-US" dirty="0">
-                <a:latin typeface="Arial" panose="020B0604020202020204" pitchFamily="34" charset="0"/>
-                <a:cs typeface="Arial" panose="020B0604020202020204" pitchFamily="34" charset="0"/>
-              </a:rPr>
-              <a:t> section) and provide lots of figures to prove your findings</a:t>
-            </a:r>
           </a:p>
         </p:txBody>
       </p:sp>
     </p:spTree>
     <p:extLst>
       <p:ext uri="{BB962C8B-B14F-4D97-AF65-F5344CB8AC3E}">
-        <p14:creationId xmlns:p14="http://schemas.microsoft.com/office/powerpoint/2010/main" val="3155658972"/>
+        <p14:creationId xmlns:p14="http://schemas.microsoft.com/office/powerpoint/2010/main" val="1325699700"/>
       </p:ext>
     </p:extLst>
   </p:cSld>
